--- a/Диплом презентация  V.2.0.pptx
+++ b/Диплом презентация  V.2.0.pptx
@@ -1,26 +1,29 @@
 
 <file path=ppt/presentation.xml><?xml version="1.0" encoding="utf-8"?>
-<p:presentation xmlns:a="http://schemas.openxmlformats.org/drawingml/2006/main" xmlns:r="http://schemas.openxmlformats.org/officeDocument/2006/relationships" xmlns:p="http://schemas.openxmlformats.org/presentationml/2006/main" saveSubsetFonts="1">
+<p:presentation xmlns:a="http://schemas.openxmlformats.org/drawingml/2006/main" xmlns:r="http://schemas.openxmlformats.org/officeDocument/2006/relationships" xmlns:p="http://schemas.openxmlformats.org/presentationml/2006/main" showSpecialPlsOnTitleSld="0" saveSubsetFonts="1">
   <p:sldMasterIdLst>
     <p:sldMasterId id="2147483732" r:id="rId1"/>
   </p:sldMasterIdLst>
   <p:notesMasterIdLst>
     <p:notesMasterId r:id="rId15"/>
   </p:notesMasterIdLst>
+  <p:handoutMasterIdLst>
+    <p:handoutMasterId r:id="rId16"/>
+  </p:handoutMasterIdLst>
   <p:sldIdLst>
     <p:sldId id="256" r:id="rId2"/>
     <p:sldId id="258" r:id="rId3"/>
-    <p:sldId id="259" r:id="rId4"/>
-    <p:sldId id="260" r:id="rId5"/>
-    <p:sldId id="261" r:id="rId6"/>
-    <p:sldId id="263" r:id="rId7"/>
-    <p:sldId id="265" r:id="rId8"/>
-    <p:sldId id="267" r:id="rId9"/>
-    <p:sldId id="268" r:id="rId10"/>
-    <p:sldId id="269" r:id="rId11"/>
-    <p:sldId id="271" r:id="rId12"/>
-    <p:sldId id="272" r:id="rId13"/>
-    <p:sldId id="270" r:id="rId14"/>
+    <p:sldId id="260" r:id="rId4"/>
+    <p:sldId id="261" r:id="rId5"/>
+    <p:sldId id="263" r:id="rId6"/>
+    <p:sldId id="265" r:id="rId7"/>
+    <p:sldId id="267" r:id="rId8"/>
+    <p:sldId id="268" r:id="rId9"/>
+    <p:sldId id="269" r:id="rId10"/>
+    <p:sldId id="271" r:id="rId11"/>
+    <p:sldId id="272" r:id="rId12"/>
+    <p:sldId id="270" r:id="rId13"/>
+    <p:sldId id="273" r:id="rId14"/>
   </p:sldIdLst>
   <p:sldSz cx="12192000" cy="6858000"/>
   <p:notesSz cx="6858000" cy="9144000"/>
@@ -127,6 +130,171 @@
 </p:presentation>
 </file>
 
+<file path=ppt/handoutMasters/handoutMaster1.xml><?xml version="1.0" encoding="utf-8"?>
+<p:handoutMaster xmlns:a="http://schemas.openxmlformats.org/drawingml/2006/main" xmlns:r="http://schemas.openxmlformats.org/officeDocument/2006/relationships" xmlns:p="http://schemas.openxmlformats.org/presentationml/2006/main">
+  <p:cSld>
+    <p:bg>
+      <p:bgRef idx="1001">
+        <a:schemeClr val="bg1"/>
+      </p:bgRef>
+    </p:bg>
+    <p:spTree>
+      <p:nvGrpSpPr>
+        <p:cNvPr id="1" name=""/>
+        <p:cNvGrpSpPr/>
+        <p:nvPr/>
+      </p:nvGrpSpPr>
+      <p:grpSpPr>
+        <a:xfrm>
+          <a:off x="0" y="0"/>
+          <a:ext cx="0" cy="0"/>
+          <a:chOff x="0" y="0"/>
+          <a:chExt cx="0" cy="0"/>
+        </a:xfrm>
+      </p:grpSpPr>
+      <p:sp>
+        <p:nvSpPr>
+          <p:cNvPr id="2" name="Верхний колонтитул 1"/>
+          <p:cNvSpPr>
+            <a:spLocks noGrp="1"/>
+          </p:cNvSpPr>
+          <p:nvPr>
+            <p:ph type="hdr" sz="quarter"/>
+          </p:nvPr>
+        </p:nvSpPr>
+        <p:spPr>
+          <a:xfrm>
+            <a:off x="0" y="0"/>
+            <a:ext cx="2971800" cy="458788"/>
+          </a:xfrm>
+          <a:prstGeom prst="rect">
+            <a:avLst/>
+          </a:prstGeom>
+        </p:spPr>
+        <p:txBody>
+          <a:bodyPr vert="horz" lIns="91440" tIns="45720" rIns="91440" bIns="45720" rtlCol="0"/>
+          <a:lstStyle>
+            <a:lvl1pPr algn="l">
+              <a:defRPr sz="1200"/>
+            </a:lvl1pPr>
+          </a:lstStyle>
+          <a:p>
+            <a:endParaRPr lang="ru-RU"/>
+          </a:p>
+        </p:txBody>
+      </p:sp>
+      <p:sp>
+        <p:nvSpPr>
+          <p:cNvPr id="3" name="Дата 2"/>
+          <p:cNvSpPr>
+            <a:spLocks noGrp="1"/>
+          </p:cNvSpPr>
+          <p:nvPr>
+            <p:ph type="dt" sz="quarter" idx="1"/>
+          </p:nvPr>
+        </p:nvSpPr>
+        <p:spPr>
+          <a:xfrm>
+            <a:off x="3884613" y="0"/>
+            <a:ext cx="2971800" cy="458788"/>
+          </a:xfrm>
+          <a:prstGeom prst="rect">
+            <a:avLst/>
+          </a:prstGeom>
+        </p:spPr>
+        <p:txBody>
+          <a:bodyPr vert="horz" lIns="91440" tIns="45720" rIns="91440" bIns="45720" rtlCol="0"/>
+          <a:lstStyle>
+            <a:lvl1pPr algn="r">
+              <a:defRPr sz="1200"/>
+            </a:lvl1pPr>
+          </a:lstStyle>
+          <a:p>
+            <a:fld id="{F23E337C-0129-4FEA-B019-38D77AE0AF98}" type="datetimeFigureOut">
+              <a:rPr lang="ru-RU" smtClean="0"/>
+              <a:t>21.06.2016</a:t>
+            </a:fld>
+            <a:endParaRPr lang="ru-RU"/>
+          </a:p>
+        </p:txBody>
+      </p:sp>
+      <p:sp>
+        <p:nvSpPr>
+          <p:cNvPr id="4" name="Нижний колонтитул 3"/>
+          <p:cNvSpPr>
+            <a:spLocks noGrp="1"/>
+          </p:cNvSpPr>
+          <p:nvPr>
+            <p:ph type="ftr" sz="quarter" idx="2"/>
+          </p:nvPr>
+        </p:nvSpPr>
+        <p:spPr>
+          <a:xfrm>
+            <a:off x="0" y="8685213"/>
+            <a:ext cx="2971800" cy="458787"/>
+          </a:xfrm>
+          <a:prstGeom prst="rect">
+            <a:avLst/>
+          </a:prstGeom>
+        </p:spPr>
+        <p:txBody>
+          <a:bodyPr vert="horz" lIns="91440" tIns="45720" rIns="91440" bIns="45720" rtlCol="0" anchor="b"/>
+          <a:lstStyle>
+            <a:lvl1pPr algn="l">
+              <a:defRPr sz="1200"/>
+            </a:lvl1pPr>
+          </a:lstStyle>
+          <a:p>
+            <a:endParaRPr lang="ru-RU"/>
+          </a:p>
+        </p:txBody>
+      </p:sp>
+      <p:sp>
+        <p:nvSpPr>
+          <p:cNvPr id="5" name="Номер слайда 4"/>
+          <p:cNvSpPr>
+            <a:spLocks noGrp="1"/>
+          </p:cNvSpPr>
+          <p:nvPr>
+            <p:ph type="sldNum" sz="quarter" idx="3"/>
+          </p:nvPr>
+        </p:nvSpPr>
+        <p:spPr>
+          <a:xfrm>
+            <a:off x="3884613" y="8685213"/>
+            <a:ext cx="2971800" cy="458787"/>
+          </a:xfrm>
+          <a:prstGeom prst="rect">
+            <a:avLst/>
+          </a:prstGeom>
+        </p:spPr>
+        <p:txBody>
+          <a:bodyPr vert="horz" lIns="91440" tIns="45720" rIns="91440" bIns="45720" rtlCol="0" anchor="b"/>
+          <a:lstStyle>
+            <a:lvl1pPr algn="r">
+              <a:defRPr sz="1200"/>
+            </a:lvl1pPr>
+          </a:lstStyle>
+          <a:p>
+            <a:fld id="{7C06BCA9-1D9F-4A38-9726-D0E7597BB5FC}" type="slidenum">
+              <a:rPr lang="ru-RU" smtClean="0"/>
+              <a:t>‹#›</a:t>
+            </a:fld>
+            <a:endParaRPr lang="ru-RU"/>
+          </a:p>
+        </p:txBody>
+      </p:sp>
+    </p:spTree>
+    <p:extLst>
+      <p:ext uri="{BB962C8B-B14F-4D97-AF65-F5344CB8AC3E}">
+        <p14:creationId xmlns:p14="http://schemas.microsoft.com/office/powerpoint/2010/main" val="3151347022"/>
+      </p:ext>
+    </p:extLst>
+  </p:cSld>
+  <p:clrMap bg1="lt1" tx1="dk1" bg2="lt2" tx2="dk2" accent1="accent1" accent2="accent2" accent3="accent3" accent4="accent4" accent5="accent5" accent6="accent6" hlink="hlink" folHlink="folHlink"/>
+</p:handoutMaster>
+</file>
+
 <file path=ppt/notesMasters/notesMaster1.xml><?xml version="1.0" encoding="utf-8"?>
 <p:notesMaster xmlns:a="http://schemas.openxmlformats.org/drawingml/2006/main" xmlns:r="http://schemas.openxmlformats.org/officeDocument/2006/relationships" xmlns:p="http://schemas.openxmlformats.org/presentationml/2006/main">
   <p:cSld>
@@ -209,7 +377,7 @@
           <a:p>
             <a:fld id="{CBD223FF-DCCE-4290-B61A-418B89AE0602}" type="datetimeFigureOut">
               <a:rPr lang="ru-RU" smtClean="0"/>
-              <a:t>17.06.2016</a:t>
+              <a:t>21.06.2016</a:t>
             </a:fld>
             <a:endParaRPr lang="ru-RU"/>
           </a:p>
@@ -4835,9 +5003,9 @@
           <a:bodyPr/>
           <a:lstStyle/>
           <a:p>
-            <a:fld id="{C3958FB2-3D4B-4179-A8C6-85BD94BC8E84}" type="datetimeFigureOut">
+            <a:fld id="{CD577F43-B049-4318-A7E1-3084AED84E7D}" type="datetime1">
               <a:rPr lang="ru-RU" smtClean="0"/>
-              <a:t>17.06.2016</a:t>
+              <a:t>21.06.2016</a:t>
             </a:fld>
             <a:endParaRPr lang="ru-RU"/>
           </a:p>
@@ -5102,9 +5270,9 @@
           <a:bodyPr/>
           <a:lstStyle/>
           <a:p>
-            <a:fld id="{C3958FB2-3D4B-4179-A8C6-85BD94BC8E84}" type="datetimeFigureOut">
+            <a:fld id="{FDE213A5-C21C-4535-8D96-8AFE4496C16E}" type="datetime1">
               <a:rPr lang="ru-RU" smtClean="0"/>
-              <a:t>17.06.2016</a:t>
+              <a:t>21.06.2016</a:t>
             </a:fld>
             <a:endParaRPr lang="ru-RU"/>
           </a:p>
@@ -5298,9 +5466,9 @@
           <a:bodyPr/>
           <a:lstStyle/>
           <a:p>
-            <a:fld id="{C3958FB2-3D4B-4179-A8C6-85BD94BC8E84}" type="datetimeFigureOut">
+            <a:fld id="{AD703B51-746A-410B-8E23-483C9D71FFBE}" type="datetime1">
               <a:rPr lang="ru-RU" smtClean="0"/>
-              <a:t>17.06.2016</a:t>
+              <a:t>21.06.2016</a:t>
             </a:fld>
             <a:endParaRPr lang="ru-RU"/>
           </a:p>
@@ -5561,9 +5729,9 @@
           <a:bodyPr/>
           <a:lstStyle/>
           <a:p>
-            <a:fld id="{C3958FB2-3D4B-4179-A8C6-85BD94BC8E84}" type="datetimeFigureOut">
+            <a:fld id="{4C0F2EF0-D780-4DA7-9C4A-7FFFAC313E20}" type="datetime1">
               <a:rPr lang="ru-RU" smtClean="0"/>
-              <a:t>17.06.2016</a:t>
+              <a:t>21.06.2016</a:t>
             </a:fld>
             <a:endParaRPr lang="ru-RU"/>
           </a:p>
@@ -5995,9 +6163,9 @@
           <a:bodyPr/>
           <a:lstStyle/>
           <a:p>
-            <a:fld id="{C3958FB2-3D4B-4179-A8C6-85BD94BC8E84}" type="datetimeFigureOut">
+            <a:fld id="{7914C1CD-2810-4479-9DD3-722A72B5FE25}" type="datetime1">
               <a:rPr lang="ru-RU" smtClean="0"/>
-              <a:t>17.06.2016</a:t>
+              <a:t>21.06.2016</a:t>
             </a:fld>
             <a:endParaRPr lang="ru-RU"/>
           </a:p>
@@ -6541,9 +6709,9 @@
           <a:bodyPr/>
           <a:lstStyle/>
           <a:p>
-            <a:fld id="{C3958FB2-3D4B-4179-A8C6-85BD94BC8E84}" type="datetimeFigureOut">
+            <a:fld id="{20521DA5-0559-40E2-915B-315B280E900B}" type="datetime1">
               <a:rPr lang="ru-RU" smtClean="0"/>
-              <a:t>17.06.2016</a:t>
+              <a:t>21.06.2016</a:t>
             </a:fld>
             <a:endParaRPr lang="ru-RU"/>
           </a:p>
@@ -7261,9 +7429,9 @@
           <a:bodyPr/>
           <a:lstStyle/>
           <a:p>
-            <a:fld id="{C3958FB2-3D4B-4179-A8C6-85BD94BC8E84}" type="datetimeFigureOut">
+            <a:fld id="{A56B78DD-6D0D-45FD-8D6E-9C0E2269DACF}" type="datetime1">
               <a:rPr lang="ru-RU" smtClean="0"/>
-              <a:t>17.06.2016</a:t>
+              <a:t>21.06.2016</a:t>
             </a:fld>
             <a:endParaRPr lang="ru-RU"/>
           </a:p>
@@ -7431,9 +7599,9 @@
           <a:bodyPr/>
           <a:lstStyle/>
           <a:p>
-            <a:fld id="{C3958FB2-3D4B-4179-A8C6-85BD94BC8E84}" type="datetimeFigureOut">
+            <a:fld id="{77817AE1-FF1F-45E5-9742-FD08DE60007F}" type="datetime1">
               <a:rPr lang="ru-RU" smtClean="0"/>
-              <a:t>17.06.2016</a:t>
+              <a:t>21.06.2016</a:t>
             </a:fld>
             <a:endParaRPr lang="ru-RU"/>
           </a:p>
@@ -7611,9 +7779,9 @@
           <a:bodyPr/>
           <a:lstStyle/>
           <a:p>
-            <a:fld id="{C3958FB2-3D4B-4179-A8C6-85BD94BC8E84}" type="datetimeFigureOut">
+            <a:fld id="{DFF1A2AB-3753-4A1B-9EDA-D81C6F9BD72C}" type="datetime1">
               <a:rPr lang="ru-RU" smtClean="0"/>
-              <a:t>17.06.2016</a:t>
+              <a:t>21.06.2016</a:t>
             </a:fld>
             <a:endParaRPr lang="ru-RU"/>
           </a:p>
@@ -7781,9 +7949,9 @@
           <a:bodyPr/>
           <a:lstStyle/>
           <a:p>
-            <a:fld id="{C3958FB2-3D4B-4179-A8C6-85BD94BC8E84}" type="datetimeFigureOut">
+            <a:fld id="{06570606-0CE8-410A-96CE-EA60CE2027C4}" type="datetime1">
               <a:rPr lang="ru-RU" smtClean="0"/>
-              <a:t>17.06.2016</a:t>
+              <a:t>21.06.2016</a:t>
             </a:fld>
             <a:endParaRPr lang="ru-RU"/>
           </a:p>
@@ -8031,9 +8199,9 @@
           <a:bodyPr/>
           <a:lstStyle/>
           <a:p>
-            <a:fld id="{C3958FB2-3D4B-4179-A8C6-85BD94BC8E84}" type="datetimeFigureOut">
+            <a:fld id="{858CD409-8C89-4449-9CF5-3DC6E28C70FB}" type="datetime1">
               <a:rPr lang="ru-RU" smtClean="0"/>
-              <a:t>17.06.2016</a:t>
+              <a:t>21.06.2016</a:t>
             </a:fld>
             <a:endParaRPr lang="ru-RU"/>
           </a:p>
@@ -8263,9 +8431,9 @@
           <a:bodyPr/>
           <a:lstStyle/>
           <a:p>
-            <a:fld id="{C3958FB2-3D4B-4179-A8C6-85BD94BC8E84}" type="datetimeFigureOut">
+            <a:fld id="{3D4E942B-9FF2-4E58-9DA4-63E83F86131E}" type="datetime1">
               <a:rPr lang="ru-RU" smtClean="0"/>
-              <a:t>17.06.2016</a:t>
+              <a:t>21.06.2016</a:t>
             </a:fld>
             <a:endParaRPr lang="ru-RU"/>
           </a:p>
@@ -8644,9 +8812,9 @@
           <a:bodyPr/>
           <a:lstStyle/>
           <a:p>
-            <a:fld id="{C3958FB2-3D4B-4179-A8C6-85BD94BC8E84}" type="datetimeFigureOut">
+            <a:fld id="{17061C69-AD92-4C52-BC21-69EF65CB0F45}" type="datetime1">
               <a:rPr lang="ru-RU" smtClean="0"/>
-              <a:t>17.06.2016</a:t>
+              <a:t>21.06.2016</a:t>
             </a:fld>
             <a:endParaRPr lang="ru-RU"/>
           </a:p>
@@ -8762,9 +8930,9 @@
           <a:bodyPr/>
           <a:lstStyle/>
           <a:p>
-            <a:fld id="{C3958FB2-3D4B-4179-A8C6-85BD94BC8E84}" type="datetimeFigureOut">
+            <a:fld id="{022D4C20-5BF5-415D-BB70-43703F087D3E}" type="datetime1">
               <a:rPr lang="ru-RU" smtClean="0"/>
-              <a:t>17.06.2016</a:t>
+              <a:t>21.06.2016</a:t>
             </a:fld>
             <a:endParaRPr lang="ru-RU"/>
           </a:p>
@@ -8857,9 +9025,9 @@
           <a:bodyPr/>
           <a:lstStyle/>
           <a:p>
-            <a:fld id="{C3958FB2-3D4B-4179-A8C6-85BD94BC8E84}" type="datetimeFigureOut">
+            <a:fld id="{1A075783-115C-4A0B-B695-1B69A396803D}" type="datetime1">
               <a:rPr lang="ru-RU" smtClean="0"/>
-              <a:t>17.06.2016</a:t>
+              <a:t>21.06.2016</a:t>
             </a:fld>
             <a:endParaRPr lang="ru-RU"/>
           </a:p>
@@ -9106,9 +9274,9 @@
           <a:bodyPr/>
           <a:lstStyle/>
           <a:p>
-            <a:fld id="{C3958FB2-3D4B-4179-A8C6-85BD94BC8E84}" type="datetimeFigureOut">
+            <a:fld id="{7EC1895D-E4A8-4454-B8FD-F5EBF586583E}" type="datetime1">
               <a:rPr lang="ru-RU" smtClean="0"/>
-              <a:t>17.06.2016</a:t>
+              <a:t>21.06.2016</a:t>
             </a:fld>
             <a:endParaRPr lang="ru-RU"/>
           </a:p>
@@ -9386,9 +9554,9 @@
           <a:bodyPr/>
           <a:lstStyle/>
           <a:p>
-            <a:fld id="{C3958FB2-3D4B-4179-A8C6-85BD94BC8E84}" type="datetimeFigureOut">
+            <a:fld id="{564006D0-52F4-4849-BD73-71D1989D95BF}" type="datetime1">
               <a:rPr lang="ru-RU" smtClean="0"/>
-              <a:t>17.06.2016</a:t>
+              <a:t>21.06.2016</a:t>
             </a:fld>
             <a:endParaRPr lang="ru-RU"/>
           </a:p>
@@ -12463,9 +12631,9 @@
             </a:lvl1pPr>
           </a:lstStyle>
           <a:p>
-            <a:fld id="{C3958FB2-3D4B-4179-A8C6-85BD94BC8E84}" type="datetimeFigureOut">
+            <a:fld id="{47F711A4-47F6-4985-820F-D07494E7AFAE}" type="datetime1">
               <a:rPr lang="ru-RU" smtClean="0"/>
-              <a:t>17.06.2016</a:t>
+              <a:t>21.06.2016</a:t>
             </a:fld>
             <a:endParaRPr lang="ru-RU"/>
           </a:p>
@@ -12576,6 +12744,7 @@
     <p:sldLayoutId id="2147483748" r:id="rId16"/>
     <p:sldLayoutId id="2147483749" r:id="rId17"/>
   </p:sldLayoutIdLst>
+  <p:hf hdr="0" ftr="0" dt="0"/>
   <p:txStyles>
     <p:titleStyle>
       <a:lvl1pPr algn="l" defTabSz="914400" rtl="0" eaLnBrk="1" latinLnBrk="0" hangingPunct="1">
@@ -13263,7 +13432,7 @@
         <p:spPr>
           <a:xfrm>
             <a:off x="1141413" y="618518"/>
-            <a:ext cx="9905998" cy="610207"/>
+            <a:ext cx="9905998" cy="619732"/>
           </a:xfrm>
         </p:spPr>
         <p:txBody>
@@ -13272,12 +13441,16 @@
           <a:p>
             <a:pPr algn="ctr"/>
             <a:r>
-              <a:rPr lang="uk-UA" dirty="0"/>
-              <a:t>Опис мови </a:t>
-            </a:r>
-            <a:r>
-              <a:rPr lang="en-US" dirty="0"/>
-              <a:t>Jess</a:t>
+              <a:rPr lang="uk-UA" dirty="0" smtClean="0"/>
+              <a:t>Система </a:t>
+            </a:r>
+            <a:r>
+              <a:rPr lang="en-US" dirty="0" smtClean="0"/>
+              <a:t>ZEVS</a:t>
+            </a:r>
+            <a:r>
+              <a:rPr lang="uk-UA" dirty="0" smtClean="0"/>
+              <a:t>. «Пошук даних»</a:t>
             </a:r>
             <a:endParaRPr lang="ru-RU" dirty="0"/>
           </a:p>
@@ -13285,198 +13458,60 @@
       </p:sp>
       <p:pic>
         <p:nvPicPr>
-          <p:cNvPr id="6146" name="Рисунок 1"/>
+          <p:cNvPr id="4" name="Рисунок 3"/>
           <p:cNvPicPr>
-            <a:picLocks noChangeAspect="1" noChangeArrowheads="1"/>
+            <a:picLocks noChangeAspect="1"/>
           </p:cNvPicPr>
           <p:nvPr/>
         </p:nvPicPr>
         <p:blipFill>
-          <a:blip r:embed="rId2">
-            <a:extLst>
-              <a:ext uri="{28A0092B-C50C-407E-A947-70E740481C1C}">
-                <a14:useLocalDpi xmlns:a14="http://schemas.microsoft.com/office/drawing/2010/main" val="0"/>
-              </a:ext>
-            </a:extLst>
-          </a:blip>
-          <a:srcRect/>
+          <a:blip r:embed="rId2"/>
           <a:stretch>
             <a:fillRect/>
           </a:stretch>
         </p:blipFill>
-        <p:spPr bwMode="auto">
-          <a:xfrm>
-            <a:off x="1649250" y="1616213"/>
-            <a:ext cx="8988832" cy="901840"/>
-          </a:xfrm>
-          <a:prstGeom prst="rect">
-            <a:avLst/>
-          </a:prstGeom>
-          <a:noFill/>
-          <a:ln>
-            <a:noFill/>
-          </a:ln>
-          <a:extLst>
-            <a:ext uri="{909E8E84-426E-40DD-AFC4-6F175D3DCCD1}">
-              <a14:hiddenFill xmlns:a14="http://schemas.microsoft.com/office/drawing/2010/main">
-                <a:solidFill>
-                  <a:srgbClr val="FFFFFF"/>
-                </a:solidFill>
-              </a14:hiddenFill>
-            </a:ext>
-            <a:ext uri="{91240B29-F687-4F45-9708-019B960494DF}">
-              <a14:hiddenLine xmlns:a14="http://schemas.microsoft.com/office/drawing/2010/main" w="9525">
-                <a:solidFill>
-                  <a:srgbClr val="000000"/>
-                </a:solidFill>
-                <a:miter lim="800000"/>
-                <a:headEnd/>
-                <a:tailEnd/>
-              </a14:hiddenLine>
-            </a:ext>
-          </a:extLst>
-        </p:spPr>
-      </p:pic>
-      <p:pic>
-        <p:nvPicPr>
-          <p:cNvPr id="6147" name="Рисунок 1"/>
-          <p:cNvPicPr>
-            <a:picLocks noChangeAspect="1" noChangeArrowheads="1"/>
-          </p:cNvPicPr>
-          <p:nvPr/>
-        </p:nvPicPr>
-        <p:blipFill>
-          <a:blip r:embed="rId3">
-            <a:extLst>
-              <a:ext uri="{28A0092B-C50C-407E-A947-70E740481C1C}">
-                <a14:useLocalDpi xmlns:a14="http://schemas.microsoft.com/office/drawing/2010/main" val="0"/>
-              </a:ext>
-            </a:extLst>
-          </a:blip>
-          <a:srcRect/>
-          <a:stretch>
-            <a:fillRect/>
-          </a:stretch>
-        </p:blipFill>
-        <p:spPr bwMode="auto">
-          <a:xfrm>
-            <a:off x="1649250" y="3409464"/>
-            <a:ext cx="8988832" cy="832146"/>
-          </a:xfrm>
-          <a:prstGeom prst="rect">
-            <a:avLst/>
-          </a:prstGeom>
-          <a:noFill/>
-          <a:ln>
-            <a:noFill/>
-          </a:ln>
-          <a:extLst>
-            <a:ext uri="{909E8E84-426E-40DD-AFC4-6F175D3DCCD1}">
-              <a14:hiddenFill xmlns:a14="http://schemas.microsoft.com/office/drawing/2010/main">
-                <a:solidFill>
-                  <a:srgbClr val="FFFFFF"/>
-                </a:solidFill>
-              </a14:hiddenFill>
-            </a:ext>
-            <a:ext uri="{91240B29-F687-4F45-9708-019B960494DF}">
-              <a14:hiddenLine xmlns:a14="http://schemas.microsoft.com/office/drawing/2010/main" w="9525">
-                <a:solidFill>
-                  <a:srgbClr val="000000"/>
-                </a:solidFill>
-                <a:miter lim="800000"/>
-                <a:headEnd/>
-                <a:tailEnd/>
-              </a14:hiddenLine>
-            </a:ext>
-          </a:extLst>
-        </p:spPr>
-      </p:pic>
-      <p:sp>
-        <p:nvSpPr>
-          <p:cNvPr id="4" name="Прямоугольник 3"/>
-          <p:cNvSpPr/>
-          <p:nvPr/>
-        </p:nvSpPr>
         <p:spPr>
           <a:xfrm>
-            <a:off x="4839240" y="2677358"/>
-            <a:ext cx="2586542" cy="369332"/>
+            <a:off x="2074607" y="1238250"/>
+            <a:ext cx="8212137" cy="5221635"/>
           </a:xfrm>
           <a:prstGeom prst="rect">
             <a:avLst/>
           </a:prstGeom>
         </p:spPr>
-        <p:txBody>
-          <a:bodyPr wrap="none">
-            <a:spAutoFit/>
-          </a:bodyPr>
-          <a:lstStyle/>
-          <a:p>
-            <a:r>
-              <a:rPr lang="uk-UA" dirty="0" smtClean="0">
-                <a:effectLst/>
-                <a:latin typeface="Times New Roman" panose="02020603050405020304" pitchFamily="18" charset="0"/>
-                <a:ea typeface="Calibri" panose="020F0502020204030204" pitchFamily="34" charset="0"/>
-              </a:rPr>
-              <a:t>Запис факту на мові </a:t>
-            </a:r>
-            <a:r>
-              <a:rPr lang="uk-UA" dirty="0" err="1" smtClean="0">
-                <a:effectLst/>
-                <a:latin typeface="Times New Roman" panose="02020603050405020304" pitchFamily="18" charset="0"/>
-                <a:ea typeface="Calibri" panose="020F0502020204030204" pitchFamily="34" charset="0"/>
-              </a:rPr>
-              <a:t>Jess</a:t>
-            </a:r>
-            <a:endParaRPr lang="ru-RU" dirty="0"/>
-          </a:p>
-        </p:txBody>
-      </p:sp>
+      </p:pic>
       <p:sp>
         <p:nvSpPr>
-          <p:cNvPr id="5" name="Прямоугольник 4"/>
-          <p:cNvSpPr/>
-          <p:nvPr/>
+          <p:cNvPr id="5" name="Номер слайда 4"/>
+          <p:cNvSpPr>
+            <a:spLocks noGrp="1"/>
+          </p:cNvSpPr>
+          <p:nvPr>
+            <p:ph type="sldNum" sz="quarter" idx="12"/>
+          </p:nvPr>
         </p:nvSpPr>
         <p:spPr>
           <a:xfrm>
-            <a:off x="4730427" y="4354174"/>
-            <a:ext cx="2804166" cy="369332"/>
+            <a:off x="10286744" y="380697"/>
+            <a:ext cx="771089" cy="365125"/>
           </a:xfrm>
-          <a:prstGeom prst="rect">
-            <a:avLst/>
-          </a:prstGeom>
         </p:spPr>
         <p:txBody>
-          <a:bodyPr wrap="none">
-            <a:spAutoFit/>
-          </a:bodyPr>
+          <a:bodyPr/>
           <a:lstStyle/>
           <a:p>
-            <a:r>
-              <a:rPr lang="uk-UA" dirty="0" smtClean="0">
-                <a:effectLst/>
-                <a:latin typeface="Times New Roman" panose="02020603050405020304" pitchFamily="18" charset="0"/>
-                <a:ea typeface="Calibri" panose="020F0502020204030204" pitchFamily="34" charset="0"/>
-              </a:rPr>
-              <a:t>Запис правила на мові </a:t>
-            </a:r>
-            <a:r>
-              <a:rPr lang="uk-UA" dirty="0" err="1" smtClean="0">
-                <a:effectLst/>
-                <a:latin typeface="Times New Roman" panose="02020603050405020304" pitchFamily="18" charset="0"/>
-                <a:ea typeface="Calibri" panose="020F0502020204030204" pitchFamily="34" charset="0"/>
-              </a:rPr>
-              <a:t>Jess</a:t>
-            </a:r>
-            <a:endParaRPr lang="ru-RU" dirty="0"/>
+            <a:fld id="{1C197F79-B892-4C65-AE2B-C69FA8B311C0}" type="slidenum">
+              <a:rPr lang="ru-RU" sz="1400" smtClean="0"/>
+              <a:t>10</a:t>
+            </a:fld>
+            <a:endParaRPr lang="ru-RU" sz="1400" dirty="0"/>
           </a:p>
         </p:txBody>
       </p:sp>
     </p:spTree>
     <p:extLst>
       <p:ext uri="{BB962C8B-B14F-4D97-AF65-F5344CB8AC3E}">
-        <p14:creationId xmlns:p14="http://schemas.microsoft.com/office/powerpoint/2010/main" val="4072123172"/>
+        <p14:creationId xmlns:p14="http://schemas.microsoft.com/office/powerpoint/2010/main" val="1683742445"/>
       </p:ext>
     </p:extLst>
   </p:cSld>
@@ -13535,7 +13570,7 @@
         <p:spPr>
           <a:xfrm>
             <a:off x="1141413" y="618518"/>
-            <a:ext cx="9905998" cy="619732"/>
+            <a:ext cx="9905998" cy="657832"/>
           </a:xfrm>
         </p:spPr>
         <p:txBody>
@@ -13544,7 +13579,7 @@
           <a:p>
             <a:pPr algn="ctr"/>
             <a:r>
-              <a:rPr lang="uk-UA" dirty="0" smtClean="0"/>
+              <a:rPr lang="uk-UA" dirty="0"/>
               <a:t>Система </a:t>
             </a:r>
             <a:r>
@@ -13553,7 +13588,7 @@
             </a:r>
             <a:r>
               <a:rPr lang="uk-UA" dirty="0" smtClean="0"/>
-              <a:t>. «Пошук даних»</a:t>
+              <a:t>. «Консультація»  </a:t>
             </a:r>
             <a:endParaRPr lang="ru-RU" dirty="0"/>
           </a:p>
@@ -13561,7 +13596,7 @@
       </p:sp>
       <p:pic>
         <p:nvPicPr>
-          <p:cNvPr id="4" name="Рисунок 3"/>
+          <p:cNvPr id="5" name="Рисунок 4"/>
           <p:cNvPicPr>
             <a:picLocks noChangeAspect="1"/>
           </p:cNvPicPr>
@@ -13575,18 +13610,46 @@
         </p:blipFill>
         <p:spPr>
           <a:xfrm>
-            <a:off x="2074607" y="1238250"/>
-            <a:ext cx="8212137" cy="5221635"/>
+            <a:off x="2084387" y="1206642"/>
+            <a:ext cx="8020050" cy="5384658"/>
           </a:xfrm>
           <a:prstGeom prst="rect">
             <a:avLst/>
           </a:prstGeom>
         </p:spPr>
       </p:pic>
+      <p:sp>
+        <p:nvSpPr>
+          <p:cNvPr id="4" name="Номер слайда 3"/>
+          <p:cNvSpPr>
+            <a:spLocks noGrp="1"/>
+          </p:cNvSpPr>
+          <p:nvPr>
+            <p:ph type="sldNum" sz="quarter" idx="12"/>
+          </p:nvPr>
+        </p:nvSpPr>
+        <p:spPr>
+          <a:xfrm>
+            <a:off x="10276322" y="435955"/>
+            <a:ext cx="771089" cy="365125"/>
+          </a:xfrm>
+        </p:spPr>
+        <p:txBody>
+          <a:bodyPr/>
+          <a:lstStyle/>
+          <a:p>
+            <a:fld id="{1C197F79-B892-4C65-AE2B-C69FA8B311C0}" type="slidenum">
+              <a:rPr lang="ru-RU" sz="1400" smtClean="0"/>
+              <a:t>11</a:t>
+            </a:fld>
+            <a:endParaRPr lang="ru-RU" sz="1400" dirty="0"/>
+          </a:p>
+        </p:txBody>
+      </p:sp>
     </p:spTree>
     <p:extLst>
       <p:ext uri="{BB962C8B-B14F-4D97-AF65-F5344CB8AC3E}">
-        <p14:creationId xmlns:p14="http://schemas.microsoft.com/office/powerpoint/2010/main" val="1683742445"/>
+        <p14:creationId xmlns:p14="http://schemas.microsoft.com/office/powerpoint/2010/main" val="1030279849"/>
       </p:ext>
     </p:extLst>
   </p:cSld>
@@ -13644,7 +13707,7 @@
         </p:nvSpPr>
         <p:spPr>
           <a:xfrm>
-            <a:off x="1141413" y="618518"/>
+            <a:off x="1141413" y="618519"/>
             <a:ext cx="9905998" cy="657832"/>
           </a:xfrm>
         </p:spPr>
@@ -13652,51 +13715,460 @@
           <a:bodyPr/>
           <a:lstStyle/>
           <a:p>
-            <a:pPr algn="ctr"/>
-            <a:r>
-              <a:rPr lang="uk-UA" dirty="0"/>
-              <a:t>Система </a:t>
-            </a:r>
-            <a:r>
-              <a:rPr lang="en-US" dirty="0" smtClean="0"/>
-              <a:t>ZEVS</a:t>
-            </a:r>
             <a:r>
               <a:rPr lang="uk-UA" dirty="0" smtClean="0"/>
-              <a:t>. «Консультація»  </a:t>
+              <a:t>Висновки</a:t>
             </a:r>
             <a:endParaRPr lang="ru-RU" dirty="0"/>
           </a:p>
         </p:txBody>
       </p:sp>
-      <p:pic>
-        <p:nvPicPr>
-          <p:cNvPr id="5" name="Рисунок 4"/>
-          <p:cNvPicPr>
-            <a:picLocks noChangeAspect="1"/>
-          </p:cNvPicPr>
+      <p:sp>
+        <p:nvSpPr>
+          <p:cNvPr id="5" name="Прямоугольник 4"/>
+          <p:cNvSpPr/>
           <p:nvPr/>
-        </p:nvPicPr>
-        <p:blipFill>
-          <a:blip r:embed="rId2"/>
-          <a:stretch>
-            <a:fillRect/>
-          </a:stretch>
-        </p:blipFill>
+        </p:nvSpPr>
         <p:spPr>
           <a:xfrm>
-            <a:off x="2084387" y="1206642"/>
-            <a:ext cx="8020050" cy="5384658"/>
+            <a:off x="788987" y="1201287"/>
+            <a:ext cx="10610850" cy="4267322"/>
           </a:xfrm>
           <a:prstGeom prst="rect">
             <a:avLst/>
           </a:prstGeom>
         </p:spPr>
-      </p:pic>
+        <p:txBody>
+          <a:bodyPr wrap="square">
+            <a:spAutoFit/>
+          </a:bodyPr>
+          <a:lstStyle/>
+          <a:p>
+            <a:pPr algn="just">
+              <a:lnSpc>
+                <a:spcPct val="150000"/>
+              </a:lnSpc>
+              <a:spcAft>
+                <a:spcPts val="0"/>
+              </a:spcAft>
+              <a:tabLst>
+                <a:tab pos="2057400" algn="l"/>
+              </a:tabLst>
+            </a:pPr>
+            <a:r>
+              <a:rPr lang="uk-UA" dirty="0" smtClean="0">
+                <a:effectLst/>
+                <a:latin typeface="+mj-lt"/>
+                <a:ea typeface="Calibri" panose="020F0502020204030204" pitchFamily="34" charset="0"/>
+                <a:cs typeface="Times New Roman" panose="02020603050405020304" pitchFamily="18" charset="0"/>
+              </a:rPr>
+              <a:t>В результаті виконання даної роботи було розроблено програмний продукт інформаційної системи з електробезпеки с можливістю консультування «</a:t>
+            </a:r>
+            <a:r>
+              <a:rPr lang="en-US" dirty="0" smtClean="0">
+                <a:latin typeface="+mj-lt"/>
+                <a:ea typeface="Calibri" panose="020F0502020204030204" pitchFamily="34" charset="0"/>
+                <a:cs typeface="Times New Roman" panose="02020603050405020304" pitchFamily="18" charset="0"/>
+              </a:rPr>
+              <a:t>ZEVS</a:t>
+            </a:r>
+            <a:r>
+              <a:rPr lang="uk-UA" dirty="0" smtClean="0">
+                <a:effectLst/>
+                <a:latin typeface="+mj-lt"/>
+                <a:ea typeface="Calibri" panose="020F0502020204030204" pitchFamily="34" charset="0"/>
+                <a:cs typeface="Times New Roman" panose="02020603050405020304" pitchFamily="18" charset="0"/>
+              </a:rPr>
+              <a:t>». </a:t>
+            </a:r>
+            <a:endParaRPr lang="ru-RU" sz="1400" dirty="0" smtClean="0">
+              <a:effectLst/>
+              <a:latin typeface="+mj-lt"/>
+              <a:ea typeface="Calibri" panose="020F0502020204030204" pitchFamily="34" charset="0"/>
+              <a:cs typeface="Times New Roman" panose="02020603050405020304" pitchFamily="18" charset="0"/>
+            </a:endParaRPr>
+          </a:p>
+          <a:p>
+            <a:pPr algn="just">
+              <a:lnSpc>
+                <a:spcPct val="150000"/>
+              </a:lnSpc>
+              <a:spcAft>
+                <a:spcPts val="0"/>
+              </a:spcAft>
+              <a:tabLst>
+                <a:tab pos="2057400" algn="l"/>
+              </a:tabLst>
+            </a:pPr>
+            <a:r>
+              <a:rPr lang="uk-UA" dirty="0" smtClean="0">
+                <a:effectLst/>
+                <a:latin typeface="+mj-lt"/>
+                <a:ea typeface="Calibri" panose="020F0502020204030204" pitchFamily="34" charset="0"/>
+                <a:cs typeface="Times New Roman" panose="02020603050405020304" pitchFamily="18" charset="0"/>
+              </a:rPr>
+              <a:t>В процесі виконання роботи було виконано наступні задачі а саме:</a:t>
+            </a:r>
+            <a:endParaRPr lang="ru-RU" sz="1400" dirty="0" smtClean="0">
+              <a:effectLst/>
+              <a:latin typeface="+mj-lt"/>
+              <a:ea typeface="Calibri" panose="020F0502020204030204" pitchFamily="34" charset="0"/>
+              <a:cs typeface="Times New Roman" panose="02020603050405020304" pitchFamily="18" charset="0"/>
+            </a:endParaRPr>
+          </a:p>
+          <a:p>
+            <a:pPr marL="342900" lvl="0" indent="-342900" algn="just">
+              <a:lnSpc>
+                <a:spcPct val="115000"/>
+              </a:lnSpc>
+              <a:spcAft>
+                <a:spcPts val="1000"/>
+              </a:spcAft>
+              <a:buFontTx/>
+              <a:buChar char="–"/>
+              <a:tabLst>
+                <a:tab pos="450215" algn="l"/>
+                <a:tab pos="2057400" algn="l"/>
+              </a:tabLst>
+            </a:pPr>
+            <a:r>
+              <a:rPr lang="uk-UA" dirty="0" smtClean="0">
+                <a:effectLst/>
+                <a:latin typeface="+mj-lt"/>
+                <a:ea typeface="Times New Roman" panose="02020603050405020304" pitchFamily="18" charset="0"/>
+                <a:cs typeface="Times New Roman" panose="02020603050405020304" pitchFamily="18" charset="0"/>
+              </a:rPr>
+              <a:t>виявлення специфікації вимог програмного продукту</a:t>
+            </a:r>
+            <a:endParaRPr lang="ru-RU" sz="1400" dirty="0" smtClean="0">
+              <a:effectLst/>
+              <a:latin typeface="+mj-lt"/>
+              <a:ea typeface="Times New Roman" panose="02020603050405020304" pitchFamily="18" charset="0"/>
+              <a:cs typeface="Times New Roman" panose="02020603050405020304" pitchFamily="18" charset="0"/>
+            </a:endParaRPr>
+          </a:p>
+          <a:p>
+            <a:pPr marL="342900" lvl="0" indent="-342900" algn="just">
+              <a:lnSpc>
+                <a:spcPct val="115000"/>
+              </a:lnSpc>
+              <a:spcAft>
+                <a:spcPts val="1000"/>
+              </a:spcAft>
+              <a:buFontTx/>
+              <a:buChar char="–"/>
+              <a:tabLst>
+                <a:tab pos="450215" algn="l"/>
+                <a:tab pos="2057400" algn="l"/>
+              </a:tabLst>
+            </a:pPr>
+            <a:r>
+              <a:rPr lang="uk-UA" dirty="0" smtClean="0">
+                <a:effectLst/>
+                <a:latin typeface="+mj-lt"/>
+                <a:ea typeface="Times New Roman" panose="02020603050405020304" pitchFamily="18" charset="0"/>
+                <a:cs typeface="Times New Roman" panose="02020603050405020304" pitchFamily="18" charset="0"/>
+              </a:rPr>
+              <a:t>проведення аналізу раніше знайдених специфікацій вимог</a:t>
+            </a:r>
+            <a:endParaRPr lang="ru-RU" sz="1400" dirty="0" smtClean="0">
+              <a:effectLst/>
+              <a:latin typeface="+mj-lt"/>
+              <a:ea typeface="Times New Roman" panose="02020603050405020304" pitchFamily="18" charset="0"/>
+              <a:cs typeface="Times New Roman" panose="02020603050405020304" pitchFamily="18" charset="0"/>
+            </a:endParaRPr>
+          </a:p>
+          <a:p>
+            <a:pPr marL="342900" lvl="0" indent="-342900" algn="just">
+              <a:lnSpc>
+                <a:spcPct val="115000"/>
+              </a:lnSpc>
+              <a:spcAft>
+                <a:spcPts val="1000"/>
+              </a:spcAft>
+              <a:buFontTx/>
+              <a:buChar char="–"/>
+              <a:tabLst>
+                <a:tab pos="450215" algn="l"/>
+                <a:tab pos="2057400" algn="l"/>
+              </a:tabLst>
+            </a:pPr>
+            <a:r>
+              <a:rPr lang="uk-UA" dirty="0" smtClean="0">
+                <a:effectLst/>
+                <a:latin typeface="+mj-lt"/>
+                <a:ea typeface="Times New Roman" panose="02020603050405020304" pitchFamily="18" charset="0"/>
+                <a:cs typeface="Times New Roman" panose="02020603050405020304" pitchFamily="18" charset="0"/>
+              </a:rPr>
+              <a:t>створення плану розробки з урахуванням специфікацій вимог</a:t>
+            </a:r>
+            <a:endParaRPr lang="ru-RU" sz="1400" dirty="0" smtClean="0">
+              <a:effectLst/>
+              <a:latin typeface="+mj-lt"/>
+              <a:ea typeface="Times New Roman" panose="02020603050405020304" pitchFamily="18" charset="0"/>
+              <a:cs typeface="Times New Roman" panose="02020603050405020304" pitchFamily="18" charset="0"/>
+            </a:endParaRPr>
+          </a:p>
+          <a:p>
+            <a:pPr marL="342900" lvl="0" indent="-342900" algn="just">
+              <a:lnSpc>
+                <a:spcPct val="115000"/>
+              </a:lnSpc>
+              <a:spcAft>
+                <a:spcPts val="1000"/>
+              </a:spcAft>
+              <a:buFontTx/>
+              <a:buChar char="–"/>
+              <a:tabLst>
+                <a:tab pos="450215" algn="l"/>
+                <a:tab pos="2057400" algn="l"/>
+              </a:tabLst>
+            </a:pPr>
+            <a:r>
+              <a:rPr lang="uk-UA" dirty="0" smtClean="0">
+                <a:effectLst/>
+                <a:latin typeface="+mj-lt"/>
+                <a:ea typeface="Times New Roman" panose="02020603050405020304" pitchFamily="18" charset="0"/>
+                <a:cs typeface="Times New Roman" panose="02020603050405020304" pitchFamily="18" charset="0"/>
+              </a:rPr>
+              <a:t>розробка архітектури програмної системи</a:t>
+            </a:r>
+            <a:endParaRPr lang="ru-RU" sz="1400" dirty="0" smtClean="0">
+              <a:effectLst/>
+              <a:latin typeface="+mj-lt"/>
+              <a:ea typeface="Times New Roman" panose="02020603050405020304" pitchFamily="18" charset="0"/>
+              <a:cs typeface="Times New Roman" panose="02020603050405020304" pitchFamily="18" charset="0"/>
+            </a:endParaRPr>
+          </a:p>
+          <a:p>
+            <a:pPr marL="342900" lvl="0" indent="-342900" algn="just">
+              <a:lnSpc>
+                <a:spcPct val="115000"/>
+              </a:lnSpc>
+              <a:spcAft>
+                <a:spcPts val="1000"/>
+              </a:spcAft>
+              <a:buFontTx/>
+              <a:buChar char="–"/>
+              <a:tabLst>
+                <a:tab pos="450215" algn="l"/>
+                <a:tab pos="2057400" algn="l"/>
+              </a:tabLst>
+            </a:pPr>
+            <a:r>
+              <a:rPr lang="uk-UA" dirty="0" smtClean="0">
+                <a:effectLst/>
+                <a:latin typeface="+mj-lt"/>
+                <a:ea typeface="Times New Roman" panose="02020603050405020304" pitchFamily="18" charset="0"/>
+                <a:cs typeface="Times New Roman" panose="02020603050405020304" pitchFamily="18" charset="0"/>
+              </a:rPr>
+              <a:t>вибір технологій та інструментів розробки системи</a:t>
+            </a:r>
+            <a:endParaRPr lang="en-US" dirty="0" smtClean="0">
+              <a:latin typeface="+mj-lt"/>
+              <a:ea typeface="Times New Roman" panose="02020603050405020304" pitchFamily="18" charset="0"/>
+              <a:cs typeface="Times New Roman" panose="02020603050405020304" pitchFamily="18" charset="0"/>
+            </a:endParaRPr>
+          </a:p>
+          <a:p>
+            <a:pPr marL="342900" lvl="0" indent="-342900" algn="just">
+              <a:lnSpc>
+                <a:spcPct val="115000"/>
+              </a:lnSpc>
+              <a:spcAft>
+                <a:spcPts val="1000"/>
+              </a:spcAft>
+              <a:buFontTx/>
+              <a:buChar char="–"/>
+              <a:tabLst>
+                <a:tab pos="450215" algn="l"/>
+                <a:tab pos="2057400" algn="l"/>
+              </a:tabLst>
+            </a:pPr>
+            <a:r>
+              <a:rPr lang="uk-UA" dirty="0" smtClean="0">
+                <a:latin typeface="+mj-lt"/>
+                <a:ea typeface="Times New Roman" panose="02020603050405020304" pitchFamily="18" charset="0"/>
+                <a:cs typeface="Times New Roman" panose="02020603050405020304" pitchFamily="18" charset="0"/>
+              </a:rPr>
+              <a:t>побудована база знань експертної системи</a:t>
+            </a:r>
+            <a:endParaRPr lang="en-US" dirty="0" smtClean="0">
+              <a:effectLst/>
+              <a:latin typeface="+mj-lt"/>
+              <a:ea typeface="Times New Roman" panose="02020603050405020304" pitchFamily="18" charset="0"/>
+              <a:cs typeface="Times New Roman" panose="02020603050405020304" pitchFamily="18" charset="0"/>
+            </a:endParaRPr>
+          </a:p>
+          <a:p>
+            <a:pPr lvl="0" algn="just">
+              <a:lnSpc>
+                <a:spcPct val="115000"/>
+              </a:lnSpc>
+              <a:spcAft>
+                <a:spcPts val="1000"/>
+              </a:spcAft>
+              <a:tabLst>
+                <a:tab pos="450215" algn="l"/>
+                <a:tab pos="2057400" algn="l"/>
+              </a:tabLst>
+            </a:pPr>
+            <a:endParaRPr lang="ru-RU" sz="1400" dirty="0">
+              <a:effectLst/>
+              <a:latin typeface="+mj-lt"/>
+              <a:ea typeface="Times New Roman" panose="02020603050405020304" pitchFamily="18" charset="0"/>
+              <a:cs typeface="Times New Roman" panose="02020603050405020304" pitchFamily="18" charset="0"/>
+            </a:endParaRPr>
+          </a:p>
+        </p:txBody>
+      </p:sp>
+      <p:sp>
+        <p:nvSpPr>
+          <p:cNvPr id="6" name="Прямоугольник 5"/>
+          <p:cNvSpPr/>
+          <p:nvPr/>
+        </p:nvSpPr>
+        <p:spPr>
+          <a:xfrm>
+            <a:off x="788986" y="4953271"/>
+            <a:ext cx="10701973" cy="2169825"/>
+          </a:xfrm>
+          <a:prstGeom prst="rect">
+            <a:avLst/>
+          </a:prstGeom>
+        </p:spPr>
+        <p:txBody>
+          <a:bodyPr wrap="square">
+            <a:spAutoFit/>
+          </a:bodyPr>
+          <a:lstStyle/>
+          <a:p>
+            <a:pPr>
+              <a:lnSpc>
+                <a:spcPct val="150000"/>
+              </a:lnSpc>
+            </a:pPr>
+            <a:r>
+              <a:rPr lang="uk-UA" dirty="0" smtClean="0">
+                <a:latin typeface="+mj-lt"/>
+                <a:ea typeface="Calibri" panose="020F0502020204030204" pitchFamily="34" charset="0"/>
+              </a:rPr>
+              <a:t>В процесі експерименту було виявлено, що програмний продукт </a:t>
+            </a:r>
+            <a:r>
+              <a:rPr lang="en-US" dirty="0" smtClean="0">
+                <a:latin typeface="+mj-lt"/>
+                <a:ea typeface="Calibri" panose="020F0502020204030204" pitchFamily="34" charset="0"/>
+                <a:cs typeface="Times New Roman" panose="02020603050405020304" pitchFamily="18" charset="0"/>
+              </a:rPr>
+              <a:t>ZEVS</a:t>
+            </a:r>
+            <a:r>
+              <a:rPr lang="uk-UA" dirty="0" smtClean="0">
+                <a:latin typeface="+mj-lt"/>
+                <a:ea typeface="Calibri" panose="020F0502020204030204" pitchFamily="34" charset="0"/>
+                <a:cs typeface="Times New Roman" panose="02020603050405020304" pitchFamily="18" charset="0"/>
+              </a:rPr>
+              <a:t> значно скорочує час пошуку інформації</a:t>
+            </a:r>
+            <a:r>
+              <a:rPr lang="uk-UA" dirty="0" smtClean="0">
+                <a:latin typeface="+mj-lt"/>
+                <a:ea typeface="Calibri" panose="020F0502020204030204" pitchFamily="34" charset="0"/>
+              </a:rPr>
+              <a:t>.</a:t>
+            </a:r>
+            <a:r>
+              <a:rPr lang="uk-UA" dirty="0">
+                <a:latin typeface="+mj-lt"/>
+                <a:ea typeface="Calibri" panose="020F0502020204030204" pitchFamily="34" charset="0"/>
+              </a:rPr>
+              <a:t> Без використання системи ZEVS пошук необхідної інформації з електробезпеки займав більше 2 годин, в цей час увійшов пошук </a:t>
+            </a:r>
+            <a:r>
+              <a:rPr lang="uk-UA" dirty="0" smtClean="0">
+                <a:latin typeface="+mj-lt"/>
+                <a:ea typeface="Calibri" panose="020F0502020204030204" pitchFamily="34" charset="0"/>
+              </a:rPr>
+              <a:t>даних, </a:t>
+            </a:r>
+            <a:r>
+              <a:rPr lang="uk-UA" dirty="0">
+                <a:latin typeface="+mj-lt"/>
+                <a:ea typeface="Calibri" panose="020F0502020204030204" pitchFamily="34" charset="0"/>
+              </a:rPr>
+              <a:t>аналіз а також збір коректних правил з електробезпеки</a:t>
+            </a:r>
+            <a:r>
+              <a:rPr lang="uk-UA" dirty="0" smtClean="0">
+                <a:latin typeface="+mj-lt"/>
+                <a:ea typeface="Calibri" panose="020F0502020204030204" pitchFamily="34" charset="0"/>
+              </a:rPr>
+              <a:t>. З використанням розроблюваної системи процес пошуку інформації займав менше 20 хвилин.</a:t>
+            </a:r>
+            <a:endParaRPr lang="ru-RU" dirty="0">
+              <a:latin typeface="+mj-lt"/>
+            </a:endParaRPr>
+          </a:p>
+          <a:p>
+            <a:pPr>
+              <a:lnSpc>
+                <a:spcPct val="150000"/>
+              </a:lnSpc>
+            </a:pPr>
+            <a:r>
+              <a:rPr lang="uk-UA" dirty="0" smtClean="0">
+                <a:latin typeface="+mj-lt"/>
+                <a:ea typeface="Calibri" panose="020F0502020204030204" pitchFamily="34" charset="0"/>
+              </a:rPr>
+              <a:t> </a:t>
+            </a:r>
+            <a:r>
+              <a:rPr lang="uk-UA" dirty="0" smtClean="0">
+                <a:effectLst/>
+                <a:latin typeface="+mj-lt"/>
+                <a:ea typeface="Calibri" panose="020F0502020204030204" pitchFamily="34" charset="0"/>
+              </a:rPr>
+              <a:t> </a:t>
+            </a:r>
+            <a:endParaRPr lang="ru-RU" dirty="0">
+              <a:latin typeface="+mj-lt"/>
+            </a:endParaRPr>
+          </a:p>
+        </p:txBody>
+      </p:sp>
+      <p:sp>
+        <p:nvSpPr>
+          <p:cNvPr id="4" name="Номер слайда 3"/>
+          <p:cNvSpPr>
+            <a:spLocks noGrp="1"/>
+          </p:cNvSpPr>
+          <p:nvPr>
+            <p:ph type="sldNum" sz="quarter" idx="12"/>
+          </p:nvPr>
+        </p:nvSpPr>
+        <p:spPr>
+          <a:xfrm>
+            <a:off x="10276322" y="362216"/>
+            <a:ext cx="771089" cy="365125"/>
+          </a:xfrm>
+        </p:spPr>
+        <p:txBody>
+          <a:bodyPr/>
+          <a:lstStyle/>
+          <a:p>
+            <a:fld id="{1C197F79-B892-4C65-AE2B-C69FA8B311C0}" type="slidenum">
+              <a:rPr lang="ru-RU" sz="1400" smtClean="0"/>
+              <a:t>12</a:t>
+            </a:fld>
+            <a:endParaRPr lang="ru-RU" sz="1400" dirty="0"/>
+          </a:p>
+        </p:txBody>
+      </p:sp>
     </p:spTree>
     <p:extLst>
       <p:ext uri="{BB962C8B-B14F-4D97-AF65-F5344CB8AC3E}">
-        <p14:creationId xmlns:p14="http://schemas.microsoft.com/office/powerpoint/2010/main" val="1030279849"/>
+        <p14:creationId xmlns:p14="http://schemas.microsoft.com/office/powerpoint/2010/main" val="550090596"/>
       </p:ext>
     </p:extLst>
   </p:cSld>
@@ -13742,484 +14214,46 @@
           <a:chExt cx="0" cy="0"/>
         </a:xfrm>
       </p:grpSpPr>
-      <p:sp>
-        <p:nvSpPr>
-          <p:cNvPr id="2" name="Заголовок 1"/>
-          <p:cNvSpPr>
-            <a:spLocks noGrp="1"/>
-          </p:cNvSpPr>
-          <p:nvPr>
-            <p:ph type="title"/>
-          </p:nvPr>
-        </p:nvSpPr>
+      <p:pic>
+        <p:nvPicPr>
+          <p:cNvPr id="4" name="Рисунок 3"/>
+          <p:cNvPicPr>
+            <a:picLocks noChangeAspect="1"/>
+          </p:cNvPicPr>
+          <p:nvPr/>
+        </p:nvPicPr>
+        <p:blipFill>
+          <a:blip r:embed="rId2">
+            <a:extLst>
+              <a:ext uri="{28A0092B-C50C-407E-A947-70E740481C1C}">
+                <a14:useLocalDpi xmlns:a14="http://schemas.microsoft.com/office/drawing/2010/main" val="0"/>
+              </a:ext>
+            </a:extLst>
+          </a:blip>
+          <a:stretch>
+            <a:fillRect/>
+          </a:stretch>
+        </p:blipFill>
         <p:spPr>
           <a:xfrm>
-            <a:off x="1141413" y="618519"/>
-            <a:ext cx="9905998" cy="657832"/>
-          </a:xfrm>
-        </p:spPr>
-        <p:txBody>
-          <a:bodyPr/>
-          <a:lstStyle/>
-          <a:p>
-            <a:r>
-              <a:rPr lang="uk-UA" dirty="0" smtClean="0"/>
-              <a:t>Висновки</a:t>
-            </a:r>
-            <a:endParaRPr lang="ru-RU" dirty="0"/>
-          </a:p>
-        </p:txBody>
-      </p:sp>
-      <p:sp>
-        <p:nvSpPr>
-          <p:cNvPr id="5" name="Прямоугольник 4"/>
-          <p:cNvSpPr/>
-          <p:nvPr/>
-        </p:nvSpPr>
-        <p:spPr>
-          <a:xfrm>
-            <a:off x="788987" y="1201287"/>
-            <a:ext cx="10610850" cy="4267322"/>
+            <a:off x="0" y="0"/>
+            <a:ext cx="12192000" cy="6858000"/>
           </a:xfrm>
           <a:prstGeom prst="rect">
             <a:avLst/>
           </a:prstGeom>
         </p:spPr>
-        <p:txBody>
-          <a:bodyPr wrap="square">
-            <a:spAutoFit/>
-          </a:bodyPr>
-          <a:lstStyle/>
-          <a:p>
-            <a:pPr algn="just">
-              <a:lnSpc>
-                <a:spcPct val="150000"/>
-              </a:lnSpc>
-              <a:spcAft>
-                <a:spcPts val="0"/>
-              </a:spcAft>
-              <a:tabLst>
-                <a:tab pos="2057400" algn="l"/>
-              </a:tabLst>
-            </a:pPr>
-            <a:r>
-              <a:rPr lang="uk-UA" dirty="0" smtClean="0">
-                <a:effectLst/>
-                <a:latin typeface="+mj-lt"/>
-                <a:ea typeface="Calibri" panose="020F0502020204030204" pitchFamily="34" charset="0"/>
-                <a:cs typeface="Times New Roman" panose="02020603050405020304" pitchFamily="18" charset="0"/>
-              </a:rPr>
-              <a:t>В результаті виконання даної роботи було розроблено програмний продукт інформаційної системи з електробезпеки с можливістю консультування «</a:t>
-            </a:r>
-            <a:r>
-              <a:rPr lang="en-US" dirty="0" smtClean="0">
-                <a:latin typeface="+mj-lt"/>
-                <a:ea typeface="Calibri" panose="020F0502020204030204" pitchFamily="34" charset="0"/>
-                <a:cs typeface="Times New Roman" panose="02020603050405020304" pitchFamily="18" charset="0"/>
-              </a:rPr>
-              <a:t>ZEVS</a:t>
-            </a:r>
-            <a:r>
-              <a:rPr lang="uk-UA" dirty="0" smtClean="0">
-                <a:effectLst/>
-                <a:latin typeface="+mj-lt"/>
-                <a:ea typeface="Calibri" panose="020F0502020204030204" pitchFamily="34" charset="0"/>
-                <a:cs typeface="Times New Roman" panose="02020603050405020304" pitchFamily="18" charset="0"/>
-              </a:rPr>
-              <a:t>». </a:t>
-            </a:r>
-            <a:endParaRPr lang="ru-RU" sz="1400" dirty="0" smtClean="0">
-              <a:effectLst/>
-              <a:latin typeface="+mj-lt"/>
-              <a:ea typeface="Calibri" panose="020F0502020204030204" pitchFamily="34" charset="0"/>
-              <a:cs typeface="Times New Roman" panose="02020603050405020304" pitchFamily="18" charset="0"/>
-            </a:endParaRPr>
-          </a:p>
-          <a:p>
-            <a:pPr algn="just">
-              <a:lnSpc>
-                <a:spcPct val="150000"/>
-              </a:lnSpc>
-              <a:spcAft>
-                <a:spcPts val="0"/>
-              </a:spcAft>
-              <a:tabLst>
-                <a:tab pos="2057400" algn="l"/>
-              </a:tabLst>
-            </a:pPr>
-            <a:r>
-              <a:rPr lang="uk-UA" dirty="0" smtClean="0">
-                <a:effectLst/>
-                <a:latin typeface="+mj-lt"/>
-                <a:ea typeface="Calibri" panose="020F0502020204030204" pitchFamily="34" charset="0"/>
-                <a:cs typeface="Times New Roman" panose="02020603050405020304" pitchFamily="18" charset="0"/>
-              </a:rPr>
-              <a:t>В процесі виконання роботи було виконано наступні задачі а саме:</a:t>
-            </a:r>
-            <a:endParaRPr lang="ru-RU" sz="1400" dirty="0" smtClean="0">
-              <a:effectLst/>
-              <a:latin typeface="+mj-lt"/>
-              <a:ea typeface="Calibri" panose="020F0502020204030204" pitchFamily="34" charset="0"/>
-              <a:cs typeface="Times New Roman" panose="02020603050405020304" pitchFamily="18" charset="0"/>
-            </a:endParaRPr>
-          </a:p>
-          <a:p>
-            <a:pPr marL="342900" lvl="0" indent="-342900" algn="just">
-              <a:lnSpc>
-                <a:spcPct val="115000"/>
-              </a:lnSpc>
-              <a:spcAft>
-                <a:spcPts val="1000"/>
-              </a:spcAft>
-              <a:buFontTx/>
-              <a:buChar char="–"/>
-              <a:tabLst>
-                <a:tab pos="450215" algn="l"/>
-                <a:tab pos="2057400" algn="l"/>
-              </a:tabLst>
-            </a:pPr>
-            <a:r>
-              <a:rPr lang="uk-UA" dirty="0" smtClean="0">
-                <a:effectLst/>
-                <a:latin typeface="+mj-lt"/>
-                <a:ea typeface="Times New Roman" panose="02020603050405020304" pitchFamily="18" charset="0"/>
-                <a:cs typeface="Times New Roman" panose="02020603050405020304" pitchFamily="18" charset="0"/>
-              </a:rPr>
-              <a:t>виявлення специфікації вимог програмного продукту</a:t>
-            </a:r>
-            <a:endParaRPr lang="ru-RU" sz="1400" dirty="0" smtClean="0">
-              <a:effectLst/>
-              <a:latin typeface="+mj-lt"/>
-              <a:ea typeface="Times New Roman" panose="02020603050405020304" pitchFamily="18" charset="0"/>
-              <a:cs typeface="Times New Roman" panose="02020603050405020304" pitchFamily="18" charset="0"/>
-            </a:endParaRPr>
-          </a:p>
-          <a:p>
-            <a:pPr marL="342900" lvl="0" indent="-342900" algn="just">
-              <a:lnSpc>
-                <a:spcPct val="115000"/>
-              </a:lnSpc>
-              <a:spcAft>
-                <a:spcPts val="1000"/>
-              </a:spcAft>
-              <a:buFontTx/>
-              <a:buChar char="–"/>
-              <a:tabLst>
-                <a:tab pos="450215" algn="l"/>
-                <a:tab pos="2057400" algn="l"/>
-              </a:tabLst>
-            </a:pPr>
-            <a:r>
-              <a:rPr lang="uk-UA" dirty="0" smtClean="0">
-                <a:effectLst/>
-                <a:latin typeface="+mj-lt"/>
-                <a:ea typeface="Times New Roman" panose="02020603050405020304" pitchFamily="18" charset="0"/>
-                <a:cs typeface="Times New Roman" panose="02020603050405020304" pitchFamily="18" charset="0"/>
-              </a:rPr>
-              <a:t>проведення аналізу раніше знайдених специфікацій вимог</a:t>
-            </a:r>
-            <a:endParaRPr lang="ru-RU" sz="1400" dirty="0" smtClean="0">
-              <a:effectLst/>
-              <a:latin typeface="+mj-lt"/>
-              <a:ea typeface="Times New Roman" panose="02020603050405020304" pitchFamily="18" charset="0"/>
-              <a:cs typeface="Times New Roman" panose="02020603050405020304" pitchFamily="18" charset="0"/>
-            </a:endParaRPr>
-          </a:p>
-          <a:p>
-            <a:pPr marL="342900" lvl="0" indent="-342900" algn="just">
-              <a:lnSpc>
-                <a:spcPct val="115000"/>
-              </a:lnSpc>
-              <a:spcAft>
-                <a:spcPts val="1000"/>
-              </a:spcAft>
-              <a:buFontTx/>
-              <a:buChar char="–"/>
-              <a:tabLst>
-                <a:tab pos="450215" algn="l"/>
-                <a:tab pos="2057400" algn="l"/>
-              </a:tabLst>
-            </a:pPr>
-            <a:r>
-              <a:rPr lang="uk-UA" dirty="0" smtClean="0">
-                <a:effectLst/>
-                <a:latin typeface="+mj-lt"/>
-                <a:ea typeface="Times New Roman" panose="02020603050405020304" pitchFamily="18" charset="0"/>
-                <a:cs typeface="Times New Roman" panose="02020603050405020304" pitchFamily="18" charset="0"/>
-              </a:rPr>
-              <a:t>створення плану розробки з урахуванням специфікацій вимог</a:t>
-            </a:r>
-            <a:endParaRPr lang="ru-RU" sz="1400" dirty="0" smtClean="0">
-              <a:effectLst/>
-              <a:latin typeface="+mj-lt"/>
-              <a:ea typeface="Times New Roman" panose="02020603050405020304" pitchFamily="18" charset="0"/>
-              <a:cs typeface="Times New Roman" panose="02020603050405020304" pitchFamily="18" charset="0"/>
-            </a:endParaRPr>
-          </a:p>
-          <a:p>
-            <a:pPr marL="342900" lvl="0" indent="-342900" algn="just">
-              <a:lnSpc>
-                <a:spcPct val="115000"/>
-              </a:lnSpc>
-              <a:spcAft>
-                <a:spcPts val="1000"/>
-              </a:spcAft>
-              <a:buFontTx/>
-              <a:buChar char="–"/>
-              <a:tabLst>
-                <a:tab pos="450215" algn="l"/>
-                <a:tab pos="2057400" algn="l"/>
-              </a:tabLst>
-            </a:pPr>
-            <a:r>
-              <a:rPr lang="uk-UA" dirty="0" smtClean="0">
-                <a:effectLst/>
-                <a:latin typeface="+mj-lt"/>
-                <a:ea typeface="Times New Roman" panose="02020603050405020304" pitchFamily="18" charset="0"/>
-                <a:cs typeface="Times New Roman" panose="02020603050405020304" pitchFamily="18" charset="0"/>
-              </a:rPr>
-              <a:t>розробка архітектури програмної системи</a:t>
-            </a:r>
-            <a:endParaRPr lang="ru-RU" sz="1400" dirty="0" smtClean="0">
-              <a:effectLst/>
-              <a:latin typeface="+mj-lt"/>
-              <a:ea typeface="Times New Roman" panose="02020603050405020304" pitchFamily="18" charset="0"/>
-              <a:cs typeface="Times New Roman" panose="02020603050405020304" pitchFamily="18" charset="0"/>
-            </a:endParaRPr>
-          </a:p>
-          <a:p>
-            <a:pPr marL="342900" lvl="0" indent="-342900" algn="just">
-              <a:lnSpc>
-                <a:spcPct val="115000"/>
-              </a:lnSpc>
-              <a:spcAft>
-                <a:spcPts val="1000"/>
-              </a:spcAft>
-              <a:buFontTx/>
-              <a:buChar char="–"/>
-              <a:tabLst>
-                <a:tab pos="450215" algn="l"/>
-                <a:tab pos="2057400" algn="l"/>
-              </a:tabLst>
-            </a:pPr>
-            <a:r>
-              <a:rPr lang="uk-UA" dirty="0" smtClean="0">
-                <a:effectLst/>
-                <a:latin typeface="+mj-lt"/>
-                <a:ea typeface="Times New Roman" panose="02020603050405020304" pitchFamily="18" charset="0"/>
-                <a:cs typeface="Times New Roman" panose="02020603050405020304" pitchFamily="18" charset="0"/>
-              </a:rPr>
-              <a:t>вибір технологій та інструментів розробки системи</a:t>
-            </a:r>
-            <a:endParaRPr lang="en-US" dirty="0" smtClean="0">
-              <a:latin typeface="+mj-lt"/>
-              <a:ea typeface="Times New Roman" panose="02020603050405020304" pitchFamily="18" charset="0"/>
-              <a:cs typeface="Times New Roman" panose="02020603050405020304" pitchFamily="18" charset="0"/>
-            </a:endParaRPr>
-          </a:p>
-          <a:p>
-            <a:pPr marL="342900" lvl="0" indent="-342900" algn="just">
-              <a:lnSpc>
-                <a:spcPct val="115000"/>
-              </a:lnSpc>
-              <a:spcAft>
-                <a:spcPts val="1000"/>
-              </a:spcAft>
-              <a:buFontTx/>
-              <a:buChar char="–"/>
-              <a:tabLst>
-                <a:tab pos="450215" algn="l"/>
-                <a:tab pos="2057400" algn="l"/>
-              </a:tabLst>
-            </a:pPr>
-            <a:r>
-              <a:rPr lang="uk-UA" dirty="0" smtClean="0">
-                <a:latin typeface="+mj-lt"/>
-                <a:ea typeface="Times New Roman" panose="02020603050405020304" pitchFamily="18" charset="0"/>
-                <a:cs typeface="Times New Roman" panose="02020603050405020304" pitchFamily="18" charset="0"/>
-              </a:rPr>
-              <a:t>побудована база знань експертної системи</a:t>
-            </a:r>
-            <a:endParaRPr lang="en-US" dirty="0" smtClean="0">
-              <a:effectLst/>
-              <a:latin typeface="+mj-lt"/>
-              <a:ea typeface="Times New Roman" panose="02020603050405020304" pitchFamily="18" charset="0"/>
-              <a:cs typeface="Times New Roman" panose="02020603050405020304" pitchFamily="18" charset="0"/>
-            </a:endParaRPr>
-          </a:p>
-          <a:p>
-            <a:pPr lvl="0" algn="just">
-              <a:lnSpc>
-                <a:spcPct val="115000"/>
-              </a:lnSpc>
-              <a:spcAft>
-                <a:spcPts val="1000"/>
-              </a:spcAft>
-              <a:tabLst>
-                <a:tab pos="450215" algn="l"/>
-                <a:tab pos="2057400" algn="l"/>
-              </a:tabLst>
-            </a:pPr>
-            <a:endParaRPr lang="ru-RU" sz="1400" dirty="0">
-              <a:effectLst/>
-              <a:latin typeface="+mj-lt"/>
-              <a:ea typeface="Times New Roman" panose="02020603050405020304" pitchFamily="18" charset="0"/>
-              <a:cs typeface="Times New Roman" panose="02020603050405020304" pitchFamily="18" charset="0"/>
-            </a:endParaRPr>
-          </a:p>
-        </p:txBody>
-      </p:sp>
-      <p:sp>
-        <p:nvSpPr>
-          <p:cNvPr id="6" name="Прямоугольник 5"/>
-          <p:cNvSpPr/>
-          <p:nvPr/>
-        </p:nvSpPr>
-        <p:spPr>
-          <a:xfrm>
-            <a:off x="788986" y="4953271"/>
-            <a:ext cx="10701973" cy="2169825"/>
-          </a:xfrm>
-          <a:prstGeom prst="rect">
-            <a:avLst/>
-          </a:prstGeom>
-        </p:spPr>
-        <p:txBody>
-          <a:bodyPr wrap="square">
-            <a:spAutoFit/>
-          </a:bodyPr>
-          <a:lstStyle/>
-          <a:p>
-            <a:pPr>
-              <a:lnSpc>
-                <a:spcPct val="150000"/>
-              </a:lnSpc>
-            </a:pPr>
-            <a:r>
-              <a:rPr lang="uk-UA" dirty="0" smtClean="0">
-                <a:latin typeface="+mj-lt"/>
-                <a:ea typeface="Calibri" panose="020F0502020204030204" pitchFamily="34" charset="0"/>
-              </a:rPr>
-              <a:t>В процесі експерименту було виявлено, що програмний продукт </a:t>
-            </a:r>
-            <a:r>
-              <a:rPr lang="en-US" dirty="0" smtClean="0">
-                <a:latin typeface="+mj-lt"/>
-                <a:ea typeface="Calibri" panose="020F0502020204030204" pitchFamily="34" charset="0"/>
-                <a:cs typeface="Times New Roman" panose="02020603050405020304" pitchFamily="18" charset="0"/>
-              </a:rPr>
-              <a:t>ZEVS</a:t>
-            </a:r>
-            <a:r>
-              <a:rPr lang="uk-UA" dirty="0" smtClean="0">
-                <a:latin typeface="+mj-lt"/>
-                <a:ea typeface="Calibri" panose="020F0502020204030204" pitchFamily="34" charset="0"/>
-                <a:cs typeface="Times New Roman" panose="02020603050405020304" pitchFamily="18" charset="0"/>
-              </a:rPr>
-              <a:t> значно скорочує час пошуку інформації</a:t>
-            </a:r>
-            <a:r>
-              <a:rPr lang="uk-UA" dirty="0" smtClean="0">
-                <a:latin typeface="+mj-lt"/>
-                <a:ea typeface="Calibri" panose="020F0502020204030204" pitchFamily="34" charset="0"/>
-              </a:rPr>
-              <a:t>.</a:t>
-            </a:r>
-            <a:r>
-              <a:rPr lang="uk-UA" dirty="0">
-                <a:latin typeface="+mj-lt"/>
-                <a:ea typeface="Calibri" panose="020F0502020204030204" pitchFamily="34" charset="0"/>
-              </a:rPr>
-              <a:t> Без використання системи ZEVS пошук необхідної інформації з електробезпеки займав більше 2 годин, в цей час увійшов пошук </a:t>
-            </a:r>
-            <a:r>
-              <a:rPr lang="uk-UA" dirty="0" smtClean="0">
-                <a:latin typeface="+mj-lt"/>
-                <a:ea typeface="Calibri" panose="020F0502020204030204" pitchFamily="34" charset="0"/>
-              </a:rPr>
-              <a:t>даних, </a:t>
-            </a:r>
-            <a:r>
-              <a:rPr lang="uk-UA" dirty="0">
-                <a:latin typeface="+mj-lt"/>
-                <a:ea typeface="Calibri" panose="020F0502020204030204" pitchFamily="34" charset="0"/>
-              </a:rPr>
-              <a:t>аналіз а також збір коректних правил з електробезпеки</a:t>
-            </a:r>
-            <a:r>
-              <a:rPr lang="uk-UA" dirty="0" smtClean="0">
-                <a:latin typeface="+mj-lt"/>
-                <a:ea typeface="Calibri" panose="020F0502020204030204" pitchFamily="34" charset="0"/>
-              </a:rPr>
-              <a:t>. З використанням розроблюваної системи процес пошуку інформації займав менше </a:t>
-            </a:r>
-            <a:r>
-              <a:rPr lang="uk-UA" dirty="0" smtClean="0">
-                <a:latin typeface="+mj-lt"/>
-                <a:ea typeface="Calibri" panose="020F0502020204030204" pitchFamily="34" charset="0"/>
-              </a:rPr>
-              <a:t>20 </a:t>
-            </a:r>
-            <a:r>
-              <a:rPr lang="uk-UA" dirty="0" smtClean="0">
-                <a:latin typeface="+mj-lt"/>
-                <a:ea typeface="Calibri" panose="020F0502020204030204" pitchFamily="34" charset="0"/>
-              </a:rPr>
-              <a:t>хвилин.</a:t>
-            </a:r>
-            <a:endParaRPr lang="ru-RU" dirty="0">
-              <a:latin typeface="+mj-lt"/>
-            </a:endParaRPr>
-          </a:p>
-          <a:p>
-            <a:pPr>
-              <a:lnSpc>
-                <a:spcPct val="150000"/>
-              </a:lnSpc>
-            </a:pPr>
-            <a:r>
-              <a:rPr lang="uk-UA" dirty="0" smtClean="0">
-                <a:latin typeface="+mj-lt"/>
-                <a:ea typeface="Calibri" panose="020F0502020204030204" pitchFamily="34" charset="0"/>
-              </a:rPr>
-              <a:t> </a:t>
-            </a:r>
-            <a:r>
-              <a:rPr lang="uk-UA" dirty="0" smtClean="0">
-                <a:effectLst/>
-                <a:latin typeface="+mj-lt"/>
-                <a:ea typeface="Calibri" panose="020F0502020204030204" pitchFamily="34" charset="0"/>
-              </a:rPr>
-              <a:t> </a:t>
-            </a:r>
-            <a:endParaRPr lang="ru-RU" dirty="0">
-              <a:latin typeface="+mj-lt"/>
-            </a:endParaRPr>
-          </a:p>
-        </p:txBody>
-      </p:sp>
+      </p:pic>
     </p:spTree>
     <p:extLst>
       <p:ext uri="{BB962C8B-B14F-4D97-AF65-F5344CB8AC3E}">
-        <p14:creationId xmlns:p14="http://schemas.microsoft.com/office/powerpoint/2010/main" val="550090596"/>
+        <p14:creationId xmlns:p14="http://schemas.microsoft.com/office/powerpoint/2010/main" val="4106351223"/>
       </p:ext>
     </p:extLst>
   </p:cSld>
   <p:clrMapOvr>
     <a:masterClrMapping/>
   </p:clrMapOvr>
-  <mc:AlternateContent xmlns:mc="http://schemas.openxmlformats.org/markup-compatibility/2006" xmlns:p14="http://schemas.microsoft.com/office/powerpoint/2010/main">
-    <mc:Choice Requires="p14">
-      <p:transition spd="med" p14:dur="700">
-        <p:fade/>
-      </p:transition>
-    </mc:Choice>
-    <mc:Fallback xmlns="">
-      <p:transition spd="med">
-        <p:fade/>
-      </p:transition>
-    </mc:Fallback>
-  </mc:AlternateContent>
   <p:timing>
     <p:tnLst>
       <p:par>
@@ -14393,6 +14427,34 @@
               <a:buChar char="–"/>
             </a:pPr>
             <a:endParaRPr lang="ru-RU" dirty="0"/>
+          </a:p>
+        </p:txBody>
+      </p:sp>
+      <p:sp>
+        <p:nvSpPr>
+          <p:cNvPr id="5" name="Номер слайда 4"/>
+          <p:cNvSpPr>
+            <a:spLocks noGrp="1"/>
+          </p:cNvSpPr>
+          <p:nvPr>
+            <p:ph type="sldNum" sz="quarter" idx="12"/>
+          </p:nvPr>
+        </p:nvSpPr>
+        <p:spPr>
+          <a:xfrm>
+            <a:off x="10276322" y="435955"/>
+            <a:ext cx="771089" cy="365125"/>
+          </a:xfrm>
+        </p:spPr>
+        <p:txBody>
+          <a:bodyPr/>
+          <a:lstStyle/>
+          <a:p>
+            <a:fld id="{1C197F79-B892-4C65-AE2B-C69FA8B311C0}" type="slidenum">
+              <a:rPr lang="ru-RU" sz="1400" smtClean="0"/>
+              <a:t>2</a:t>
+            </a:fld>
+            <a:endParaRPr lang="ru-RU" sz="1400" dirty="0"/>
           </a:p>
         </p:txBody>
       </p:sp>
@@ -14458,7 +14520,7 @@
         <p:spPr>
           <a:xfrm>
             <a:off x="1141413" y="618518"/>
-            <a:ext cx="9905998" cy="743557"/>
+            <a:ext cx="9905998" cy="857857"/>
           </a:xfrm>
         </p:spPr>
         <p:txBody>
@@ -14468,9 +14530,9 @@
             <a:pPr algn="ctr"/>
             <a:r>
               <a:rPr lang="uk-UA" dirty="0" smtClean="0"/>
-              <a:t>Редактори баз знань </a:t>
-            </a:r>
-            <a:endParaRPr lang="ru-RU" dirty="0"/>
+              <a:t>існуючі рішення</a:t>
+            </a:r>
+            <a:endParaRPr lang="uk-UA" dirty="0"/>
           </a:p>
         </p:txBody>
       </p:sp>
@@ -14484,3185 +14546,14 @@
             <p:ph idx="1"/>
             <p:extLst>
               <p:ext uri="{D42A27DB-BD31-4B8C-83A1-F6EECF244321}">
-                <p14:modId xmlns:p14="http://schemas.microsoft.com/office/powerpoint/2010/main" val="675297621"/>
-              </p:ext>
-            </p:extLst>
-          </p:nvPr>
-        </p:nvGraphicFramePr>
-        <p:xfrm>
-          <a:off x="1493837" y="1362075"/>
-          <a:ext cx="9553574" cy="4974009"/>
-        </p:xfrm>
-        <a:graphic>
-          <a:graphicData uri="http://schemas.openxmlformats.org/drawingml/2006/table">
-            <a:tbl>
-              <a:tblPr firstRow="1" firstCol="1" bandRow="1">
-                <a:tableStyleId>{35758FB7-9AC5-4552-8A53-C91805E547FA}</a:tableStyleId>
-              </a:tblPr>
-              <a:tblGrid>
-                <a:gridCol w="2248714"/>
-                <a:gridCol w="1938651"/>
-                <a:gridCol w="1507729"/>
-                <a:gridCol w="2009975"/>
-                <a:gridCol w="1848505"/>
-              </a:tblGrid>
-              <a:tr h="613088">
-                <a:tc>
-                  <a:txBody>
-                    <a:bodyPr/>
-                    <a:lstStyle/>
-                    <a:p>
-                      <a:pPr algn="ctr">
-                        <a:lnSpc>
-                          <a:spcPct val="115000"/>
-                        </a:lnSpc>
-                        <a:spcAft>
-                          <a:spcPts val="0"/>
-                        </a:spcAft>
-                      </a:pPr>
-                      <a:r>
-                        <a:rPr lang="uk-UA" sz="1200" dirty="0">
-                          <a:effectLst/>
-                        </a:rPr>
-                        <a:t>Редактор</a:t>
-                      </a:r>
-                      <a:endParaRPr lang="ru-RU" sz="900" dirty="0">
-                        <a:effectLst/>
-                        <a:latin typeface="Calibri" panose="020F0502020204030204" pitchFamily="34" charset="0"/>
-                        <a:ea typeface="Calibri" panose="020F0502020204030204" pitchFamily="34" charset="0"/>
-                        <a:cs typeface="Times New Roman" panose="02020603050405020304" pitchFamily="18" charset="0"/>
-                      </a:endParaRPr>
-                    </a:p>
-                  </a:txBody>
-                  <a:tcPr marL="15223" marR="15223" marT="0" marB="0" anchor="ctr">
-                    <a:lnL w="12700" cap="flat" cmpd="sng" algn="ctr">
-                      <a:solidFill>
-                        <a:schemeClr val="tx1"/>
-                      </a:solidFill>
-                      <a:prstDash val="solid"/>
-                      <a:round/>
-                      <a:headEnd type="none" w="med" len="med"/>
-                      <a:tailEnd type="none" w="med" len="med"/>
-                    </a:lnL>
-                    <a:lnR w="12700" cap="flat" cmpd="sng" algn="ctr">
-                      <a:solidFill>
-                        <a:schemeClr val="tx1"/>
-                      </a:solidFill>
-                      <a:prstDash val="solid"/>
-                      <a:round/>
-                      <a:headEnd type="none" w="med" len="med"/>
-                      <a:tailEnd type="none" w="med" len="med"/>
-                    </a:lnR>
-                    <a:lnT w="12700" cap="flat" cmpd="sng" algn="ctr">
-                      <a:solidFill>
-                        <a:schemeClr val="tx1"/>
-                      </a:solidFill>
-                      <a:prstDash val="solid"/>
-                      <a:round/>
-                      <a:headEnd type="none" w="med" len="med"/>
-                      <a:tailEnd type="none" w="med" len="med"/>
-                    </a:lnT>
-                    <a:lnB w="12700" cap="flat" cmpd="sng" algn="ctr">
-                      <a:solidFill>
-                        <a:schemeClr val="tx1"/>
-                      </a:solidFill>
-                      <a:prstDash val="solid"/>
-                      <a:round/>
-                      <a:headEnd type="none" w="med" len="med"/>
-                      <a:tailEnd type="none" w="med" len="med"/>
-                    </a:lnB>
-                  </a:tcPr>
-                </a:tc>
-                <a:tc>
-                  <a:txBody>
-                    <a:bodyPr/>
-                    <a:lstStyle/>
-                    <a:p>
-                      <a:pPr algn="ctr">
-                        <a:lnSpc>
-                          <a:spcPct val="115000"/>
-                        </a:lnSpc>
-                        <a:spcAft>
-                          <a:spcPts val="0"/>
-                        </a:spcAft>
-                      </a:pPr>
-                      <a:r>
-                        <a:rPr lang="uk-UA" sz="1200" dirty="0" err="1">
-                          <a:effectLst/>
-                        </a:rPr>
-                        <a:t>Jess</a:t>
-                      </a:r>
-                      <a:endParaRPr lang="ru-RU" sz="900" dirty="0">
-                        <a:effectLst/>
-                        <a:latin typeface="Calibri" panose="020F0502020204030204" pitchFamily="34" charset="0"/>
-                        <a:ea typeface="Calibri" panose="020F0502020204030204" pitchFamily="34" charset="0"/>
-                        <a:cs typeface="Times New Roman" panose="02020603050405020304" pitchFamily="18" charset="0"/>
-                      </a:endParaRPr>
-                    </a:p>
-                  </a:txBody>
-                  <a:tcPr marL="15223" marR="15223" marT="0" marB="0" anchor="ctr">
-                    <a:lnL w="12700" cap="flat" cmpd="sng" algn="ctr">
-                      <a:solidFill>
-                        <a:schemeClr val="tx1"/>
-                      </a:solidFill>
-                      <a:prstDash val="solid"/>
-                      <a:round/>
-                      <a:headEnd type="none" w="med" len="med"/>
-                      <a:tailEnd type="none" w="med" len="med"/>
-                    </a:lnL>
-                    <a:lnR w="12700" cap="flat" cmpd="sng" algn="ctr">
-                      <a:solidFill>
-                        <a:schemeClr val="tx1"/>
-                      </a:solidFill>
-                      <a:prstDash val="solid"/>
-                      <a:round/>
-                      <a:headEnd type="none" w="med" len="med"/>
-                      <a:tailEnd type="none" w="med" len="med"/>
-                    </a:lnR>
-                    <a:lnT w="12700" cap="flat" cmpd="sng" algn="ctr">
-                      <a:solidFill>
-                        <a:schemeClr val="tx1"/>
-                      </a:solidFill>
-                      <a:prstDash val="solid"/>
-                      <a:round/>
-                      <a:headEnd type="none" w="med" len="med"/>
-                      <a:tailEnd type="none" w="med" len="med"/>
-                    </a:lnT>
-                    <a:lnB w="12700" cap="flat" cmpd="sng" algn="ctr">
-                      <a:solidFill>
-                        <a:schemeClr val="tx1"/>
-                      </a:solidFill>
-                      <a:prstDash val="solid"/>
-                      <a:round/>
-                      <a:headEnd type="none" w="med" len="med"/>
-                      <a:tailEnd type="none" w="med" len="med"/>
-                    </a:lnB>
-                  </a:tcPr>
-                </a:tc>
-                <a:tc>
-                  <a:txBody>
-                    <a:bodyPr/>
-                    <a:lstStyle/>
-                    <a:p>
-                      <a:pPr algn="ctr">
-                        <a:lnSpc>
-                          <a:spcPct val="115000"/>
-                        </a:lnSpc>
-                        <a:spcAft>
-                          <a:spcPts val="0"/>
-                        </a:spcAft>
-                      </a:pPr>
-                      <a:r>
-                        <a:rPr lang="uk-UA" sz="1200" dirty="0" err="1">
-                          <a:effectLst/>
-                        </a:rPr>
-                        <a:t>OpenL</a:t>
-                      </a:r>
-                      <a:r>
-                        <a:rPr lang="uk-UA" sz="1200" dirty="0">
-                          <a:effectLst/>
-                        </a:rPr>
-                        <a:t> </a:t>
-                      </a:r>
-                      <a:r>
-                        <a:rPr lang="uk-UA" sz="1200" dirty="0" err="1">
-                          <a:effectLst/>
-                        </a:rPr>
-                        <a:t>Tablets</a:t>
-                      </a:r>
-                      <a:endParaRPr lang="ru-RU" sz="900" dirty="0">
-                        <a:effectLst/>
-                        <a:latin typeface="Calibri" panose="020F0502020204030204" pitchFamily="34" charset="0"/>
-                        <a:ea typeface="Calibri" panose="020F0502020204030204" pitchFamily="34" charset="0"/>
-                        <a:cs typeface="Times New Roman" panose="02020603050405020304" pitchFamily="18" charset="0"/>
-                      </a:endParaRPr>
-                    </a:p>
-                  </a:txBody>
-                  <a:tcPr marL="15223" marR="15223" marT="0" marB="0" anchor="ctr">
-                    <a:lnL w="12700" cap="flat" cmpd="sng" algn="ctr">
-                      <a:solidFill>
-                        <a:schemeClr val="tx1"/>
-                      </a:solidFill>
-                      <a:prstDash val="solid"/>
-                      <a:round/>
-                      <a:headEnd type="none" w="med" len="med"/>
-                      <a:tailEnd type="none" w="med" len="med"/>
-                    </a:lnL>
-                    <a:lnR w="12700" cap="flat" cmpd="sng" algn="ctr">
-                      <a:solidFill>
-                        <a:schemeClr val="tx1"/>
-                      </a:solidFill>
-                      <a:prstDash val="solid"/>
-                      <a:round/>
-                      <a:headEnd type="none" w="med" len="med"/>
-                      <a:tailEnd type="none" w="med" len="med"/>
-                    </a:lnR>
-                    <a:lnT w="12700" cap="flat" cmpd="sng" algn="ctr">
-                      <a:solidFill>
-                        <a:schemeClr val="tx1"/>
-                      </a:solidFill>
-                      <a:prstDash val="solid"/>
-                      <a:round/>
-                      <a:headEnd type="none" w="med" len="med"/>
-                      <a:tailEnd type="none" w="med" len="med"/>
-                    </a:lnT>
-                    <a:lnB w="12700" cap="flat" cmpd="sng" algn="ctr">
-                      <a:solidFill>
-                        <a:schemeClr val="tx1"/>
-                      </a:solidFill>
-                      <a:prstDash val="solid"/>
-                      <a:round/>
-                      <a:headEnd type="none" w="med" len="med"/>
-                      <a:tailEnd type="none" w="med" len="med"/>
-                    </a:lnB>
-                  </a:tcPr>
-                </a:tc>
-                <a:tc>
-                  <a:txBody>
-                    <a:bodyPr/>
-                    <a:lstStyle/>
-                    <a:p>
-                      <a:pPr algn="ctr">
-                        <a:lnSpc>
-                          <a:spcPct val="115000"/>
-                        </a:lnSpc>
-                        <a:spcAft>
-                          <a:spcPts val="0"/>
-                        </a:spcAft>
-                      </a:pPr>
-                      <a:r>
-                        <a:rPr lang="uk-UA" sz="1200">
-                          <a:effectLst/>
-                        </a:rPr>
-                        <a:t>JBoss</a:t>
-                      </a:r>
-                      <a:endParaRPr lang="ru-RU" sz="900">
-                        <a:effectLst/>
-                      </a:endParaRPr>
-                    </a:p>
-                    <a:p>
-                      <a:pPr algn="ctr">
-                        <a:lnSpc>
-                          <a:spcPct val="115000"/>
-                        </a:lnSpc>
-                        <a:spcAft>
-                          <a:spcPts val="0"/>
-                        </a:spcAft>
-                      </a:pPr>
-                      <a:r>
-                        <a:rPr lang="uk-UA" sz="1200">
-                          <a:effectLst/>
-                        </a:rPr>
-                        <a:t>Drools</a:t>
-                      </a:r>
-                      <a:endParaRPr lang="ru-RU" sz="900">
-                        <a:effectLst/>
-                        <a:latin typeface="Calibri" panose="020F0502020204030204" pitchFamily="34" charset="0"/>
-                        <a:ea typeface="Calibri" panose="020F0502020204030204" pitchFamily="34" charset="0"/>
-                        <a:cs typeface="Times New Roman" panose="02020603050405020304" pitchFamily="18" charset="0"/>
-                      </a:endParaRPr>
-                    </a:p>
-                  </a:txBody>
-                  <a:tcPr marL="15223" marR="15223" marT="0" marB="0" anchor="ctr">
-                    <a:lnL w="12700" cap="flat" cmpd="sng" algn="ctr">
-                      <a:solidFill>
-                        <a:schemeClr val="tx1"/>
-                      </a:solidFill>
-                      <a:prstDash val="solid"/>
-                      <a:round/>
-                      <a:headEnd type="none" w="med" len="med"/>
-                      <a:tailEnd type="none" w="med" len="med"/>
-                    </a:lnL>
-                    <a:lnR w="12700" cap="flat" cmpd="sng" algn="ctr">
-                      <a:solidFill>
-                        <a:schemeClr val="tx1"/>
-                      </a:solidFill>
-                      <a:prstDash val="solid"/>
-                      <a:round/>
-                      <a:headEnd type="none" w="med" len="med"/>
-                      <a:tailEnd type="none" w="med" len="med"/>
-                    </a:lnR>
-                    <a:lnT w="12700" cap="flat" cmpd="sng" algn="ctr">
-                      <a:solidFill>
-                        <a:schemeClr val="tx1"/>
-                      </a:solidFill>
-                      <a:prstDash val="solid"/>
-                      <a:round/>
-                      <a:headEnd type="none" w="med" len="med"/>
-                      <a:tailEnd type="none" w="med" len="med"/>
-                    </a:lnT>
-                    <a:lnB w="12700" cap="flat" cmpd="sng" algn="ctr">
-                      <a:solidFill>
-                        <a:schemeClr val="tx1"/>
-                      </a:solidFill>
-                      <a:prstDash val="solid"/>
-                      <a:round/>
-                      <a:headEnd type="none" w="med" len="med"/>
-                      <a:tailEnd type="none" w="med" len="med"/>
-                    </a:lnB>
-                  </a:tcPr>
-                </a:tc>
-                <a:tc>
-                  <a:txBody>
-                    <a:bodyPr/>
-                    <a:lstStyle/>
-                    <a:p>
-                      <a:pPr algn="ctr">
-                        <a:lnSpc>
-                          <a:spcPct val="115000"/>
-                        </a:lnSpc>
-                        <a:spcAft>
-                          <a:spcPts val="0"/>
-                        </a:spcAft>
-                      </a:pPr>
-                      <a:r>
-                        <a:rPr lang="uk-UA" sz="1200">
-                          <a:effectLst/>
-                        </a:rPr>
-                        <a:t>IBM</a:t>
-                      </a:r>
-                      <a:endParaRPr lang="ru-RU" sz="900">
-                        <a:effectLst/>
-                      </a:endParaRPr>
-                    </a:p>
-                    <a:p>
-                      <a:pPr algn="ctr">
-                        <a:lnSpc>
-                          <a:spcPct val="115000"/>
-                        </a:lnSpc>
-                        <a:spcAft>
-                          <a:spcPts val="0"/>
-                        </a:spcAft>
-                      </a:pPr>
-                      <a:r>
-                        <a:rPr lang="uk-UA" sz="1200">
-                          <a:effectLst/>
-                        </a:rPr>
-                        <a:t>JRules</a:t>
-                      </a:r>
-                      <a:endParaRPr lang="ru-RU" sz="900">
-                        <a:effectLst/>
-                        <a:latin typeface="Calibri" panose="020F0502020204030204" pitchFamily="34" charset="0"/>
-                        <a:ea typeface="Calibri" panose="020F0502020204030204" pitchFamily="34" charset="0"/>
-                        <a:cs typeface="Times New Roman" panose="02020603050405020304" pitchFamily="18" charset="0"/>
-                      </a:endParaRPr>
-                    </a:p>
-                  </a:txBody>
-                  <a:tcPr marL="15223" marR="15223" marT="0" marB="0" anchor="ctr">
-                    <a:lnL w="12700" cap="flat" cmpd="sng" algn="ctr">
-                      <a:solidFill>
-                        <a:schemeClr val="tx1"/>
-                      </a:solidFill>
-                      <a:prstDash val="solid"/>
-                      <a:round/>
-                      <a:headEnd type="none" w="med" len="med"/>
-                      <a:tailEnd type="none" w="med" len="med"/>
-                    </a:lnL>
-                    <a:lnR w="12700" cap="flat" cmpd="sng" algn="ctr">
-                      <a:solidFill>
-                        <a:schemeClr val="tx1"/>
-                      </a:solidFill>
-                      <a:prstDash val="solid"/>
-                      <a:round/>
-                      <a:headEnd type="none" w="med" len="med"/>
-                      <a:tailEnd type="none" w="med" len="med"/>
-                    </a:lnR>
-                    <a:lnT w="12700" cap="flat" cmpd="sng" algn="ctr">
-                      <a:solidFill>
-                        <a:schemeClr val="tx1"/>
-                      </a:solidFill>
-                      <a:prstDash val="solid"/>
-                      <a:round/>
-                      <a:headEnd type="none" w="med" len="med"/>
-                      <a:tailEnd type="none" w="med" len="med"/>
-                    </a:lnT>
-                    <a:lnB w="12700" cap="flat" cmpd="sng" algn="ctr">
-                      <a:solidFill>
-                        <a:schemeClr val="tx1"/>
-                      </a:solidFill>
-                      <a:prstDash val="solid"/>
-                      <a:round/>
-                      <a:headEnd type="none" w="med" len="med"/>
-                      <a:tailEnd type="none" w="med" len="med"/>
-                    </a:lnB>
-                  </a:tcPr>
-                </a:tc>
-              </a:tr>
-              <a:tr h="479064">
-                <a:tc>
-                  <a:txBody>
-                    <a:bodyPr/>
-                    <a:lstStyle/>
-                    <a:p>
-                      <a:pPr algn="ctr">
-                        <a:lnSpc>
-                          <a:spcPct val="115000"/>
-                        </a:lnSpc>
-                        <a:spcAft>
-                          <a:spcPts val="0"/>
-                        </a:spcAft>
-                      </a:pPr>
-                      <a:r>
-                        <a:rPr lang="uk-UA" sz="1200">
-                          <a:effectLst/>
-                        </a:rPr>
-                        <a:t>Форма подання знань</a:t>
-                      </a:r>
-                      <a:endParaRPr lang="ru-RU" sz="900">
-                        <a:effectLst/>
-                        <a:latin typeface="Calibri" panose="020F0502020204030204" pitchFamily="34" charset="0"/>
-                        <a:ea typeface="Calibri" panose="020F0502020204030204" pitchFamily="34" charset="0"/>
-                        <a:cs typeface="Times New Roman" panose="02020603050405020304" pitchFamily="18" charset="0"/>
-                      </a:endParaRPr>
-                    </a:p>
-                  </a:txBody>
-                  <a:tcPr marL="15223" marR="15223" marT="0" marB="0" anchor="ctr">
-                    <a:lnL w="12700" cap="flat" cmpd="sng" algn="ctr">
-                      <a:solidFill>
-                        <a:schemeClr val="tx1"/>
-                      </a:solidFill>
-                      <a:prstDash val="solid"/>
-                      <a:round/>
-                      <a:headEnd type="none" w="med" len="med"/>
-                      <a:tailEnd type="none" w="med" len="med"/>
-                    </a:lnL>
-                    <a:lnR w="12700" cap="flat" cmpd="sng" algn="ctr">
-                      <a:solidFill>
-                        <a:schemeClr val="tx1"/>
-                      </a:solidFill>
-                      <a:prstDash val="solid"/>
-                      <a:round/>
-                      <a:headEnd type="none" w="med" len="med"/>
-                      <a:tailEnd type="none" w="med" len="med"/>
-                    </a:lnR>
-                    <a:lnT w="12700" cap="flat" cmpd="sng" algn="ctr">
-                      <a:solidFill>
-                        <a:schemeClr val="tx1"/>
-                      </a:solidFill>
-                      <a:prstDash val="solid"/>
-                      <a:round/>
-                      <a:headEnd type="none" w="med" len="med"/>
-                      <a:tailEnd type="none" w="med" len="med"/>
-                    </a:lnT>
-                    <a:lnB w="12700" cap="flat" cmpd="sng" algn="ctr">
-                      <a:solidFill>
-                        <a:schemeClr val="tx1"/>
-                      </a:solidFill>
-                      <a:prstDash val="solid"/>
-                      <a:round/>
-                      <a:headEnd type="none" w="med" len="med"/>
-                      <a:tailEnd type="none" w="med" len="med"/>
-                    </a:lnB>
-                  </a:tcPr>
-                </a:tc>
-                <a:tc>
-                  <a:txBody>
-                    <a:bodyPr/>
-                    <a:lstStyle/>
-                    <a:p>
-                      <a:pPr algn="ctr">
-                        <a:lnSpc>
-                          <a:spcPct val="115000"/>
-                        </a:lnSpc>
-                        <a:spcAft>
-                          <a:spcPts val="0"/>
-                        </a:spcAft>
-                      </a:pPr>
-                      <a:r>
-                        <a:rPr lang="uk-UA" sz="1200">
-                          <a:effectLst/>
-                        </a:rPr>
-                        <a:t>Правила та факти</a:t>
-                      </a:r>
-                      <a:endParaRPr lang="ru-RU" sz="900">
-                        <a:effectLst/>
-                        <a:latin typeface="Calibri" panose="020F0502020204030204" pitchFamily="34" charset="0"/>
-                        <a:ea typeface="Calibri" panose="020F0502020204030204" pitchFamily="34" charset="0"/>
-                        <a:cs typeface="Times New Roman" panose="02020603050405020304" pitchFamily="18" charset="0"/>
-                      </a:endParaRPr>
-                    </a:p>
-                  </a:txBody>
-                  <a:tcPr marL="15223" marR="15223" marT="0" marB="0" anchor="ctr">
-                    <a:lnL w="12700" cap="flat" cmpd="sng" algn="ctr">
-                      <a:solidFill>
-                        <a:schemeClr val="tx1"/>
-                      </a:solidFill>
-                      <a:prstDash val="solid"/>
-                      <a:round/>
-                      <a:headEnd type="none" w="med" len="med"/>
-                      <a:tailEnd type="none" w="med" len="med"/>
-                    </a:lnL>
-                    <a:lnR w="12700" cap="flat" cmpd="sng" algn="ctr">
-                      <a:solidFill>
-                        <a:schemeClr val="tx1"/>
-                      </a:solidFill>
-                      <a:prstDash val="solid"/>
-                      <a:round/>
-                      <a:headEnd type="none" w="med" len="med"/>
-                      <a:tailEnd type="none" w="med" len="med"/>
-                    </a:lnR>
-                    <a:lnT w="12700" cap="flat" cmpd="sng" algn="ctr">
-                      <a:solidFill>
-                        <a:schemeClr val="tx1"/>
-                      </a:solidFill>
-                      <a:prstDash val="solid"/>
-                      <a:round/>
-                      <a:headEnd type="none" w="med" len="med"/>
-                      <a:tailEnd type="none" w="med" len="med"/>
-                    </a:lnT>
-                    <a:lnB w="12700" cap="flat" cmpd="sng" algn="ctr">
-                      <a:solidFill>
-                        <a:schemeClr val="tx1"/>
-                      </a:solidFill>
-                      <a:prstDash val="solid"/>
-                      <a:round/>
-                      <a:headEnd type="none" w="med" len="med"/>
-                      <a:tailEnd type="none" w="med" len="med"/>
-                    </a:lnB>
-                  </a:tcPr>
-                </a:tc>
-                <a:tc>
-                  <a:txBody>
-                    <a:bodyPr/>
-                    <a:lstStyle/>
-                    <a:p>
-                      <a:pPr algn="ctr">
-                        <a:lnSpc>
-                          <a:spcPct val="115000"/>
-                        </a:lnSpc>
-                        <a:spcAft>
-                          <a:spcPts val="0"/>
-                        </a:spcAft>
-                      </a:pPr>
-                      <a:r>
-                        <a:rPr lang="uk-UA" sz="1200">
-                          <a:effectLst/>
-                        </a:rPr>
-                        <a:t>Таблиця рішень</a:t>
-                      </a:r>
-                      <a:endParaRPr lang="ru-RU" sz="900">
-                        <a:effectLst/>
-                        <a:latin typeface="Calibri" panose="020F0502020204030204" pitchFamily="34" charset="0"/>
-                        <a:ea typeface="Calibri" panose="020F0502020204030204" pitchFamily="34" charset="0"/>
-                        <a:cs typeface="Times New Roman" panose="02020603050405020304" pitchFamily="18" charset="0"/>
-                      </a:endParaRPr>
-                    </a:p>
-                  </a:txBody>
-                  <a:tcPr marL="15223" marR="15223" marT="0" marB="0" anchor="ctr">
-                    <a:lnL w="12700" cap="flat" cmpd="sng" algn="ctr">
-                      <a:solidFill>
-                        <a:schemeClr val="tx1"/>
-                      </a:solidFill>
-                      <a:prstDash val="solid"/>
-                      <a:round/>
-                      <a:headEnd type="none" w="med" len="med"/>
-                      <a:tailEnd type="none" w="med" len="med"/>
-                    </a:lnL>
-                    <a:lnR w="12700" cap="flat" cmpd="sng" algn="ctr">
-                      <a:solidFill>
-                        <a:schemeClr val="tx1"/>
-                      </a:solidFill>
-                      <a:prstDash val="solid"/>
-                      <a:round/>
-                      <a:headEnd type="none" w="med" len="med"/>
-                      <a:tailEnd type="none" w="med" len="med"/>
-                    </a:lnR>
-                    <a:lnT w="12700" cap="flat" cmpd="sng" algn="ctr">
-                      <a:solidFill>
-                        <a:schemeClr val="tx1"/>
-                      </a:solidFill>
-                      <a:prstDash val="solid"/>
-                      <a:round/>
-                      <a:headEnd type="none" w="med" len="med"/>
-                      <a:tailEnd type="none" w="med" len="med"/>
-                    </a:lnT>
-                    <a:lnB w="12700" cap="flat" cmpd="sng" algn="ctr">
-                      <a:solidFill>
-                        <a:schemeClr val="tx1"/>
-                      </a:solidFill>
-                      <a:prstDash val="solid"/>
-                      <a:round/>
-                      <a:headEnd type="none" w="med" len="med"/>
-                      <a:tailEnd type="none" w="med" len="med"/>
-                    </a:lnB>
-                  </a:tcPr>
-                </a:tc>
-                <a:tc>
-                  <a:txBody>
-                    <a:bodyPr/>
-                    <a:lstStyle/>
-                    <a:p>
-                      <a:pPr algn="ctr">
-                        <a:lnSpc>
-                          <a:spcPct val="115000"/>
-                        </a:lnSpc>
-                        <a:spcAft>
-                          <a:spcPts val="0"/>
-                        </a:spcAft>
-                      </a:pPr>
-                      <a:r>
-                        <a:rPr lang="uk-UA" sz="1200">
-                          <a:effectLst/>
-                        </a:rPr>
-                        <a:t>Правила та факти</a:t>
-                      </a:r>
-                      <a:endParaRPr lang="ru-RU" sz="900">
-                        <a:effectLst/>
-                        <a:latin typeface="Calibri" panose="020F0502020204030204" pitchFamily="34" charset="0"/>
-                        <a:ea typeface="Calibri" panose="020F0502020204030204" pitchFamily="34" charset="0"/>
-                        <a:cs typeface="Times New Roman" panose="02020603050405020304" pitchFamily="18" charset="0"/>
-                      </a:endParaRPr>
-                    </a:p>
-                  </a:txBody>
-                  <a:tcPr marL="15223" marR="15223" marT="0" marB="0" anchor="ctr">
-                    <a:lnL w="12700" cap="flat" cmpd="sng" algn="ctr">
-                      <a:solidFill>
-                        <a:schemeClr val="tx1"/>
-                      </a:solidFill>
-                      <a:prstDash val="solid"/>
-                      <a:round/>
-                      <a:headEnd type="none" w="med" len="med"/>
-                      <a:tailEnd type="none" w="med" len="med"/>
-                    </a:lnL>
-                    <a:lnR w="12700" cap="flat" cmpd="sng" algn="ctr">
-                      <a:solidFill>
-                        <a:schemeClr val="tx1"/>
-                      </a:solidFill>
-                      <a:prstDash val="solid"/>
-                      <a:round/>
-                      <a:headEnd type="none" w="med" len="med"/>
-                      <a:tailEnd type="none" w="med" len="med"/>
-                    </a:lnR>
-                    <a:lnT w="12700" cap="flat" cmpd="sng" algn="ctr">
-                      <a:solidFill>
-                        <a:schemeClr val="tx1"/>
-                      </a:solidFill>
-                      <a:prstDash val="solid"/>
-                      <a:round/>
-                      <a:headEnd type="none" w="med" len="med"/>
-                      <a:tailEnd type="none" w="med" len="med"/>
-                    </a:lnT>
-                    <a:lnB w="12700" cap="flat" cmpd="sng" algn="ctr">
-                      <a:solidFill>
-                        <a:schemeClr val="tx1"/>
-                      </a:solidFill>
-                      <a:prstDash val="solid"/>
-                      <a:round/>
-                      <a:headEnd type="none" w="med" len="med"/>
-                      <a:tailEnd type="none" w="med" len="med"/>
-                    </a:lnB>
-                  </a:tcPr>
-                </a:tc>
-                <a:tc>
-                  <a:txBody>
-                    <a:bodyPr/>
-                    <a:lstStyle/>
-                    <a:p>
-                      <a:pPr algn="ctr">
-                        <a:lnSpc>
-                          <a:spcPct val="115000"/>
-                        </a:lnSpc>
-                        <a:spcAft>
-                          <a:spcPts val="0"/>
-                        </a:spcAft>
-                      </a:pPr>
-                      <a:r>
-                        <a:rPr lang="uk-UA" sz="1200">
-                          <a:effectLst/>
-                        </a:rPr>
-                        <a:t>Правила та факти</a:t>
-                      </a:r>
-                      <a:endParaRPr lang="ru-RU" sz="900">
-                        <a:effectLst/>
-                        <a:latin typeface="Calibri" panose="020F0502020204030204" pitchFamily="34" charset="0"/>
-                        <a:ea typeface="Calibri" panose="020F0502020204030204" pitchFamily="34" charset="0"/>
-                        <a:cs typeface="Times New Roman" panose="02020603050405020304" pitchFamily="18" charset="0"/>
-                      </a:endParaRPr>
-                    </a:p>
-                  </a:txBody>
-                  <a:tcPr marL="15223" marR="15223" marT="0" marB="0" anchor="ctr">
-                    <a:lnL w="12700" cap="flat" cmpd="sng" algn="ctr">
-                      <a:solidFill>
-                        <a:schemeClr val="tx1"/>
-                      </a:solidFill>
-                      <a:prstDash val="solid"/>
-                      <a:round/>
-                      <a:headEnd type="none" w="med" len="med"/>
-                      <a:tailEnd type="none" w="med" len="med"/>
-                    </a:lnL>
-                    <a:lnR w="12700" cap="flat" cmpd="sng" algn="ctr">
-                      <a:solidFill>
-                        <a:schemeClr val="tx1"/>
-                      </a:solidFill>
-                      <a:prstDash val="solid"/>
-                      <a:round/>
-                      <a:headEnd type="none" w="med" len="med"/>
-                      <a:tailEnd type="none" w="med" len="med"/>
-                    </a:lnR>
-                    <a:lnT w="12700" cap="flat" cmpd="sng" algn="ctr">
-                      <a:solidFill>
-                        <a:schemeClr val="tx1"/>
-                      </a:solidFill>
-                      <a:prstDash val="solid"/>
-                      <a:round/>
-                      <a:headEnd type="none" w="med" len="med"/>
-                      <a:tailEnd type="none" w="med" len="med"/>
-                    </a:lnT>
-                    <a:lnB w="12700" cap="flat" cmpd="sng" algn="ctr">
-                      <a:solidFill>
-                        <a:schemeClr val="tx1"/>
-                      </a:solidFill>
-                      <a:prstDash val="solid"/>
-                      <a:round/>
-                      <a:headEnd type="none" w="med" len="med"/>
-                      <a:tailEnd type="none" w="med" len="med"/>
-                    </a:lnB>
-                  </a:tcPr>
-                </a:tc>
-              </a:tr>
-              <a:tr h="479064">
-                <a:tc>
-                  <a:txBody>
-                    <a:bodyPr/>
-                    <a:lstStyle/>
-                    <a:p>
-                      <a:pPr algn="ctr">
-                        <a:lnSpc>
-                          <a:spcPct val="115000"/>
-                        </a:lnSpc>
-                        <a:spcAft>
-                          <a:spcPts val="0"/>
-                        </a:spcAft>
-                      </a:pPr>
-                      <a:r>
-                        <a:rPr lang="uk-UA" sz="1200">
-                          <a:effectLst/>
-                        </a:rPr>
-                        <a:t>Відкритий вихідний код</a:t>
-                      </a:r>
-                      <a:endParaRPr lang="ru-RU" sz="900">
-                        <a:effectLst/>
-                        <a:latin typeface="Calibri" panose="020F0502020204030204" pitchFamily="34" charset="0"/>
-                        <a:ea typeface="Calibri" panose="020F0502020204030204" pitchFamily="34" charset="0"/>
-                        <a:cs typeface="Times New Roman" panose="02020603050405020304" pitchFamily="18" charset="0"/>
-                      </a:endParaRPr>
-                    </a:p>
-                  </a:txBody>
-                  <a:tcPr marL="15223" marR="15223" marT="0" marB="0" anchor="ctr">
-                    <a:lnL w="12700" cap="flat" cmpd="sng" algn="ctr">
-                      <a:solidFill>
-                        <a:schemeClr val="tx1"/>
-                      </a:solidFill>
-                      <a:prstDash val="solid"/>
-                      <a:round/>
-                      <a:headEnd type="none" w="med" len="med"/>
-                      <a:tailEnd type="none" w="med" len="med"/>
-                    </a:lnL>
-                    <a:lnR w="12700" cap="flat" cmpd="sng" algn="ctr">
-                      <a:solidFill>
-                        <a:schemeClr val="tx1"/>
-                      </a:solidFill>
-                      <a:prstDash val="solid"/>
-                      <a:round/>
-                      <a:headEnd type="none" w="med" len="med"/>
-                      <a:tailEnd type="none" w="med" len="med"/>
-                    </a:lnR>
-                    <a:lnT w="12700" cap="flat" cmpd="sng" algn="ctr">
-                      <a:solidFill>
-                        <a:schemeClr val="tx1"/>
-                      </a:solidFill>
-                      <a:prstDash val="solid"/>
-                      <a:round/>
-                      <a:headEnd type="none" w="med" len="med"/>
-                      <a:tailEnd type="none" w="med" len="med"/>
-                    </a:lnT>
-                    <a:lnB w="12700" cap="flat" cmpd="sng" algn="ctr">
-                      <a:solidFill>
-                        <a:schemeClr val="tx1"/>
-                      </a:solidFill>
-                      <a:prstDash val="solid"/>
-                      <a:round/>
-                      <a:headEnd type="none" w="med" len="med"/>
-                      <a:tailEnd type="none" w="med" len="med"/>
-                    </a:lnB>
-                  </a:tcPr>
-                </a:tc>
-                <a:tc>
-                  <a:txBody>
-                    <a:bodyPr/>
-                    <a:lstStyle/>
-                    <a:p>
-                      <a:pPr algn="ctr">
-                        <a:lnSpc>
-                          <a:spcPct val="115000"/>
-                        </a:lnSpc>
-                        <a:spcAft>
-                          <a:spcPts val="0"/>
-                        </a:spcAft>
-                      </a:pPr>
-                      <a:r>
-                        <a:rPr lang="uk-UA" sz="1200">
-                          <a:effectLst/>
-                        </a:rPr>
-                        <a:t>Ні</a:t>
-                      </a:r>
-                      <a:endParaRPr lang="ru-RU" sz="900">
-                        <a:effectLst/>
-                        <a:latin typeface="Calibri" panose="020F0502020204030204" pitchFamily="34" charset="0"/>
-                        <a:ea typeface="Calibri" panose="020F0502020204030204" pitchFamily="34" charset="0"/>
-                        <a:cs typeface="Times New Roman" panose="02020603050405020304" pitchFamily="18" charset="0"/>
-                      </a:endParaRPr>
-                    </a:p>
-                  </a:txBody>
-                  <a:tcPr marL="15223" marR="15223" marT="0" marB="0" anchor="ctr">
-                    <a:lnL w="12700" cap="flat" cmpd="sng" algn="ctr">
-                      <a:solidFill>
-                        <a:schemeClr val="tx1"/>
-                      </a:solidFill>
-                      <a:prstDash val="solid"/>
-                      <a:round/>
-                      <a:headEnd type="none" w="med" len="med"/>
-                      <a:tailEnd type="none" w="med" len="med"/>
-                    </a:lnL>
-                    <a:lnR w="12700" cap="flat" cmpd="sng" algn="ctr">
-                      <a:solidFill>
-                        <a:schemeClr val="tx1"/>
-                      </a:solidFill>
-                      <a:prstDash val="solid"/>
-                      <a:round/>
-                      <a:headEnd type="none" w="med" len="med"/>
-                      <a:tailEnd type="none" w="med" len="med"/>
-                    </a:lnR>
-                    <a:lnT w="12700" cap="flat" cmpd="sng" algn="ctr">
-                      <a:solidFill>
-                        <a:schemeClr val="tx1"/>
-                      </a:solidFill>
-                      <a:prstDash val="solid"/>
-                      <a:round/>
-                      <a:headEnd type="none" w="med" len="med"/>
-                      <a:tailEnd type="none" w="med" len="med"/>
-                    </a:lnT>
-                    <a:lnB w="12700" cap="flat" cmpd="sng" algn="ctr">
-                      <a:solidFill>
-                        <a:schemeClr val="tx1"/>
-                      </a:solidFill>
-                      <a:prstDash val="solid"/>
-                      <a:round/>
-                      <a:headEnd type="none" w="med" len="med"/>
-                      <a:tailEnd type="none" w="med" len="med"/>
-                    </a:lnB>
-                  </a:tcPr>
-                </a:tc>
-                <a:tc>
-                  <a:txBody>
-                    <a:bodyPr/>
-                    <a:lstStyle/>
-                    <a:p>
-                      <a:pPr algn="ctr">
-                        <a:lnSpc>
-                          <a:spcPct val="115000"/>
-                        </a:lnSpc>
-                        <a:spcAft>
-                          <a:spcPts val="0"/>
-                        </a:spcAft>
-                      </a:pPr>
-                      <a:r>
-                        <a:rPr lang="uk-UA" sz="1200">
-                          <a:effectLst/>
-                        </a:rPr>
-                        <a:t>Ні</a:t>
-                      </a:r>
-                      <a:endParaRPr lang="ru-RU" sz="900">
-                        <a:effectLst/>
-                        <a:latin typeface="Calibri" panose="020F0502020204030204" pitchFamily="34" charset="0"/>
-                        <a:ea typeface="Calibri" panose="020F0502020204030204" pitchFamily="34" charset="0"/>
-                        <a:cs typeface="Times New Roman" panose="02020603050405020304" pitchFamily="18" charset="0"/>
-                      </a:endParaRPr>
-                    </a:p>
-                  </a:txBody>
-                  <a:tcPr marL="15223" marR="15223" marT="0" marB="0" anchor="ctr">
-                    <a:lnL w="12700" cap="flat" cmpd="sng" algn="ctr">
-                      <a:solidFill>
-                        <a:schemeClr val="tx1"/>
-                      </a:solidFill>
-                      <a:prstDash val="solid"/>
-                      <a:round/>
-                      <a:headEnd type="none" w="med" len="med"/>
-                      <a:tailEnd type="none" w="med" len="med"/>
-                    </a:lnL>
-                    <a:lnR w="12700" cap="flat" cmpd="sng" algn="ctr">
-                      <a:solidFill>
-                        <a:schemeClr val="tx1"/>
-                      </a:solidFill>
-                      <a:prstDash val="solid"/>
-                      <a:round/>
-                      <a:headEnd type="none" w="med" len="med"/>
-                      <a:tailEnd type="none" w="med" len="med"/>
-                    </a:lnR>
-                    <a:lnT w="12700" cap="flat" cmpd="sng" algn="ctr">
-                      <a:solidFill>
-                        <a:schemeClr val="tx1"/>
-                      </a:solidFill>
-                      <a:prstDash val="solid"/>
-                      <a:round/>
-                      <a:headEnd type="none" w="med" len="med"/>
-                      <a:tailEnd type="none" w="med" len="med"/>
-                    </a:lnT>
-                    <a:lnB w="12700" cap="flat" cmpd="sng" algn="ctr">
-                      <a:solidFill>
-                        <a:schemeClr val="tx1"/>
-                      </a:solidFill>
-                      <a:prstDash val="solid"/>
-                      <a:round/>
-                      <a:headEnd type="none" w="med" len="med"/>
-                      <a:tailEnd type="none" w="med" len="med"/>
-                    </a:lnB>
-                  </a:tcPr>
-                </a:tc>
-                <a:tc>
-                  <a:txBody>
-                    <a:bodyPr/>
-                    <a:lstStyle/>
-                    <a:p>
-                      <a:pPr algn="ctr">
-                        <a:lnSpc>
-                          <a:spcPct val="115000"/>
-                        </a:lnSpc>
-                        <a:spcAft>
-                          <a:spcPts val="0"/>
-                        </a:spcAft>
-                      </a:pPr>
-                      <a:r>
-                        <a:rPr lang="uk-UA" sz="1200">
-                          <a:effectLst/>
-                        </a:rPr>
-                        <a:t>Так</a:t>
-                      </a:r>
-                      <a:endParaRPr lang="ru-RU" sz="900">
-                        <a:effectLst/>
-                        <a:latin typeface="Calibri" panose="020F0502020204030204" pitchFamily="34" charset="0"/>
-                        <a:ea typeface="Calibri" panose="020F0502020204030204" pitchFamily="34" charset="0"/>
-                        <a:cs typeface="Times New Roman" panose="02020603050405020304" pitchFamily="18" charset="0"/>
-                      </a:endParaRPr>
-                    </a:p>
-                  </a:txBody>
-                  <a:tcPr marL="15223" marR="15223" marT="0" marB="0" anchor="ctr">
-                    <a:lnL w="12700" cap="flat" cmpd="sng" algn="ctr">
-                      <a:solidFill>
-                        <a:schemeClr val="tx1"/>
-                      </a:solidFill>
-                      <a:prstDash val="solid"/>
-                      <a:round/>
-                      <a:headEnd type="none" w="med" len="med"/>
-                      <a:tailEnd type="none" w="med" len="med"/>
-                    </a:lnL>
-                    <a:lnR w="12700" cap="flat" cmpd="sng" algn="ctr">
-                      <a:solidFill>
-                        <a:schemeClr val="tx1"/>
-                      </a:solidFill>
-                      <a:prstDash val="solid"/>
-                      <a:round/>
-                      <a:headEnd type="none" w="med" len="med"/>
-                      <a:tailEnd type="none" w="med" len="med"/>
-                    </a:lnR>
-                    <a:lnT w="12700" cap="flat" cmpd="sng" algn="ctr">
-                      <a:solidFill>
-                        <a:schemeClr val="tx1"/>
-                      </a:solidFill>
-                      <a:prstDash val="solid"/>
-                      <a:round/>
-                      <a:headEnd type="none" w="med" len="med"/>
-                      <a:tailEnd type="none" w="med" len="med"/>
-                    </a:lnT>
-                    <a:lnB w="12700" cap="flat" cmpd="sng" algn="ctr">
-                      <a:solidFill>
-                        <a:schemeClr val="tx1"/>
-                      </a:solidFill>
-                      <a:prstDash val="solid"/>
-                      <a:round/>
-                      <a:headEnd type="none" w="med" len="med"/>
-                      <a:tailEnd type="none" w="med" len="med"/>
-                    </a:lnB>
-                  </a:tcPr>
-                </a:tc>
-                <a:tc>
-                  <a:txBody>
-                    <a:bodyPr/>
-                    <a:lstStyle/>
-                    <a:p>
-                      <a:pPr algn="ctr">
-                        <a:lnSpc>
-                          <a:spcPct val="115000"/>
-                        </a:lnSpc>
-                        <a:spcAft>
-                          <a:spcPts val="0"/>
-                        </a:spcAft>
-                      </a:pPr>
-                      <a:r>
-                        <a:rPr lang="uk-UA" sz="1200">
-                          <a:effectLst/>
-                        </a:rPr>
-                        <a:t>Ні</a:t>
-                      </a:r>
-                      <a:endParaRPr lang="ru-RU" sz="900">
-                        <a:effectLst/>
-                        <a:latin typeface="Calibri" panose="020F0502020204030204" pitchFamily="34" charset="0"/>
-                        <a:ea typeface="Calibri" panose="020F0502020204030204" pitchFamily="34" charset="0"/>
-                        <a:cs typeface="Times New Roman" panose="02020603050405020304" pitchFamily="18" charset="0"/>
-                      </a:endParaRPr>
-                    </a:p>
-                  </a:txBody>
-                  <a:tcPr marL="15223" marR="15223" marT="0" marB="0" anchor="ctr">
-                    <a:lnL w="12700" cap="flat" cmpd="sng" algn="ctr">
-                      <a:solidFill>
-                        <a:schemeClr val="tx1"/>
-                      </a:solidFill>
-                      <a:prstDash val="solid"/>
-                      <a:round/>
-                      <a:headEnd type="none" w="med" len="med"/>
-                      <a:tailEnd type="none" w="med" len="med"/>
-                    </a:lnL>
-                    <a:lnR w="12700" cap="flat" cmpd="sng" algn="ctr">
-                      <a:solidFill>
-                        <a:schemeClr val="tx1"/>
-                      </a:solidFill>
-                      <a:prstDash val="solid"/>
-                      <a:round/>
-                      <a:headEnd type="none" w="med" len="med"/>
-                      <a:tailEnd type="none" w="med" len="med"/>
-                    </a:lnR>
-                    <a:lnT w="12700" cap="flat" cmpd="sng" algn="ctr">
-                      <a:solidFill>
-                        <a:schemeClr val="tx1"/>
-                      </a:solidFill>
-                      <a:prstDash val="solid"/>
-                      <a:round/>
-                      <a:headEnd type="none" w="med" len="med"/>
-                      <a:tailEnd type="none" w="med" len="med"/>
-                    </a:lnT>
-                    <a:lnB w="12700" cap="flat" cmpd="sng" algn="ctr">
-                      <a:solidFill>
-                        <a:schemeClr val="tx1"/>
-                      </a:solidFill>
-                      <a:prstDash val="solid"/>
-                      <a:round/>
-                      <a:headEnd type="none" w="med" len="med"/>
-                      <a:tailEnd type="none" w="med" len="med"/>
-                    </a:lnB>
-                  </a:tcPr>
-                </a:tc>
-              </a:tr>
-              <a:tr h="958128">
-                <a:tc>
-                  <a:txBody>
-                    <a:bodyPr/>
-                    <a:lstStyle/>
-                    <a:p>
-                      <a:pPr algn="ctr">
-                        <a:lnSpc>
-                          <a:spcPct val="115000"/>
-                        </a:lnSpc>
-                        <a:spcAft>
-                          <a:spcPts val="0"/>
-                        </a:spcAft>
-                      </a:pPr>
-                      <a:r>
-                        <a:rPr lang="uk-UA" sz="1200">
-                          <a:effectLst/>
-                        </a:rPr>
-                        <a:t>Інструменти редагування бази знань</a:t>
-                      </a:r>
-                      <a:endParaRPr lang="ru-RU" sz="900">
-                        <a:effectLst/>
-                        <a:latin typeface="Calibri" panose="020F0502020204030204" pitchFamily="34" charset="0"/>
-                        <a:ea typeface="Calibri" panose="020F0502020204030204" pitchFamily="34" charset="0"/>
-                        <a:cs typeface="Times New Roman" panose="02020603050405020304" pitchFamily="18" charset="0"/>
-                      </a:endParaRPr>
-                    </a:p>
-                  </a:txBody>
-                  <a:tcPr marL="15223" marR="15223" marT="0" marB="0" anchor="ctr">
-                    <a:lnL w="12700" cap="flat" cmpd="sng" algn="ctr">
-                      <a:solidFill>
-                        <a:schemeClr val="tx1"/>
-                      </a:solidFill>
-                      <a:prstDash val="solid"/>
-                      <a:round/>
-                      <a:headEnd type="none" w="med" len="med"/>
-                      <a:tailEnd type="none" w="med" len="med"/>
-                    </a:lnL>
-                    <a:lnR w="12700" cap="flat" cmpd="sng" algn="ctr">
-                      <a:solidFill>
-                        <a:schemeClr val="tx1"/>
-                      </a:solidFill>
-                      <a:prstDash val="solid"/>
-                      <a:round/>
-                      <a:headEnd type="none" w="med" len="med"/>
-                      <a:tailEnd type="none" w="med" len="med"/>
-                    </a:lnR>
-                    <a:lnT w="12700" cap="flat" cmpd="sng" algn="ctr">
-                      <a:solidFill>
-                        <a:schemeClr val="tx1"/>
-                      </a:solidFill>
-                      <a:prstDash val="solid"/>
-                      <a:round/>
-                      <a:headEnd type="none" w="med" len="med"/>
-                      <a:tailEnd type="none" w="med" len="med"/>
-                    </a:lnT>
-                    <a:lnB w="12700" cap="flat" cmpd="sng" algn="ctr">
-                      <a:solidFill>
-                        <a:schemeClr val="tx1"/>
-                      </a:solidFill>
-                      <a:prstDash val="solid"/>
-                      <a:round/>
-                      <a:headEnd type="none" w="med" len="med"/>
-                      <a:tailEnd type="none" w="med" len="med"/>
-                    </a:lnB>
-                  </a:tcPr>
-                </a:tc>
-                <a:tc>
-                  <a:txBody>
-                    <a:bodyPr/>
-                    <a:lstStyle/>
-                    <a:p>
-                      <a:pPr algn="ctr">
-                        <a:lnSpc>
-                          <a:spcPct val="115000"/>
-                        </a:lnSpc>
-                        <a:spcAft>
-                          <a:spcPts val="0"/>
-                        </a:spcAft>
-                      </a:pPr>
-                      <a:r>
-                        <a:rPr lang="uk-UA" sz="1200">
-                          <a:effectLst/>
-                        </a:rPr>
-                        <a:t>Середовище Eclipse, текстовий редактор</a:t>
-                      </a:r>
-                      <a:endParaRPr lang="ru-RU" sz="900">
-                        <a:effectLst/>
-                        <a:latin typeface="Calibri" panose="020F0502020204030204" pitchFamily="34" charset="0"/>
-                        <a:ea typeface="Calibri" panose="020F0502020204030204" pitchFamily="34" charset="0"/>
-                        <a:cs typeface="Times New Roman" panose="02020603050405020304" pitchFamily="18" charset="0"/>
-                      </a:endParaRPr>
-                    </a:p>
-                  </a:txBody>
-                  <a:tcPr marL="15223" marR="15223" marT="0" marB="0" anchor="ctr">
-                    <a:lnL w="12700" cap="flat" cmpd="sng" algn="ctr">
-                      <a:solidFill>
-                        <a:schemeClr val="tx1"/>
-                      </a:solidFill>
-                      <a:prstDash val="solid"/>
-                      <a:round/>
-                      <a:headEnd type="none" w="med" len="med"/>
-                      <a:tailEnd type="none" w="med" len="med"/>
-                    </a:lnL>
-                    <a:lnR w="12700" cap="flat" cmpd="sng" algn="ctr">
-                      <a:solidFill>
-                        <a:schemeClr val="tx1"/>
-                      </a:solidFill>
-                      <a:prstDash val="solid"/>
-                      <a:round/>
-                      <a:headEnd type="none" w="med" len="med"/>
-                      <a:tailEnd type="none" w="med" len="med"/>
-                    </a:lnR>
-                    <a:lnT w="12700" cap="flat" cmpd="sng" algn="ctr">
-                      <a:solidFill>
-                        <a:schemeClr val="tx1"/>
-                      </a:solidFill>
-                      <a:prstDash val="solid"/>
-                      <a:round/>
-                      <a:headEnd type="none" w="med" len="med"/>
-                      <a:tailEnd type="none" w="med" len="med"/>
-                    </a:lnT>
-                    <a:lnB w="12700" cap="flat" cmpd="sng" algn="ctr">
-                      <a:solidFill>
-                        <a:schemeClr val="tx1"/>
-                      </a:solidFill>
-                      <a:prstDash val="solid"/>
-                      <a:round/>
-                      <a:headEnd type="none" w="med" len="med"/>
-                      <a:tailEnd type="none" w="med" len="med"/>
-                    </a:lnB>
-                  </a:tcPr>
-                </a:tc>
-                <a:tc>
-                  <a:txBody>
-                    <a:bodyPr/>
-                    <a:lstStyle/>
-                    <a:p>
-                      <a:pPr algn="ctr">
-                        <a:lnSpc>
-                          <a:spcPct val="115000"/>
-                        </a:lnSpc>
-                        <a:spcAft>
-                          <a:spcPts val="0"/>
-                        </a:spcAft>
-                      </a:pPr>
-                      <a:r>
-                        <a:rPr lang="uk-UA" sz="1200">
-                          <a:effectLst/>
-                        </a:rPr>
-                        <a:t>Microsoft Word, Excel </a:t>
-                      </a:r>
-                      <a:endParaRPr lang="ru-RU" sz="900">
-                        <a:effectLst/>
-                        <a:latin typeface="Calibri" panose="020F0502020204030204" pitchFamily="34" charset="0"/>
-                        <a:ea typeface="Calibri" panose="020F0502020204030204" pitchFamily="34" charset="0"/>
-                        <a:cs typeface="Times New Roman" panose="02020603050405020304" pitchFamily="18" charset="0"/>
-                      </a:endParaRPr>
-                    </a:p>
-                  </a:txBody>
-                  <a:tcPr marL="15223" marR="15223" marT="0" marB="0" anchor="ctr">
-                    <a:lnL w="12700" cap="flat" cmpd="sng" algn="ctr">
-                      <a:solidFill>
-                        <a:schemeClr val="tx1"/>
-                      </a:solidFill>
-                      <a:prstDash val="solid"/>
-                      <a:round/>
-                      <a:headEnd type="none" w="med" len="med"/>
-                      <a:tailEnd type="none" w="med" len="med"/>
-                    </a:lnL>
-                    <a:lnR w="12700" cap="flat" cmpd="sng" algn="ctr">
-                      <a:solidFill>
-                        <a:schemeClr val="tx1"/>
-                      </a:solidFill>
-                      <a:prstDash val="solid"/>
-                      <a:round/>
-                      <a:headEnd type="none" w="med" len="med"/>
-                      <a:tailEnd type="none" w="med" len="med"/>
-                    </a:lnR>
-                    <a:lnT w="12700" cap="flat" cmpd="sng" algn="ctr">
-                      <a:solidFill>
-                        <a:schemeClr val="tx1"/>
-                      </a:solidFill>
-                      <a:prstDash val="solid"/>
-                      <a:round/>
-                      <a:headEnd type="none" w="med" len="med"/>
-                      <a:tailEnd type="none" w="med" len="med"/>
-                    </a:lnT>
-                    <a:lnB w="12700" cap="flat" cmpd="sng" algn="ctr">
-                      <a:solidFill>
-                        <a:schemeClr val="tx1"/>
-                      </a:solidFill>
-                      <a:prstDash val="solid"/>
-                      <a:round/>
-                      <a:headEnd type="none" w="med" len="med"/>
-                      <a:tailEnd type="none" w="med" len="med"/>
-                    </a:lnB>
-                  </a:tcPr>
-                </a:tc>
-                <a:tc>
-                  <a:txBody>
-                    <a:bodyPr/>
-                    <a:lstStyle/>
-                    <a:p>
-                      <a:pPr algn="ctr">
-                        <a:lnSpc>
-                          <a:spcPct val="115000"/>
-                        </a:lnSpc>
-                        <a:spcAft>
-                          <a:spcPts val="0"/>
-                        </a:spcAft>
-                      </a:pPr>
-                      <a:r>
-                        <a:rPr lang="uk-UA" sz="1200">
-                          <a:effectLst/>
-                        </a:rPr>
-                        <a:t>Середовище Eclipse, текстовий редактор </a:t>
-                      </a:r>
-                      <a:endParaRPr lang="ru-RU" sz="900">
-                        <a:effectLst/>
-                        <a:latin typeface="Calibri" panose="020F0502020204030204" pitchFamily="34" charset="0"/>
-                        <a:ea typeface="Calibri" panose="020F0502020204030204" pitchFamily="34" charset="0"/>
-                        <a:cs typeface="Times New Roman" panose="02020603050405020304" pitchFamily="18" charset="0"/>
-                      </a:endParaRPr>
-                    </a:p>
-                  </a:txBody>
-                  <a:tcPr marL="15223" marR="15223" marT="0" marB="0" anchor="ctr">
-                    <a:lnL w="12700" cap="flat" cmpd="sng" algn="ctr">
-                      <a:solidFill>
-                        <a:schemeClr val="tx1"/>
-                      </a:solidFill>
-                      <a:prstDash val="solid"/>
-                      <a:round/>
-                      <a:headEnd type="none" w="med" len="med"/>
-                      <a:tailEnd type="none" w="med" len="med"/>
-                    </a:lnL>
-                    <a:lnR w="12700" cap="flat" cmpd="sng" algn="ctr">
-                      <a:solidFill>
-                        <a:schemeClr val="tx1"/>
-                      </a:solidFill>
-                      <a:prstDash val="solid"/>
-                      <a:round/>
-                      <a:headEnd type="none" w="med" len="med"/>
-                      <a:tailEnd type="none" w="med" len="med"/>
-                    </a:lnR>
-                    <a:lnT w="12700" cap="flat" cmpd="sng" algn="ctr">
-                      <a:solidFill>
-                        <a:schemeClr val="tx1"/>
-                      </a:solidFill>
-                      <a:prstDash val="solid"/>
-                      <a:round/>
-                      <a:headEnd type="none" w="med" len="med"/>
-                      <a:tailEnd type="none" w="med" len="med"/>
-                    </a:lnT>
-                    <a:lnB w="12700" cap="flat" cmpd="sng" algn="ctr">
-                      <a:solidFill>
-                        <a:schemeClr val="tx1"/>
-                      </a:solidFill>
-                      <a:prstDash val="solid"/>
-                      <a:round/>
-                      <a:headEnd type="none" w="med" len="med"/>
-                      <a:tailEnd type="none" w="med" len="med"/>
-                    </a:lnB>
-                  </a:tcPr>
-                </a:tc>
-                <a:tc>
-                  <a:txBody>
-                    <a:bodyPr/>
-                    <a:lstStyle/>
-                    <a:p>
-                      <a:pPr algn="ctr">
-                        <a:lnSpc>
-                          <a:spcPct val="115000"/>
-                        </a:lnSpc>
-                        <a:spcAft>
-                          <a:spcPts val="0"/>
-                        </a:spcAft>
-                      </a:pPr>
-                      <a:r>
-                        <a:rPr lang="uk-UA" sz="1200">
-                          <a:effectLst/>
-                        </a:rPr>
-                        <a:t>Середовище Eclipse,</a:t>
-                      </a:r>
-                      <a:endParaRPr lang="ru-RU" sz="900">
-                        <a:effectLst/>
-                      </a:endParaRPr>
-                    </a:p>
-                    <a:p>
-                      <a:pPr algn="ctr">
-                        <a:lnSpc>
-                          <a:spcPct val="115000"/>
-                        </a:lnSpc>
-                        <a:spcAft>
-                          <a:spcPts val="0"/>
-                        </a:spcAft>
-                      </a:pPr>
-                      <a:r>
-                        <a:rPr lang="uk-UA" sz="1200">
-                          <a:effectLst/>
-                        </a:rPr>
-                        <a:t>Microsoft Word, Excel </a:t>
-                      </a:r>
-                      <a:endParaRPr lang="ru-RU" sz="900">
-                        <a:effectLst/>
-                        <a:latin typeface="Calibri" panose="020F0502020204030204" pitchFamily="34" charset="0"/>
-                        <a:ea typeface="Calibri" panose="020F0502020204030204" pitchFamily="34" charset="0"/>
-                        <a:cs typeface="Times New Roman" panose="02020603050405020304" pitchFamily="18" charset="0"/>
-                      </a:endParaRPr>
-                    </a:p>
-                  </a:txBody>
-                  <a:tcPr marL="15223" marR="15223" marT="0" marB="0" anchor="ctr">
-                    <a:lnL w="12700" cap="flat" cmpd="sng" algn="ctr">
-                      <a:solidFill>
-                        <a:schemeClr val="tx1"/>
-                      </a:solidFill>
-                      <a:prstDash val="solid"/>
-                      <a:round/>
-                      <a:headEnd type="none" w="med" len="med"/>
-                      <a:tailEnd type="none" w="med" len="med"/>
-                    </a:lnL>
-                    <a:lnR w="12700" cap="flat" cmpd="sng" algn="ctr">
-                      <a:solidFill>
-                        <a:schemeClr val="tx1"/>
-                      </a:solidFill>
-                      <a:prstDash val="solid"/>
-                      <a:round/>
-                      <a:headEnd type="none" w="med" len="med"/>
-                      <a:tailEnd type="none" w="med" len="med"/>
-                    </a:lnR>
-                    <a:lnT w="12700" cap="flat" cmpd="sng" algn="ctr">
-                      <a:solidFill>
-                        <a:schemeClr val="tx1"/>
-                      </a:solidFill>
-                      <a:prstDash val="solid"/>
-                      <a:round/>
-                      <a:headEnd type="none" w="med" len="med"/>
-                      <a:tailEnd type="none" w="med" len="med"/>
-                    </a:lnT>
-                    <a:lnB w="12700" cap="flat" cmpd="sng" algn="ctr">
-                      <a:solidFill>
-                        <a:schemeClr val="tx1"/>
-                      </a:solidFill>
-                      <a:prstDash val="solid"/>
-                      <a:round/>
-                      <a:headEnd type="none" w="med" len="med"/>
-                      <a:tailEnd type="none" w="med" len="med"/>
-                    </a:lnB>
-                  </a:tcPr>
-                </a:tc>
-              </a:tr>
-              <a:tr h="479064">
-                <a:tc>
-                  <a:txBody>
-                    <a:bodyPr/>
-                    <a:lstStyle/>
-                    <a:p>
-                      <a:pPr algn="ctr">
-                        <a:lnSpc>
-                          <a:spcPct val="115000"/>
-                        </a:lnSpc>
-                        <a:spcAft>
-                          <a:spcPts val="0"/>
-                        </a:spcAft>
-                      </a:pPr>
-                      <a:r>
-                        <a:rPr lang="uk-UA" sz="1200">
-                          <a:effectLst/>
-                        </a:rPr>
-                        <a:t>Контроль якості знань</a:t>
-                      </a:r>
-                      <a:endParaRPr lang="ru-RU" sz="900">
-                        <a:effectLst/>
-                        <a:latin typeface="Calibri" panose="020F0502020204030204" pitchFamily="34" charset="0"/>
-                        <a:ea typeface="Calibri" panose="020F0502020204030204" pitchFamily="34" charset="0"/>
-                        <a:cs typeface="Times New Roman" panose="02020603050405020304" pitchFamily="18" charset="0"/>
-                      </a:endParaRPr>
-                    </a:p>
-                  </a:txBody>
-                  <a:tcPr marL="15223" marR="15223" marT="0" marB="0" anchor="ctr">
-                    <a:lnL w="12700" cap="flat" cmpd="sng" algn="ctr">
-                      <a:solidFill>
-                        <a:schemeClr val="tx1"/>
-                      </a:solidFill>
-                      <a:prstDash val="solid"/>
-                      <a:round/>
-                      <a:headEnd type="none" w="med" len="med"/>
-                      <a:tailEnd type="none" w="med" len="med"/>
-                    </a:lnL>
-                    <a:lnR w="12700" cap="flat" cmpd="sng" algn="ctr">
-                      <a:solidFill>
-                        <a:schemeClr val="tx1"/>
-                      </a:solidFill>
-                      <a:prstDash val="solid"/>
-                      <a:round/>
-                      <a:headEnd type="none" w="med" len="med"/>
-                      <a:tailEnd type="none" w="med" len="med"/>
-                    </a:lnR>
-                    <a:lnT w="12700" cap="flat" cmpd="sng" algn="ctr">
-                      <a:solidFill>
-                        <a:schemeClr val="tx1"/>
-                      </a:solidFill>
-                      <a:prstDash val="solid"/>
-                      <a:round/>
-                      <a:headEnd type="none" w="med" len="med"/>
-                      <a:tailEnd type="none" w="med" len="med"/>
-                    </a:lnT>
-                    <a:lnB w="12700" cap="flat" cmpd="sng" algn="ctr">
-                      <a:solidFill>
-                        <a:schemeClr val="tx1"/>
-                      </a:solidFill>
-                      <a:prstDash val="solid"/>
-                      <a:round/>
-                      <a:headEnd type="none" w="med" len="med"/>
-                      <a:tailEnd type="none" w="med" len="med"/>
-                    </a:lnB>
-                  </a:tcPr>
-                </a:tc>
-                <a:tc>
-                  <a:txBody>
-                    <a:bodyPr/>
-                    <a:lstStyle/>
-                    <a:p>
-                      <a:pPr algn="ctr">
-                        <a:lnSpc>
-                          <a:spcPct val="115000"/>
-                        </a:lnSpc>
-                        <a:spcAft>
-                          <a:spcPts val="0"/>
-                        </a:spcAft>
-                      </a:pPr>
-                      <a:r>
-                        <a:rPr lang="uk-UA" sz="1200">
-                          <a:effectLst/>
-                        </a:rPr>
-                        <a:t>Ні</a:t>
-                      </a:r>
-                      <a:endParaRPr lang="ru-RU" sz="900">
-                        <a:effectLst/>
-                        <a:latin typeface="Calibri" panose="020F0502020204030204" pitchFamily="34" charset="0"/>
-                        <a:ea typeface="Calibri" panose="020F0502020204030204" pitchFamily="34" charset="0"/>
-                        <a:cs typeface="Times New Roman" panose="02020603050405020304" pitchFamily="18" charset="0"/>
-                      </a:endParaRPr>
-                    </a:p>
-                  </a:txBody>
-                  <a:tcPr marL="15223" marR="15223" marT="0" marB="0" anchor="ctr">
-                    <a:lnL w="12700" cap="flat" cmpd="sng" algn="ctr">
-                      <a:solidFill>
-                        <a:schemeClr val="tx1"/>
-                      </a:solidFill>
-                      <a:prstDash val="solid"/>
-                      <a:round/>
-                      <a:headEnd type="none" w="med" len="med"/>
-                      <a:tailEnd type="none" w="med" len="med"/>
-                    </a:lnL>
-                    <a:lnR w="12700" cap="flat" cmpd="sng" algn="ctr">
-                      <a:solidFill>
-                        <a:schemeClr val="tx1"/>
-                      </a:solidFill>
-                      <a:prstDash val="solid"/>
-                      <a:round/>
-                      <a:headEnd type="none" w="med" len="med"/>
-                      <a:tailEnd type="none" w="med" len="med"/>
-                    </a:lnR>
-                    <a:lnT w="12700" cap="flat" cmpd="sng" algn="ctr">
-                      <a:solidFill>
-                        <a:schemeClr val="tx1"/>
-                      </a:solidFill>
-                      <a:prstDash val="solid"/>
-                      <a:round/>
-                      <a:headEnd type="none" w="med" len="med"/>
-                      <a:tailEnd type="none" w="med" len="med"/>
-                    </a:lnT>
-                    <a:lnB w="12700" cap="flat" cmpd="sng" algn="ctr">
-                      <a:solidFill>
-                        <a:schemeClr val="tx1"/>
-                      </a:solidFill>
-                      <a:prstDash val="solid"/>
-                      <a:round/>
-                      <a:headEnd type="none" w="med" len="med"/>
-                      <a:tailEnd type="none" w="med" len="med"/>
-                    </a:lnB>
-                  </a:tcPr>
-                </a:tc>
-                <a:tc>
-                  <a:txBody>
-                    <a:bodyPr/>
-                    <a:lstStyle/>
-                    <a:p>
-                      <a:pPr algn="ctr">
-                        <a:lnSpc>
-                          <a:spcPct val="115000"/>
-                        </a:lnSpc>
-                        <a:spcAft>
-                          <a:spcPts val="0"/>
-                        </a:spcAft>
-                      </a:pPr>
-                      <a:r>
-                        <a:rPr lang="uk-UA" sz="1200">
-                          <a:effectLst/>
-                        </a:rPr>
-                        <a:t>Обмеж.</a:t>
-                      </a:r>
-                      <a:endParaRPr lang="ru-RU" sz="900">
-                        <a:effectLst/>
-                        <a:latin typeface="Calibri" panose="020F0502020204030204" pitchFamily="34" charset="0"/>
-                        <a:ea typeface="Calibri" panose="020F0502020204030204" pitchFamily="34" charset="0"/>
-                        <a:cs typeface="Times New Roman" panose="02020603050405020304" pitchFamily="18" charset="0"/>
-                      </a:endParaRPr>
-                    </a:p>
-                  </a:txBody>
-                  <a:tcPr marL="15223" marR="15223" marT="0" marB="0" anchor="ctr">
-                    <a:lnL w="12700" cap="flat" cmpd="sng" algn="ctr">
-                      <a:solidFill>
-                        <a:schemeClr val="tx1"/>
-                      </a:solidFill>
-                      <a:prstDash val="solid"/>
-                      <a:round/>
-                      <a:headEnd type="none" w="med" len="med"/>
-                      <a:tailEnd type="none" w="med" len="med"/>
-                    </a:lnL>
-                    <a:lnR w="12700" cap="flat" cmpd="sng" algn="ctr">
-                      <a:solidFill>
-                        <a:schemeClr val="tx1"/>
-                      </a:solidFill>
-                      <a:prstDash val="solid"/>
-                      <a:round/>
-                      <a:headEnd type="none" w="med" len="med"/>
-                      <a:tailEnd type="none" w="med" len="med"/>
-                    </a:lnR>
-                    <a:lnT w="12700" cap="flat" cmpd="sng" algn="ctr">
-                      <a:solidFill>
-                        <a:schemeClr val="tx1"/>
-                      </a:solidFill>
-                      <a:prstDash val="solid"/>
-                      <a:round/>
-                      <a:headEnd type="none" w="med" len="med"/>
-                      <a:tailEnd type="none" w="med" len="med"/>
-                    </a:lnT>
-                    <a:lnB w="12700" cap="flat" cmpd="sng" algn="ctr">
-                      <a:solidFill>
-                        <a:schemeClr val="tx1"/>
-                      </a:solidFill>
-                      <a:prstDash val="solid"/>
-                      <a:round/>
-                      <a:headEnd type="none" w="med" len="med"/>
-                      <a:tailEnd type="none" w="med" len="med"/>
-                    </a:lnB>
-                  </a:tcPr>
-                </a:tc>
-                <a:tc>
-                  <a:txBody>
-                    <a:bodyPr/>
-                    <a:lstStyle/>
-                    <a:p>
-                      <a:pPr algn="ctr">
-                        <a:lnSpc>
-                          <a:spcPct val="115000"/>
-                        </a:lnSpc>
-                        <a:spcAft>
-                          <a:spcPts val="0"/>
-                        </a:spcAft>
-                      </a:pPr>
-                      <a:r>
-                        <a:rPr lang="uk-UA" sz="1200">
-                          <a:effectLst/>
-                        </a:rPr>
-                        <a:t>Обмеж.</a:t>
-                      </a:r>
-                      <a:endParaRPr lang="ru-RU" sz="900">
-                        <a:effectLst/>
-                        <a:latin typeface="Calibri" panose="020F0502020204030204" pitchFamily="34" charset="0"/>
-                        <a:ea typeface="Calibri" panose="020F0502020204030204" pitchFamily="34" charset="0"/>
-                        <a:cs typeface="Times New Roman" panose="02020603050405020304" pitchFamily="18" charset="0"/>
-                      </a:endParaRPr>
-                    </a:p>
-                  </a:txBody>
-                  <a:tcPr marL="15223" marR="15223" marT="0" marB="0" anchor="ctr">
-                    <a:lnL w="12700" cap="flat" cmpd="sng" algn="ctr">
-                      <a:solidFill>
-                        <a:schemeClr val="tx1"/>
-                      </a:solidFill>
-                      <a:prstDash val="solid"/>
-                      <a:round/>
-                      <a:headEnd type="none" w="med" len="med"/>
-                      <a:tailEnd type="none" w="med" len="med"/>
-                    </a:lnL>
-                    <a:lnR w="12700" cap="flat" cmpd="sng" algn="ctr">
-                      <a:solidFill>
-                        <a:schemeClr val="tx1"/>
-                      </a:solidFill>
-                      <a:prstDash val="solid"/>
-                      <a:round/>
-                      <a:headEnd type="none" w="med" len="med"/>
-                      <a:tailEnd type="none" w="med" len="med"/>
-                    </a:lnR>
-                    <a:lnT w="12700" cap="flat" cmpd="sng" algn="ctr">
-                      <a:solidFill>
-                        <a:schemeClr val="tx1"/>
-                      </a:solidFill>
-                      <a:prstDash val="solid"/>
-                      <a:round/>
-                      <a:headEnd type="none" w="med" len="med"/>
-                      <a:tailEnd type="none" w="med" len="med"/>
-                    </a:lnT>
-                    <a:lnB w="12700" cap="flat" cmpd="sng" algn="ctr">
-                      <a:solidFill>
-                        <a:schemeClr val="tx1"/>
-                      </a:solidFill>
-                      <a:prstDash val="solid"/>
-                      <a:round/>
-                      <a:headEnd type="none" w="med" len="med"/>
-                      <a:tailEnd type="none" w="med" len="med"/>
-                    </a:lnB>
-                  </a:tcPr>
-                </a:tc>
-                <a:tc>
-                  <a:txBody>
-                    <a:bodyPr/>
-                    <a:lstStyle/>
-                    <a:p>
-                      <a:pPr algn="ctr">
-                        <a:lnSpc>
-                          <a:spcPct val="115000"/>
-                        </a:lnSpc>
-                        <a:spcAft>
-                          <a:spcPts val="0"/>
-                        </a:spcAft>
-                      </a:pPr>
-                      <a:r>
-                        <a:rPr lang="uk-UA" sz="1200">
-                          <a:effectLst/>
-                        </a:rPr>
-                        <a:t>Обмеж.</a:t>
-                      </a:r>
-                      <a:endParaRPr lang="ru-RU" sz="900">
-                        <a:effectLst/>
-                        <a:latin typeface="Calibri" panose="020F0502020204030204" pitchFamily="34" charset="0"/>
-                        <a:ea typeface="Calibri" panose="020F0502020204030204" pitchFamily="34" charset="0"/>
-                        <a:cs typeface="Times New Roman" panose="02020603050405020304" pitchFamily="18" charset="0"/>
-                      </a:endParaRPr>
-                    </a:p>
-                  </a:txBody>
-                  <a:tcPr marL="15223" marR="15223" marT="0" marB="0" anchor="ctr">
-                    <a:lnL w="12700" cap="flat" cmpd="sng" algn="ctr">
-                      <a:solidFill>
-                        <a:schemeClr val="tx1"/>
-                      </a:solidFill>
-                      <a:prstDash val="solid"/>
-                      <a:round/>
-                      <a:headEnd type="none" w="med" len="med"/>
-                      <a:tailEnd type="none" w="med" len="med"/>
-                    </a:lnL>
-                    <a:lnR w="12700" cap="flat" cmpd="sng" algn="ctr">
-                      <a:solidFill>
-                        <a:schemeClr val="tx1"/>
-                      </a:solidFill>
-                      <a:prstDash val="solid"/>
-                      <a:round/>
-                      <a:headEnd type="none" w="med" len="med"/>
-                      <a:tailEnd type="none" w="med" len="med"/>
-                    </a:lnR>
-                    <a:lnT w="12700" cap="flat" cmpd="sng" algn="ctr">
-                      <a:solidFill>
-                        <a:schemeClr val="tx1"/>
-                      </a:solidFill>
-                      <a:prstDash val="solid"/>
-                      <a:round/>
-                      <a:headEnd type="none" w="med" len="med"/>
-                      <a:tailEnd type="none" w="med" len="med"/>
-                    </a:lnT>
-                    <a:lnB w="12700" cap="flat" cmpd="sng" algn="ctr">
-                      <a:solidFill>
-                        <a:schemeClr val="tx1"/>
-                      </a:solidFill>
-                      <a:prstDash val="solid"/>
-                      <a:round/>
-                      <a:headEnd type="none" w="med" len="med"/>
-                      <a:tailEnd type="none" w="med" len="med"/>
-                    </a:lnB>
-                  </a:tcPr>
-                </a:tc>
-              </a:tr>
-              <a:tr h="288877">
-                <a:tc>
-                  <a:txBody>
-                    <a:bodyPr/>
-                    <a:lstStyle/>
-                    <a:p>
-                      <a:pPr algn="ctr">
-                        <a:lnSpc>
-                          <a:spcPct val="115000"/>
-                        </a:lnSpc>
-                        <a:spcAft>
-                          <a:spcPts val="0"/>
-                        </a:spcAft>
-                      </a:pPr>
-                      <a:r>
-                        <a:rPr lang="uk-UA" sz="1200">
-                          <a:effectLst/>
-                        </a:rPr>
-                        <a:t>Візуалізація знань</a:t>
-                      </a:r>
-                      <a:endParaRPr lang="ru-RU" sz="900">
-                        <a:effectLst/>
-                        <a:latin typeface="Calibri" panose="020F0502020204030204" pitchFamily="34" charset="0"/>
-                        <a:ea typeface="Calibri" panose="020F0502020204030204" pitchFamily="34" charset="0"/>
-                        <a:cs typeface="Times New Roman" panose="02020603050405020304" pitchFamily="18" charset="0"/>
-                      </a:endParaRPr>
-                    </a:p>
-                  </a:txBody>
-                  <a:tcPr marL="15223" marR="15223" marT="0" marB="0" anchor="ctr">
-                    <a:lnL w="12700" cap="flat" cmpd="sng" algn="ctr">
-                      <a:solidFill>
-                        <a:schemeClr val="tx1"/>
-                      </a:solidFill>
-                      <a:prstDash val="solid"/>
-                      <a:round/>
-                      <a:headEnd type="none" w="med" len="med"/>
-                      <a:tailEnd type="none" w="med" len="med"/>
-                    </a:lnL>
-                    <a:lnR w="12700" cap="flat" cmpd="sng" algn="ctr">
-                      <a:solidFill>
-                        <a:schemeClr val="tx1"/>
-                      </a:solidFill>
-                      <a:prstDash val="solid"/>
-                      <a:round/>
-                      <a:headEnd type="none" w="med" len="med"/>
-                      <a:tailEnd type="none" w="med" len="med"/>
-                    </a:lnR>
-                    <a:lnT w="12700" cap="flat" cmpd="sng" algn="ctr">
-                      <a:solidFill>
-                        <a:schemeClr val="tx1"/>
-                      </a:solidFill>
-                      <a:prstDash val="solid"/>
-                      <a:round/>
-                      <a:headEnd type="none" w="med" len="med"/>
-                      <a:tailEnd type="none" w="med" len="med"/>
-                    </a:lnT>
-                    <a:lnB w="12700" cap="flat" cmpd="sng" algn="ctr">
-                      <a:solidFill>
-                        <a:schemeClr val="tx1"/>
-                      </a:solidFill>
-                      <a:prstDash val="solid"/>
-                      <a:round/>
-                      <a:headEnd type="none" w="med" len="med"/>
-                      <a:tailEnd type="none" w="med" len="med"/>
-                    </a:lnB>
-                  </a:tcPr>
-                </a:tc>
-                <a:tc>
-                  <a:txBody>
-                    <a:bodyPr/>
-                    <a:lstStyle/>
-                    <a:p>
-                      <a:pPr algn="ctr">
-                        <a:lnSpc>
-                          <a:spcPct val="115000"/>
-                        </a:lnSpc>
-                        <a:spcAft>
-                          <a:spcPts val="0"/>
-                        </a:spcAft>
-                      </a:pPr>
-                      <a:r>
-                        <a:rPr lang="uk-UA" sz="1200">
-                          <a:effectLst/>
-                        </a:rPr>
-                        <a:t>Ні</a:t>
-                      </a:r>
-                      <a:endParaRPr lang="ru-RU" sz="900">
-                        <a:effectLst/>
-                        <a:latin typeface="Calibri" panose="020F0502020204030204" pitchFamily="34" charset="0"/>
-                        <a:ea typeface="Calibri" panose="020F0502020204030204" pitchFamily="34" charset="0"/>
-                        <a:cs typeface="Times New Roman" panose="02020603050405020304" pitchFamily="18" charset="0"/>
-                      </a:endParaRPr>
-                    </a:p>
-                  </a:txBody>
-                  <a:tcPr marL="15223" marR="15223" marT="0" marB="0" anchor="ctr">
-                    <a:lnL w="12700" cap="flat" cmpd="sng" algn="ctr">
-                      <a:solidFill>
-                        <a:schemeClr val="tx1"/>
-                      </a:solidFill>
-                      <a:prstDash val="solid"/>
-                      <a:round/>
-                      <a:headEnd type="none" w="med" len="med"/>
-                      <a:tailEnd type="none" w="med" len="med"/>
-                    </a:lnL>
-                    <a:lnR w="12700" cap="flat" cmpd="sng" algn="ctr">
-                      <a:solidFill>
-                        <a:schemeClr val="tx1"/>
-                      </a:solidFill>
-                      <a:prstDash val="solid"/>
-                      <a:round/>
-                      <a:headEnd type="none" w="med" len="med"/>
-                      <a:tailEnd type="none" w="med" len="med"/>
-                    </a:lnR>
-                    <a:lnT w="12700" cap="flat" cmpd="sng" algn="ctr">
-                      <a:solidFill>
-                        <a:schemeClr val="tx1"/>
-                      </a:solidFill>
-                      <a:prstDash val="solid"/>
-                      <a:round/>
-                      <a:headEnd type="none" w="med" len="med"/>
-                      <a:tailEnd type="none" w="med" len="med"/>
-                    </a:lnT>
-                    <a:lnB w="12700" cap="flat" cmpd="sng" algn="ctr">
-                      <a:solidFill>
-                        <a:schemeClr val="tx1"/>
-                      </a:solidFill>
-                      <a:prstDash val="solid"/>
-                      <a:round/>
-                      <a:headEnd type="none" w="med" len="med"/>
-                      <a:tailEnd type="none" w="med" len="med"/>
-                    </a:lnB>
-                  </a:tcPr>
-                </a:tc>
-                <a:tc>
-                  <a:txBody>
-                    <a:bodyPr/>
-                    <a:lstStyle/>
-                    <a:p>
-                      <a:pPr algn="ctr">
-                        <a:lnSpc>
-                          <a:spcPct val="115000"/>
-                        </a:lnSpc>
-                        <a:spcAft>
-                          <a:spcPts val="0"/>
-                        </a:spcAft>
-                      </a:pPr>
-                      <a:r>
-                        <a:rPr lang="uk-UA" sz="1200">
-                          <a:effectLst/>
-                        </a:rPr>
-                        <a:t>Ні</a:t>
-                      </a:r>
-                      <a:endParaRPr lang="ru-RU" sz="900">
-                        <a:effectLst/>
-                        <a:latin typeface="Calibri" panose="020F0502020204030204" pitchFamily="34" charset="0"/>
-                        <a:ea typeface="Calibri" panose="020F0502020204030204" pitchFamily="34" charset="0"/>
-                        <a:cs typeface="Times New Roman" panose="02020603050405020304" pitchFamily="18" charset="0"/>
-                      </a:endParaRPr>
-                    </a:p>
-                  </a:txBody>
-                  <a:tcPr marL="15223" marR="15223" marT="0" marB="0" anchor="ctr">
-                    <a:lnL w="12700" cap="flat" cmpd="sng" algn="ctr">
-                      <a:solidFill>
-                        <a:schemeClr val="tx1"/>
-                      </a:solidFill>
-                      <a:prstDash val="solid"/>
-                      <a:round/>
-                      <a:headEnd type="none" w="med" len="med"/>
-                      <a:tailEnd type="none" w="med" len="med"/>
-                    </a:lnL>
-                    <a:lnR w="12700" cap="flat" cmpd="sng" algn="ctr">
-                      <a:solidFill>
-                        <a:schemeClr val="tx1"/>
-                      </a:solidFill>
-                      <a:prstDash val="solid"/>
-                      <a:round/>
-                      <a:headEnd type="none" w="med" len="med"/>
-                      <a:tailEnd type="none" w="med" len="med"/>
-                    </a:lnR>
-                    <a:lnT w="12700" cap="flat" cmpd="sng" algn="ctr">
-                      <a:solidFill>
-                        <a:schemeClr val="tx1"/>
-                      </a:solidFill>
-                      <a:prstDash val="solid"/>
-                      <a:round/>
-                      <a:headEnd type="none" w="med" len="med"/>
-                      <a:tailEnd type="none" w="med" len="med"/>
-                    </a:lnT>
-                    <a:lnB w="12700" cap="flat" cmpd="sng" algn="ctr">
-                      <a:solidFill>
-                        <a:schemeClr val="tx1"/>
-                      </a:solidFill>
-                      <a:prstDash val="solid"/>
-                      <a:round/>
-                      <a:headEnd type="none" w="med" len="med"/>
-                      <a:tailEnd type="none" w="med" len="med"/>
-                    </a:lnB>
-                  </a:tcPr>
-                </a:tc>
-                <a:tc>
-                  <a:txBody>
-                    <a:bodyPr/>
-                    <a:lstStyle/>
-                    <a:p>
-                      <a:pPr algn="ctr">
-                        <a:lnSpc>
-                          <a:spcPct val="115000"/>
-                        </a:lnSpc>
-                        <a:spcAft>
-                          <a:spcPts val="0"/>
-                        </a:spcAft>
-                      </a:pPr>
-                      <a:r>
-                        <a:rPr lang="uk-UA" sz="1200">
-                          <a:effectLst/>
-                        </a:rPr>
-                        <a:t>Так</a:t>
-                      </a:r>
-                      <a:endParaRPr lang="ru-RU" sz="900">
-                        <a:effectLst/>
-                        <a:latin typeface="Calibri" panose="020F0502020204030204" pitchFamily="34" charset="0"/>
-                        <a:ea typeface="Calibri" panose="020F0502020204030204" pitchFamily="34" charset="0"/>
-                        <a:cs typeface="Times New Roman" panose="02020603050405020304" pitchFamily="18" charset="0"/>
-                      </a:endParaRPr>
-                    </a:p>
-                  </a:txBody>
-                  <a:tcPr marL="15223" marR="15223" marT="0" marB="0" anchor="ctr">
-                    <a:lnL w="12700" cap="flat" cmpd="sng" algn="ctr">
-                      <a:solidFill>
-                        <a:schemeClr val="tx1"/>
-                      </a:solidFill>
-                      <a:prstDash val="solid"/>
-                      <a:round/>
-                      <a:headEnd type="none" w="med" len="med"/>
-                      <a:tailEnd type="none" w="med" len="med"/>
-                    </a:lnL>
-                    <a:lnR w="12700" cap="flat" cmpd="sng" algn="ctr">
-                      <a:solidFill>
-                        <a:schemeClr val="tx1"/>
-                      </a:solidFill>
-                      <a:prstDash val="solid"/>
-                      <a:round/>
-                      <a:headEnd type="none" w="med" len="med"/>
-                      <a:tailEnd type="none" w="med" len="med"/>
-                    </a:lnR>
-                    <a:lnT w="12700" cap="flat" cmpd="sng" algn="ctr">
-                      <a:solidFill>
-                        <a:schemeClr val="tx1"/>
-                      </a:solidFill>
-                      <a:prstDash val="solid"/>
-                      <a:round/>
-                      <a:headEnd type="none" w="med" len="med"/>
-                      <a:tailEnd type="none" w="med" len="med"/>
-                    </a:lnT>
-                    <a:lnB w="12700" cap="flat" cmpd="sng" algn="ctr">
-                      <a:solidFill>
-                        <a:schemeClr val="tx1"/>
-                      </a:solidFill>
-                      <a:prstDash val="solid"/>
-                      <a:round/>
-                      <a:headEnd type="none" w="med" len="med"/>
-                      <a:tailEnd type="none" w="med" len="med"/>
-                    </a:lnB>
-                  </a:tcPr>
-                </a:tc>
-                <a:tc>
-                  <a:txBody>
-                    <a:bodyPr/>
-                    <a:lstStyle/>
-                    <a:p>
-                      <a:pPr algn="ctr">
-                        <a:lnSpc>
-                          <a:spcPct val="115000"/>
-                        </a:lnSpc>
-                        <a:spcAft>
-                          <a:spcPts val="0"/>
-                        </a:spcAft>
-                      </a:pPr>
-                      <a:r>
-                        <a:rPr lang="uk-UA" sz="1200">
-                          <a:effectLst/>
-                        </a:rPr>
-                        <a:t>Так</a:t>
-                      </a:r>
-                      <a:endParaRPr lang="ru-RU" sz="900">
-                        <a:effectLst/>
-                        <a:latin typeface="Calibri" panose="020F0502020204030204" pitchFamily="34" charset="0"/>
-                        <a:ea typeface="Calibri" panose="020F0502020204030204" pitchFamily="34" charset="0"/>
-                        <a:cs typeface="Times New Roman" panose="02020603050405020304" pitchFamily="18" charset="0"/>
-                      </a:endParaRPr>
-                    </a:p>
-                  </a:txBody>
-                  <a:tcPr marL="15223" marR="15223" marT="0" marB="0" anchor="ctr">
-                    <a:lnL w="12700" cap="flat" cmpd="sng" algn="ctr">
-                      <a:solidFill>
-                        <a:schemeClr val="tx1"/>
-                      </a:solidFill>
-                      <a:prstDash val="solid"/>
-                      <a:round/>
-                      <a:headEnd type="none" w="med" len="med"/>
-                      <a:tailEnd type="none" w="med" len="med"/>
-                    </a:lnL>
-                    <a:lnR w="12700" cap="flat" cmpd="sng" algn="ctr">
-                      <a:solidFill>
-                        <a:schemeClr val="tx1"/>
-                      </a:solidFill>
-                      <a:prstDash val="solid"/>
-                      <a:round/>
-                      <a:headEnd type="none" w="med" len="med"/>
-                      <a:tailEnd type="none" w="med" len="med"/>
-                    </a:lnR>
-                    <a:lnT w="12700" cap="flat" cmpd="sng" algn="ctr">
-                      <a:solidFill>
-                        <a:schemeClr val="tx1"/>
-                      </a:solidFill>
-                      <a:prstDash val="solid"/>
-                      <a:round/>
-                      <a:headEnd type="none" w="med" len="med"/>
-                      <a:tailEnd type="none" w="med" len="med"/>
-                    </a:lnT>
-                    <a:lnB w="12700" cap="flat" cmpd="sng" algn="ctr">
-                      <a:solidFill>
-                        <a:schemeClr val="tx1"/>
-                      </a:solidFill>
-                      <a:prstDash val="solid"/>
-                      <a:round/>
-                      <a:headEnd type="none" w="med" len="med"/>
-                      <a:tailEnd type="none" w="med" len="med"/>
-                    </a:lnB>
-                  </a:tcPr>
-                </a:tc>
-              </a:tr>
-              <a:tr h="718596">
-                <a:tc>
-                  <a:txBody>
-                    <a:bodyPr/>
-                    <a:lstStyle/>
-                    <a:p>
-                      <a:pPr algn="ctr">
-                        <a:lnSpc>
-                          <a:spcPct val="115000"/>
-                        </a:lnSpc>
-                        <a:spcAft>
-                          <a:spcPts val="0"/>
-                        </a:spcAft>
-                      </a:pPr>
-                      <a:r>
-                        <a:rPr lang="uk-UA" sz="1200">
-                          <a:effectLst/>
-                        </a:rPr>
-                        <a:t>Перевірка суперечливості знань</a:t>
-                      </a:r>
-                      <a:endParaRPr lang="ru-RU" sz="900">
-                        <a:effectLst/>
-                        <a:latin typeface="Calibri" panose="020F0502020204030204" pitchFamily="34" charset="0"/>
-                        <a:ea typeface="Calibri" panose="020F0502020204030204" pitchFamily="34" charset="0"/>
-                        <a:cs typeface="Times New Roman" panose="02020603050405020304" pitchFamily="18" charset="0"/>
-                      </a:endParaRPr>
-                    </a:p>
-                  </a:txBody>
-                  <a:tcPr marL="15223" marR="15223" marT="0" marB="0" anchor="ctr">
-                    <a:lnL w="12700" cap="flat" cmpd="sng" algn="ctr">
-                      <a:solidFill>
-                        <a:schemeClr val="tx1"/>
-                      </a:solidFill>
-                      <a:prstDash val="solid"/>
-                      <a:round/>
-                      <a:headEnd type="none" w="med" len="med"/>
-                      <a:tailEnd type="none" w="med" len="med"/>
-                    </a:lnL>
-                    <a:lnR w="12700" cap="flat" cmpd="sng" algn="ctr">
-                      <a:solidFill>
-                        <a:schemeClr val="tx1"/>
-                      </a:solidFill>
-                      <a:prstDash val="solid"/>
-                      <a:round/>
-                      <a:headEnd type="none" w="med" len="med"/>
-                      <a:tailEnd type="none" w="med" len="med"/>
-                    </a:lnR>
-                    <a:lnT w="12700" cap="flat" cmpd="sng" algn="ctr">
-                      <a:solidFill>
-                        <a:schemeClr val="tx1"/>
-                      </a:solidFill>
-                      <a:prstDash val="solid"/>
-                      <a:round/>
-                      <a:headEnd type="none" w="med" len="med"/>
-                      <a:tailEnd type="none" w="med" len="med"/>
-                    </a:lnT>
-                    <a:lnB w="12700" cap="flat" cmpd="sng" algn="ctr">
-                      <a:solidFill>
-                        <a:schemeClr val="tx1"/>
-                      </a:solidFill>
-                      <a:prstDash val="solid"/>
-                      <a:round/>
-                      <a:headEnd type="none" w="med" len="med"/>
-                      <a:tailEnd type="none" w="med" len="med"/>
-                    </a:lnB>
-                  </a:tcPr>
-                </a:tc>
-                <a:tc>
-                  <a:txBody>
-                    <a:bodyPr/>
-                    <a:lstStyle/>
-                    <a:p>
-                      <a:pPr algn="ctr">
-                        <a:lnSpc>
-                          <a:spcPct val="115000"/>
-                        </a:lnSpc>
-                        <a:spcAft>
-                          <a:spcPts val="0"/>
-                        </a:spcAft>
-                      </a:pPr>
-                      <a:r>
-                        <a:rPr lang="uk-UA" sz="1200">
-                          <a:effectLst/>
-                        </a:rPr>
-                        <a:t>Ні</a:t>
-                      </a:r>
-                      <a:endParaRPr lang="ru-RU" sz="900">
-                        <a:effectLst/>
-                        <a:latin typeface="Calibri" panose="020F0502020204030204" pitchFamily="34" charset="0"/>
-                        <a:ea typeface="Calibri" panose="020F0502020204030204" pitchFamily="34" charset="0"/>
-                        <a:cs typeface="Times New Roman" panose="02020603050405020304" pitchFamily="18" charset="0"/>
-                      </a:endParaRPr>
-                    </a:p>
-                  </a:txBody>
-                  <a:tcPr marL="15223" marR="15223" marT="0" marB="0" anchor="ctr">
-                    <a:lnL w="12700" cap="flat" cmpd="sng" algn="ctr">
-                      <a:solidFill>
-                        <a:schemeClr val="tx1"/>
-                      </a:solidFill>
-                      <a:prstDash val="solid"/>
-                      <a:round/>
-                      <a:headEnd type="none" w="med" len="med"/>
-                      <a:tailEnd type="none" w="med" len="med"/>
-                    </a:lnL>
-                    <a:lnR w="12700" cap="flat" cmpd="sng" algn="ctr">
-                      <a:solidFill>
-                        <a:schemeClr val="tx1"/>
-                      </a:solidFill>
-                      <a:prstDash val="solid"/>
-                      <a:round/>
-                      <a:headEnd type="none" w="med" len="med"/>
-                      <a:tailEnd type="none" w="med" len="med"/>
-                    </a:lnR>
-                    <a:lnT w="12700" cap="flat" cmpd="sng" algn="ctr">
-                      <a:solidFill>
-                        <a:schemeClr val="tx1"/>
-                      </a:solidFill>
-                      <a:prstDash val="solid"/>
-                      <a:round/>
-                      <a:headEnd type="none" w="med" len="med"/>
-                      <a:tailEnd type="none" w="med" len="med"/>
-                    </a:lnT>
-                    <a:lnB w="12700" cap="flat" cmpd="sng" algn="ctr">
-                      <a:solidFill>
-                        <a:schemeClr val="tx1"/>
-                      </a:solidFill>
-                      <a:prstDash val="solid"/>
-                      <a:round/>
-                      <a:headEnd type="none" w="med" len="med"/>
-                      <a:tailEnd type="none" w="med" len="med"/>
-                    </a:lnB>
-                  </a:tcPr>
-                </a:tc>
-                <a:tc>
-                  <a:txBody>
-                    <a:bodyPr/>
-                    <a:lstStyle/>
-                    <a:p>
-                      <a:pPr algn="ctr">
-                        <a:lnSpc>
-                          <a:spcPct val="115000"/>
-                        </a:lnSpc>
-                        <a:spcAft>
-                          <a:spcPts val="0"/>
-                        </a:spcAft>
-                      </a:pPr>
-                      <a:r>
-                        <a:rPr lang="uk-UA" sz="1200">
-                          <a:effectLst/>
-                        </a:rPr>
-                        <a:t>Так</a:t>
-                      </a:r>
-                      <a:endParaRPr lang="ru-RU" sz="900">
-                        <a:effectLst/>
-                        <a:latin typeface="Calibri" panose="020F0502020204030204" pitchFamily="34" charset="0"/>
-                        <a:ea typeface="Calibri" panose="020F0502020204030204" pitchFamily="34" charset="0"/>
-                        <a:cs typeface="Times New Roman" panose="02020603050405020304" pitchFamily="18" charset="0"/>
-                      </a:endParaRPr>
-                    </a:p>
-                  </a:txBody>
-                  <a:tcPr marL="15223" marR="15223" marT="0" marB="0" anchor="ctr">
-                    <a:lnL w="12700" cap="flat" cmpd="sng" algn="ctr">
-                      <a:solidFill>
-                        <a:schemeClr val="tx1"/>
-                      </a:solidFill>
-                      <a:prstDash val="solid"/>
-                      <a:round/>
-                      <a:headEnd type="none" w="med" len="med"/>
-                      <a:tailEnd type="none" w="med" len="med"/>
-                    </a:lnL>
-                    <a:lnR w="12700" cap="flat" cmpd="sng" algn="ctr">
-                      <a:solidFill>
-                        <a:schemeClr val="tx1"/>
-                      </a:solidFill>
-                      <a:prstDash val="solid"/>
-                      <a:round/>
-                      <a:headEnd type="none" w="med" len="med"/>
-                      <a:tailEnd type="none" w="med" len="med"/>
-                    </a:lnR>
-                    <a:lnT w="12700" cap="flat" cmpd="sng" algn="ctr">
-                      <a:solidFill>
-                        <a:schemeClr val="tx1"/>
-                      </a:solidFill>
-                      <a:prstDash val="solid"/>
-                      <a:round/>
-                      <a:headEnd type="none" w="med" len="med"/>
-                      <a:tailEnd type="none" w="med" len="med"/>
-                    </a:lnT>
-                    <a:lnB w="12700" cap="flat" cmpd="sng" algn="ctr">
-                      <a:solidFill>
-                        <a:schemeClr val="tx1"/>
-                      </a:solidFill>
-                      <a:prstDash val="solid"/>
-                      <a:round/>
-                      <a:headEnd type="none" w="med" len="med"/>
-                      <a:tailEnd type="none" w="med" len="med"/>
-                    </a:lnB>
-                  </a:tcPr>
-                </a:tc>
-                <a:tc>
-                  <a:txBody>
-                    <a:bodyPr/>
-                    <a:lstStyle/>
-                    <a:p>
-                      <a:pPr algn="ctr">
-                        <a:lnSpc>
-                          <a:spcPct val="115000"/>
-                        </a:lnSpc>
-                        <a:spcAft>
-                          <a:spcPts val="0"/>
-                        </a:spcAft>
-                      </a:pPr>
-                      <a:r>
-                        <a:rPr lang="uk-UA" sz="1200">
-                          <a:effectLst/>
-                        </a:rPr>
-                        <a:t>Так</a:t>
-                      </a:r>
-                      <a:endParaRPr lang="ru-RU" sz="900">
-                        <a:effectLst/>
-                        <a:latin typeface="Calibri" panose="020F0502020204030204" pitchFamily="34" charset="0"/>
-                        <a:ea typeface="Calibri" panose="020F0502020204030204" pitchFamily="34" charset="0"/>
-                        <a:cs typeface="Times New Roman" panose="02020603050405020304" pitchFamily="18" charset="0"/>
-                      </a:endParaRPr>
-                    </a:p>
-                  </a:txBody>
-                  <a:tcPr marL="15223" marR="15223" marT="0" marB="0" anchor="ctr">
-                    <a:lnL w="12700" cap="flat" cmpd="sng" algn="ctr">
-                      <a:solidFill>
-                        <a:schemeClr val="tx1"/>
-                      </a:solidFill>
-                      <a:prstDash val="solid"/>
-                      <a:round/>
-                      <a:headEnd type="none" w="med" len="med"/>
-                      <a:tailEnd type="none" w="med" len="med"/>
-                    </a:lnL>
-                    <a:lnR w="12700" cap="flat" cmpd="sng" algn="ctr">
-                      <a:solidFill>
-                        <a:schemeClr val="tx1"/>
-                      </a:solidFill>
-                      <a:prstDash val="solid"/>
-                      <a:round/>
-                      <a:headEnd type="none" w="med" len="med"/>
-                      <a:tailEnd type="none" w="med" len="med"/>
-                    </a:lnR>
-                    <a:lnT w="12700" cap="flat" cmpd="sng" algn="ctr">
-                      <a:solidFill>
-                        <a:schemeClr val="tx1"/>
-                      </a:solidFill>
-                      <a:prstDash val="solid"/>
-                      <a:round/>
-                      <a:headEnd type="none" w="med" len="med"/>
-                      <a:tailEnd type="none" w="med" len="med"/>
-                    </a:lnT>
-                    <a:lnB w="12700" cap="flat" cmpd="sng" algn="ctr">
-                      <a:solidFill>
-                        <a:schemeClr val="tx1"/>
-                      </a:solidFill>
-                      <a:prstDash val="solid"/>
-                      <a:round/>
-                      <a:headEnd type="none" w="med" len="med"/>
-                      <a:tailEnd type="none" w="med" len="med"/>
-                    </a:lnB>
-                  </a:tcPr>
-                </a:tc>
-                <a:tc>
-                  <a:txBody>
-                    <a:bodyPr/>
-                    <a:lstStyle/>
-                    <a:p>
-                      <a:pPr algn="ctr">
-                        <a:lnSpc>
-                          <a:spcPct val="115000"/>
-                        </a:lnSpc>
-                        <a:spcAft>
-                          <a:spcPts val="0"/>
-                        </a:spcAft>
-                      </a:pPr>
-                      <a:r>
-                        <a:rPr lang="uk-UA" sz="1200">
-                          <a:effectLst/>
-                        </a:rPr>
-                        <a:t>Так</a:t>
-                      </a:r>
-                      <a:endParaRPr lang="ru-RU" sz="900">
-                        <a:effectLst/>
-                        <a:latin typeface="Calibri" panose="020F0502020204030204" pitchFamily="34" charset="0"/>
-                        <a:ea typeface="Calibri" panose="020F0502020204030204" pitchFamily="34" charset="0"/>
-                        <a:cs typeface="Times New Roman" panose="02020603050405020304" pitchFamily="18" charset="0"/>
-                      </a:endParaRPr>
-                    </a:p>
-                  </a:txBody>
-                  <a:tcPr marL="15223" marR="15223" marT="0" marB="0" anchor="ctr">
-                    <a:lnL w="12700" cap="flat" cmpd="sng" algn="ctr">
-                      <a:solidFill>
-                        <a:schemeClr val="tx1"/>
-                      </a:solidFill>
-                      <a:prstDash val="solid"/>
-                      <a:round/>
-                      <a:headEnd type="none" w="med" len="med"/>
-                      <a:tailEnd type="none" w="med" len="med"/>
-                    </a:lnL>
-                    <a:lnR w="12700" cap="flat" cmpd="sng" algn="ctr">
-                      <a:solidFill>
-                        <a:schemeClr val="tx1"/>
-                      </a:solidFill>
-                      <a:prstDash val="solid"/>
-                      <a:round/>
-                      <a:headEnd type="none" w="med" len="med"/>
-                      <a:tailEnd type="none" w="med" len="med"/>
-                    </a:lnR>
-                    <a:lnT w="12700" cap="flat" cmpd="sng" algn="ctr">
-                      <a:solidFill>
-                        <a:schemeClr val="tx1"/>
-                      </a:solidFill>
-                      <a:prstDash val="solid"/>
-                      <a:round/>
-                      <a:headEnd type="none" w="med" len="med"/>
-                      <a:tailEnd type="none" w="med" len="med"/>
-                    </a:lnT>
-                    <a:lnB w="12700" cap="flat" cmpd="sng" algn="ctr">
-                      <a:solidFill>
-                        <a:schemeClr val="tx1"/>
-                      </a:solidFill>
-                      <a:prstDash val="solid"/>
-                      <a:round/>
-                      <a:headEnd type="none" w="med" len="med"/>
-                      <a:tailEnd type="none" w="med" len="med"/>
-                    </a:lnB>
-                  </a:tcPr>
-                </a:tc>
-              </a:tr>
-              <a:tr h="479064">
-                <a:tc>
-                  <a:txBody>
-                    <a:bodyPr/>
-                    <a:lstStyle/>
-                    <a:p>
-                      <a:pPr algn="ctr">
-                        <a:lnSpc>
-                          <a:spcPct val="115000"/>
-                        </a:lnSpc>
-                        <a:spcAft>
-                          <a:spcPts val="0"/>
-                        </a:spcAft>
-                      </a:pPr>
-                      <a:r>
-                        <a:rPr lang="uk-UA" sz="1200">
-                          <a:effectLst/>
-                        </a:rPr>
-                        <a:t>Перевірка над достатності знань</a:t>
-                      </a:r>
-                      <a:endParaRPr lang="ru-RU" sz="900">
-                        <a:effectLst/>
-                        <a:latin typeface="Calibri" panose="020F0502020204030204" pitchFamily="34" charset="0"/>
-                        <a:ea typeface="Calibri" panose="020F0502020204030204" pitchFamily="34" charset="0"/>
-                        <a:cs typeface="Times New Roman" panose="02020603050405020304" pitchFamily="18" charset="0"/>
-                      </a:endParaRPr>
-                    </a:p>
-                  </a:txBody>
-                  <a:tcPr marL="15223" marR="15223" marT="0" marB="0" anchor="ctr">
-                    <a:lnL w="12700" cap="flat" cmpd="sng" algn="ctr">
-                      <a:solidFill>
-                        <a:schemeClr val="tx1"/>
-                      </a:solidFill>
-                      <a:prstDash val="solid"/>
-                      <a:round/>
-                      <a:headEnd type="none" w="med" len="med"/>
-                      <a:tailEnd type="none" w="med" len="med"/>
-                    </a:lnL>
-                    <a:lnR w="12700" cap="flat" cmpd="sng" algn="ctr">
-                      <a:solidFill>
-                        <a:schemeClr val="tx1"/>
-                      </a:solidFill>
-                      <a:prstDash val="solid"/>
-                      <a:round/>
-                      <a:headEnd type="none" w="med" len="med"/>
-                      <a:tailEnd type="none" w="med" len="med"/>
-                    </a:lnR>
-                    <a:lnT w="12700" cap="flat" cmpd="sng" algn="ctr">
-                      <a:solidFill>
-                        <a:schemeClr val="tx1"/>
-                      </a:solidFill>
-                      <a:prstDash val="solid"/>
-                      <a:round/>
-                      <a:headEnd type="none" w="med" len="med"/>
-                      <a:tailEnd type="none" w="med" len="med"/>
-                    </a:lnT>
-                    <a:lnB w="12700" cap="flat" cmpd="sng" algn="ctr">
-                      <a:solidFill>
-                        <a:schemeClr val="tx1"/>
-                      </a:solidFill>
-                      <a:prstDash val="solid"/>
-                      <a:round/>
-                      <a:headEnd type="none" w="med" len="med"/>
-                      <a:tailEnd type="none" w="med" len="med"/>
-                    </a:lnB>
-                  </a:tcPr>
-                </a:tc>
-                <a:tc>
-                  <a:txBody>
-                    <a:bodyPr/>
-                    <a:lstStyle/>
-                    <a:p>
-                      <a:pPr algn="ctr">
-                        <a:lnSpc>
-                          <a:spcPct val="115000"/>
-                        </a:lnSpc>
-                        <a:spcAft>
-                          <a:spcPts val="0"/>
-                        </a:spcAft>
-                      </a:pPr>
-                      <a:r>
-                        <a:rPr lang="uk-UA" sz="1200">
-                          <a:effectLst/>
-                        </a:rPr>
-                        <a:t>Ні</a:t>
-                      </a:r>
-                      <a:endParaRPr lang="ru-RU" sz="900">
-                        <a:effectLst/>
-                        <a:latin typeface="Calibri" panose="020F0502020204030204" pitchFamily="34" charset="0"/>
-                        <a:ea typeface="Calibri" panose="020F0502020204030204" pitchFamily="34" charset="0"/>
-                        <a:cs typeface="Times New Roman" panose="02020603050405020304" pitchFamily="18" charset="0"/>
-                      </a:endParaRPr>
-                    </a:p>
-                  </a:txBody>
-                  <a:tcPr marL="15223" marR="15223" marT="0" marB="0" anchor="ctr">
-                    <a:lnL w="12700" cap="flat" cmpd="sng" algn="ctr">
-                      <a:solidFill>
-                        <a:schemeClr val="tx1"/>
-                      </a:solidFill>
-                      <a:prstDash val="solid"/>
-                      <a:round/>
-                      <a:headEnd type="none" w="med" len="med"/>
-                      <a:tailEnd type="none" w="med" len="med"/>
-                    </a:lnL>
-                    <a:lnR w="12700" cap="flat" cmpd="sng" algn="ctr">
-                      <a:solidFill>
-                        <a:schemeClr val="tx1"/>
-                      </a:solidFill>
-                      <a:prstDash val="solid"/>
-                      <a:round/>
-                      <a:headEnd type="none" w="med" len="med"/>
-                      <a:tailEnd type="none" w="med" len="med"/>
-                    </a:lnR>
-                    <a:lnT w="12700" cap="flat" cmpd="sng" algn="ctr">
-                      <a:solidFill>
-                        <a:schemeClr val="tx1"/>
-                      </a:solidFill>
-                      <a:prstDash val="solid"/>
-                      <a:round/>
-                      <a:headEnd type="none" w="med" len="med"/>
-                      <a:tailEnd type="none" w="med" len="med"/>
-                    </a:lnT>
-                    <a:lnB w="12700" cap="flat" cmpd="sng" algn="ctr">
-                      <a:solidFill>
-                        <a:schemeClr val="tx1"/>
-                      </a:solidFill>
-                      <a:prstDash val="solid"/>
-                      <a:round/>
-                      <a:headEnd type="none" w="med" len="med"/>
-                      <a:tailEnd type="none" w="med" len="med"/>
-                    </a:lnB>
-                  </a:tcPr>
-                </a:tc>
-                <a:tc>
-                  <a:txBody>
-                    <a:bodyPr/>
-                    <a:lstStyle/>
-                    <a:p>
-                      <a:pPr algn="ctr">
-                        <a:lnSpc>
-                          <a:spcPct val="115000"/>
-                        </a:lnSpc>
-                        <a:spcAft>
-                          <a:spcPts val="0"/>
-                        </a:spcAft>
-                      </a:pPr>
-                      <a:r>
-                        <a:rPr lang="uk-UA" sz="1200">
-                          <a:effectLst/>
-                        </a:rPr>
-                        <a:t>Ні</a:t>
-                      </a:r>
-                      <a:endParaRPr lang="ru-RU" sz="900">
-                        <a:effectLst/>
-                        <a:latin typeface="Calibri" panose="020F0502020204030204" pitchFamily="34" charset="0"/>
-                        <a:ea typeface="Calibri" panose="020F0502020204030204" pitchFamily="34" charset="0"/>
-                        <a:cs typeface="Times New Roman" panose="02020603050405020304" pitchFamily="18" charset="0"/>
-                      </a:endParaRPr>
-                    </a:p>
-                  </a:txBody>
-                  <a:tcPr marL="15223" marR="15223" marT="0" marB="0" anchor="ctr">
-                    <a:lnL w="12700" cap="flat" cmpd="sng" algn="ctr">
-                      <a:solidFill>
-                        <a:schemeClr val="tx1"/>
-                      </a:solidFill>
-                      <a:prstDash val="solid"/>
-                      <a:round/>
-                      <a:headEnd type="none" w="med" len="med"/>
-                      <a:tailEnd type="none" w="med" len="med"/>
-                    </a:lnL>
-                    <a:lnR w="12700" cap="flat" cmpd="sng" algn="ctr">
-                      <a:solidFill>
-                        <a:schemeClr val="tx1"/>
-                      </a:solidFill>
-                      <a:prstDash val="solid"/>
-                      <a:round/>
-                      <a:headEnd type="none" w="med" len="med"/>
-                      <a:tailEnd type="none" w="med" len="med"/>
-                    </a:lnR>
-                    <a:lnT w="12700" cap="flat" cmpd="sng" algn="ctr">
-                      <a:solidFill>
-                        <a:schemeClr val="tx1"/>
-                      </a:solidFill>
-                      <a:prstDash val="solid"/>
-                      <a:round/>
-                      <a:headEnd type="none" w="med" len="med"/>
-                      <a:tailEnd type="none" w="med" len="med"/>
-                    </a:lnT>
-                    <a:lnB w="12700" cap="flat" cmpd="sng" algn="ctr">
-                      <a:solidFill>
-                        <a:schemeClr val="tx1"/>
-                      </a:solidFill>
-                      <a:prstDash val="solid"/>
-                      <a:round/>
-                      <a:headEnd type="none" w="med" len="med"/>
-                      <a:tailEnd type="none" w="med" len="med"/>
-                    </a:lnB>
-                  </a:tcPr>
-                </a:tc>
-                <a:tc>
-                  <a:txBody>
-                    <a:bodyPr/>
-                    <a:lstStyle/>
-                    <a:p>
-                      <a:pPr algn="ctr">
-                        <a:lnSpc>
-                          <a:spcPct val="115000"/>
-                        </a:lnSpc>
-                        <a:spcAft>
-                          <a:spcPts val="0"/>
-                        </a:spcAft>
-                      </a:pPr>
-                      <a:r>
-                        <a:rPr lang="uk-UA" sz="1200">
-                          <a:effectLst/>
-                        </a:rPr>
-                        <a:t>Ні</a:t>
-                      </a:r>
-                      <a:endParaRPr lang="ru-RU" sz="900">
-                        <a:effectLst/>
-                        <a:latin typeface="Calibri" panose="020F0502020204030204" pitchFamily="34" charset="0"/>
-                        <a:ea typeface="Calibri" panose="020F0502020204030204" pitchFamily="34" charset="0"/>
-                        <a:cs typeface="Times New Roman" panose="02020603050405020304" pitchFamily="18" charset="0"/>
-                      </a:endParaRPr>
-                    </a:p>
-                  </a:txBody>
-                  <a:tcPr marL="15223" marR="15223" marT="0" marB="0" anchor="ctr">
-                    <a:lnL w="12700" cap="flat" cmpd="sng" algn="ctr">
-                      <a:solidFill>
-                        <a:schemeClr val="tx1"/>
-                      </a:solidFill>
-                      <a:prstDash val="solid"/>
-                      <a:round/>
-                      <a:headEnd type="none" w="med" len="med"/>
-                      <a:tailEnd type="none" w="med" len="med"/>
-                    </a:lnL>
-                    <a:lnR w="12700" cap="flat" cmpd="sng" algn="ctr">
-                      <a:solidFill>
-                        <a:schemeClr val="tx1"/>
-                      </a:solidFill>
-                      <a:prstDash val="solid"/>
-                      <a:round/>
-                      <a:headEnd type="none" w="med" len="med"/>
-                      <a:tailEnd type="none" w="med" len="med"/>
-                    </a:lnR>
-                    <a:lnT w="12700" cap="flat" cmpd="sng" algn="ctr">
-                      <a:solidFill>
-                        <a:schemeClr val="tx1"/>
-                      </a:solidFill>
-                      <a:prstDash val="solid"/>
-                      <a:round/>
-                      <a:headEnd type="none" w="med" len="med"/>
-                      <a:tailEnd type="none" w="med" len="med"/>
-                    </a:lnT>
-                    <a:lnB w="12700" cap="flat" cmpd="sng" algn="ctr">
-                      <a:solidFill>
-                        <a:schemeClr val="tx1"/>
-                      </a:solidFill>
-                      <a:prstDash val="solid"/>
-                      <a:round/>
-                      <a:headEnd type="none" w="med" len="med"/>
-                      <a:tailEnd type="none" w="med" len="med"/>
-                    </a:lnB>
-                  </a:tcPr>
-                </a:tc>
-                <a:tc>
-                  <a:txBody>
-                    <a:bodyPr/>
-                    <a:lstStyle/>
-                    <a:p>
-                      <a:pPr algn="ctr">
-                        <a:lnSpc>
-                          <a:spcPct val="115000"/>
-                        </a:lnSpc>
-                        <a:spcAft>
-                          <a:spcPts val="0"/>
-                        </a:spcAft>
-                      </a:pPr>
-                      <a:r>
-                        <a:rPr lang="uk-UA" sz="1200">
-                          <a:effectLst/>
-                        </a:rPr>
-                        <a:t>Ні</a:t>
-                      </a:r>
-                      <a:endParaRPr lang="ru-RU" sz="900">
-                        <a:effectLst/>
-                        <a:latin typeface="Calibri" panose="020F0502020204030204" pitchFamily="34" charset="0"/>
-                        <a:ea typeface="Calibri" panose="020F0502020204030204" pitchFamily="34" charset="0"/>
-                        <a:cs typeface="Times New Roman" panose="02020603050405020304" pitchFamily="18" charset="0"/>
-                      </a:endParaRPr>
-                    </a:p>
-                  </a:txBody>
-                  <a:tcPr marL="15223" marR="15223" marT="0" marB="0" anchor="ctr">
-                    <a:lnL w="12700" cap="flat" cmpd="sng" algn="ctr">
-                      <a:solidFill>
-                        <a:schemeClr val="tx1"/>
-                      </a:solidFill>
-                      <a:prstDash val="solid"/>
-                      <a:round/>
-                      <a:headEnd type="none" w="med" len="med"/>
-                      <a:tailEnd type="none" w="med" len="med"/>
-                    </a:lnL>
-                    <a:lnR w="12700" cap="flat" cmpd="sng" algn="ctr">
-                      <a:solidFill>
-                        <a:schemeClr val="tx1"/>
-                      </a:solidFill>
-                      <a:prstDash val="solid"/>
-                      <a:round/>
-                      <a:headEnd type="none" w="med" len="med"/>
-                      <a:tailEnd type="none" w="med" len="med"/>
-                    </a:lnR>
-                    <a:lnT w="12700" cap="flat" cmpd="sng" algn="ctr">
-                      <a:solidFill>
-                        <a:schemeClr val="tx1"/>
-                      </a:solidFill>
-                      <a:prstDash val="solid"/>
-                      <a:round/>
-                      <a:headEnd type="none" w="med" len="med"/>
-                      <a:tailEnd type="none" w="med" len="med"/>
-                    </a:lnT>
-                    <a:lnB w="12700" cap="flat" cmpd="sng" algn="ctr">
-                      <a:solidFill>
-                        <a:schemeClr val="tx1"/>
-                      </a:solidFill>
-                      <a:prstDash val="solid"/>
-                      <a:round/>
-                      <a:headEnd type="none" w="med" len="med"/>
-                      <a:tailEnd type="none" w="med" len="med"/>
-                    </a:lnB>
-                  </a:tcPr>
-                </a:tc>
-              </a:tr>
-              <a:tr h="479064">
-                <a:tc>
-                  <a:txBody>
-                    <a:bodyPr/>
-                    <a:lstStyle/>
-                    <a:p>
-                      <a:pPr algn="ctr">
-                        <a:lnSpc>
-                          <a:spcPct val="115000"/>
-                        </a:lnSpc>
-                        <a:spcAft>
-                          <a:spcPts val="0"/>
-                        </a:spcAft>
-                      </a:pPr>
-                      <a:r>
-                        <a:rPr lang="uk-UA" sz="1200">
-                          <a:effectLst/>
-                        </a:rPr>
-                        <a:t>Перевірка повноти знань</a:t>
-                      </a:r>
-                      <a:endParaRPr lang="ru-RU" sz="900">
-                        <a:effectLst/>
-                        <a:latin typeface="Calibri" panose="020F0502020204030204" pitchFamily="34" charset="0"/>
-                        <a:ea typeface="Calibri" panose="020F0502020204030204" pitchFamily="34" charset="0"/>
-                        <a:cs typeface="Times New Roman" panose="02020603050405020304" pitchFamily="18" charset="0"/>
-                      </a:endParaRPr>
-                    </a:p>
-                  </a:txBody>
-                  <a:tcPr marL="15223" marR="15223" marT="0" marB="0" anchor="ctr">
-                    <a:lnL w="12700" cap="flat" cmpd="sng" algn="ctr">
-                      <a:solidFill>
-                        <a:schemeClr val="tx1"/>
-                      </a:solidFill>
-                      <a:prstDash val="solid"/>
-                      <a:round/>
-                      <a:headEnd type="none" w="med" len="med"/>
-                      <a:tailEnd type="none" w="med" len="med"/>
-                    </a:lnL>
-                    <a:lnR w="12700" cap="flat" cmpd="sng" algn="ctr">
-                      <a:solidFill>
-                        <a:schemeClr val="tx1"/>
-                      </a:solidFill>
-                      <a:prstDash val="solid"/>
-                      <a:round/>
-                      <a:headEnd type="none" w="med" len="med"/>
-                      <a:tailEnd type="none" w="med" len="med"/>
-                    </a:lnR>
-                    <a:lnT w="12700" cap="flat" cmpd="sng" algn="ctr">
-                      <a:solidFill>
-                        <a:schemeClr val="tx1"/>
-                      </a:solidFill>
-                      <a:prstDash val="solid"/>
-                      <a:round/>
-                      <a:headEnd type="none" w="med" len="med"/>
-                      <a:tailEnd type="none" w="med" len="med"/>
-                    </a:lnT>
-                    <a:lnB w="12700" cap="flat" cmpd="sng" algn="ctr">
-                      <a:solidFill>
-                        <a:schemeClr val="tx1"/>
-                      </a:solidFill>
-                      <a:prstDash val="solid"/>
-                      <a:round/>
-                      <a:headEnd type="none" w="med" len="med"/>
-                      <a:tailEnd type="none" w="med" len="med"/>
-                    </a:lnB>
-                  </a:tcPr>
-                </a:tc>
-                <a:tc>
-                  <a:txBody>
-                    <a:bodyPr/>
-                    <a:lstStyle/>
-                    <a:p>
-                      <a:pPr algn="ctr">
-                        <a:lnSpc>
-                          <a:spcPct val="115000"/>
-                        </a:lnSpc>
-                        <a:spcAft>
-                          <a:spcPts val="0"/>
-                        </a:spcAft>
-                      </a:pPr>
-                      <a:r>
-                        <a:rPr lang="uk-UA" sz="1200">
-                          <a:effectLst/>
-                        </a:rPr>
-                        <a:t>Ні</a:t>
-                      </a:r>
-                      <a:endParaRPr lang="ru-RU" sz="900">
-                        <a:effectLst/>
-                        <a:latin typeface="Calibri" panose="020F0502020204030204" pitchFamily="34" charset="0"/>
-                        <a:ea typeface="Calibri" panose="020F0502020204030204" pitchFamily="34" charset="0"/>
-                        <a:cs typeface="Times New Roman" panose="02020603050405020304" pitchFamily="18" charset="0"/>
-                      </a:endParaRPr>
-                    </a:p>
-                  </a:txBody>
-                  <a:tcPr marL="15223" marR="15223" marT="0" marB="0" anchor="ctr">
-                    <a:lnL w="12700" cap="flat" cmpd="sng" algn="ctr">
-                      <a:solidFill>
-                        <a:schemeClr val="tx1"/>
-                      </a:solidFill>
-                      <a:prstDash val="solid"/>
-                      <a:round/>
-                      <a:headEnd type="none" w="med" len="med"/>
-                      <a:tailEnd type="none" w="med" len="med"/>
-                    </a:lnL>
-                    <a:lnR w="12700" cap="flat" cmpd="sng" algn="ctr">
-                      <a:solidFill>
-                        <a:schemeClr val="tx1"/>
-                      </a:solidFill>
-                      <a:prstDash val="solid"/>
-                      <a:round/>
-                      <a:headEnd type="none" w="med" len="med"/>
-                      <a:tailEnd type="none" w="med" len="med"/>
-                    </a:lnR>
-                    <a:lnT w="12700" cap="flat" cmpd="sng" algn="ctr">
-                      <a:solidFill>
-                        <a:schemeClr val="tx1"/>
-                      </a:solidFill>
-                      <a:prstDash val="solid"/>
-                      <a:round/>
-                      <a:headEnd type="none" w="med" len="med"/>
-                      <a:tailEnd type="none" w="med" len="med"/>
-                    </a:lnT>
-                    <a:lnB w="12700" cap="flat" cmpd="sng" algn="ctr">
-                      <a:solidFill>
-                        <a:schemeClr val="tx1"/>
-                      </a:solidFill>
-                      <a:prstDash val="solid"/>
-                      <a:round/>
-                      <a:headEnd type="none" w="med" len="med"/>
-                      <a:tailEnd type="none" w="med" len="med"/>
-                    </a:lnB>
-                  </a:tcPr>
-                </a:tc>
-                <a:tc>
-                  <a:txBody>
-                    <a:bodyPr/>
-                    <a:lstStyle/>
-                    <a:p>
-                      <a:pPr algn="ctr">
-                        <a:lnSpc>
-                          <a:spcPct val="115000"/>
-                        </a:lnSpc>
-                        <a:spcAft>
-                          <a:spcPts val="0"/>
-                        </a:spcAft>
-                      </a:pPr>
-                      <a:r>
-                        <a:rPr lang="uk-UA" sz="1200">
-                          <a:effectLst/>
-                        </a:rPr>
-                        <a:t>Ні</a:t>
-                      </a:r>
-                      <a:endParaRPr lang="ru-RU" sz="900">
-                        <a:effectLst/>
-                        <a:latin typeface="Calibri" panose="020F0502020204030204" pitchFamily="34" charset="0"/>
-                        <a:ea typeface="Calibri" panose="020F0502020204030204" pitchFamily="34" charset="0"/>
-                        <a:cs typeface="Times New Roman" panose="02020603050405020304" pitchFamily="18" charset="0"/>
-                      </a:endParaRPr>
-                    </a:p>
-                  </a:txBody>
-                  <a:tcPr marL="15223" marR="15223" marT="0" marB="0" anchor="ctr">
-                    <a:lnL w="12700" cap="flat" cmpd="sng" algn="ctr">
-                      <a:solidFill>
-                        <a:schemeClr val="tx1"/>
-                      </a:solidFill>
-                      <a:prstDash val="solid"/>
-                      <a:round/>
-                      <a:headEnd type="none" w="med" len="med"/>
-                      <a:tailEnd type="none" w="med" len="med"/>
-                    </a:lnL>
-                    <a:lnR w="12700" cap="flat" cmpd="sng" algn="ctr">
-                      <a:solidFill>
-                        <a:schemeClr val="tx1"/>
-                      </a:solidFill>
-                      <a:prstDash val="solid"/>
-                      <a:round/>
-                      <a:headEnd type="none" w="med" len="med"/>
-                      <a:tailEnd type="none" w="med" len="med"/>
-                    </a:lnR>
-                    <a:lnT w="12700" cap="flat" cmpd="sng" algn="ctr">
-                      <a:solidFill>
-                        <a:schemeClr val="tx1"/>
-                      </a:solidFill>
-                      <a:prstDash val="solid"/>
-                      <a:round/>
-                      <a:headEnd type="none" w="med" len="med"/>
-                      <a:tailEnd type="none" w="med" len="med"/>
-                    </a:lnT>
-                    <a:lnB w="12700" cap="flat" cmpd="sng" algn="ctr">
-                      <a:solidFill>
-                        <a:schemeClr val="tx1"/>
-                      </a:solidFill>
-                      <a:prstDash val="solid"/>
-                      <a:round/>
-                      <a:headEnd type="none" w="med" len="med"/>
-                      <a:tailEnd type="none" w="med" len="med"/>
-                    </a:lnB>
-                  </a:tcPr>
-                </a:tc>
-                <a:tc>
-                  <a:txBody>
-                    <a:bodyPr/>
-                    <a:lstStyle/>
-                    <a:p>
-                      <a:pPr algn="ctr">
-                        <a:lnSpc>
-                          <a:spcPct val="115000"/>
-                        </a:lnSpc>
-                        <a:spcAft>
-                          <a:spcPts val="0"/>
-                        </a:spcAft>
-                      </a:pPr>
-                      <a:r>
-                        <a:rPr lang="uk-UA" sz="1200">
-                          <a:effectLst/>
-                        </a:rPr>
-                        <a:t>Ні</a:t>
-                      </a:r>
-                      <a:endParaRPr lang="ru-RU" sz="900">
-                        <a:effectLst/>
-                        <a:latin typeface="Calibri" panose="020F0502020204030204" pitchFamily="34" charset="0"/>
-                        <a:ea typeface="Calibri" panose="020F0502020204030204" pitchFamily="34" charset="0"/>
-                        <a:cs typeface="Times New Roman" panose="02020603050405020304" pitchFamily="18" charset="0"/>
-                      </a:endParaRPr>
-                    </a:p>
-                  </a:txBody>
-                  <a:tcPr marL="15223" marR="15223" marT="0" marB="0" anchor="ctr">
-                    <a:lnL w="12700" cap="flat" cmpd="sng" algn="ctr">
-                      <a:solidFill>
-                        <a:schemeClr val="tx1"/>
-                      </a:solidFill>
-                      <a:prstDash val="solid"/>
-                      <a:round/>
-                      <a:headEnd type="none" w="med" len="med"/>
-                      <a:tailEnd type="none" w="med" len="med"/>
-                    </a:lnL>
-                    <a:lnR w="12700" cap="flat" cmpd="sng" algn="ctr">
-                      <a:solidFill>
-                        <a:schemeClr val="tx1"/>
-                      </a:solidFill>
-                      <a:prstDash val="solid"/>
-                      <a:round/>
-                      <a:headEnd type="none" w="med" len="med"/>
-                      <a:tailEnd type="none" w="med" len="med"/>
-                    </a:lnR>
-                    <a:lnT w="12700" cap="flat" cmpd="sng" algn="ctr">
-                      <a:solidFill>
-                        <a:schemeClr val="tx1"/>
-                      </a:solidFill>
-                      <a:prstDash val="solid"/>
-                      <a:round/>
-                      <a:headEnd type="none" w="med" len="med"/>
-                      <a:tailEnd type="none" w="med" len="med"/>
-                    </a:lnT>
-                    <a:lnB w="12700" cap="flat" cmpd="sng" algn="ctr">
-                      <a:solidFill>
-                        <a:schemeClr val="tx1"/>
-                      </a:solidFill>
-                      <a:prstDash val="solid"/>
-                      <a:round/>
-                      <a:headEnd type="none" w="med" len="med"/>
-                      <a:tailEnd type="none" w="med" len="med"/>
-                    </a:lnB>
-                  </a:tcPr>
-                </a:tc>
-                <a:tc>
-                  <a:txBody>
-                    <a:bodyPr/>
-                    <a:lstStyle/>
-                    <a:p>
-                      <a:pPr algn="ctr">
-                        <a:lnSpc>
-                          <a:spcPct val="115000"/>
-                        </a:lnSpc>
-                        <a:spcAft>
-                          <a:spcPts val="0"/>
-                        </a:spcAft>
-                      </a:pPr>
-                      <a:r>
-                        <a:rPr lang="uk-UA" sz="1200" dirty="0">
-                          <a:effectLst/>
-                        </a:rPr>
-                        <a:t>Так</a:t>
-                      </a:r>
-                      <a:endParaRPr lang="ru-RU" sz="900" dirty="0">
-                        <a:effectLst/>
-                        <a:latin typeface="Calibri" panose="020F0502020204030204" pitchFamily="34" charset="0"/>
-                        <a:ea typeface="Calibri" panose="020F0502020204030204" pitchFamily="34" charset="0"/>
-                        <a:cs typeface="Times New Roman" panose="02020603050405020304" pitchFamily="18" charset="0"/>
-                      </a:endParaRPr>
-                    </a:p>
-                  </a:txBody>
-                  <a:tcPr marL="15223" marR="15223" marT="0" marB="0" anchor="ctr">
-                    <a:lnL w="12700" cap="flat" cmpd="sng" algn="ctr">
-                      <a:solidFill>
-                        <a:schemeClr val="tx1"/>
-                      </a:solidFill>
-                      <a:prstDash val="solid"/>
-                      <a:round/>
-                      <a:headEnd type="none" w="med" len="med"/>
-                      <a:tailEnd type="none" w="med" len="med"/>
-                    </a:lnL>
-                    <a:lnR w="12700" cap="flat" cmpd="sng" algn="ctr">
-                      <a:solidFill>
-                        <a:schemeClr val="tx1"/>
-                      </a:solidFill>
-                      <a:prstDash val="solid"/>
-                      <a:round/>
-                      <a:headEnd type="none" w="med" len="med"/>
-                      <a:tailEnd type="none" w="med" len="med"/>
-                    </a:lnR>
-                    <a:lnT w="12700" cap="flat" cmpd="sng" algn="ctr">
-                      <a:solidFill>
-                        <a:schemeClr val="tx1"/>
-                      </a:solidFill>
-                      <a:prstDash val="solid"/>
-                      <a:round/>
-                      <a:headEnd type="none" w="med" len="med"/>
-                      <a:tailEnd type="none" w="med" len="med"/>
-                    </a:lnT>
-                    <a:lnB w="12700" cap="flat" cmpd="sng" algn="ctr">
-                      <a:solidFill>
-                        <a:schemeClr val="tx1"/>
-                      </a:solidFill>
-                      <a:prstDash val="solid"/>
-                      <a:round/>
-                      <a:headEnd type="none" w="med" len="med"/>
-                      <a:tailEnd type="none" w="med" len="med"/>
-                    </a:lnB>
-                  </a:tcPr>
-                </a:tc>
-              </a:tr>
-            </a:tbl>
-          </a:graphicData>
-        </a:graphic>
-      </p:graphicFrame>
-    </p:spTree>
-    <p:extLst>
-      <p:ext uri="{BB962C8B-B14F-4D97-AF65-F5344CB8AC3E}">
-        <p14:creationId xmlns:p14="http://schemas.microsoft.com/office/powerpoint/2010/main" val="3842909206"/>
-      </p:ext>
-    </p:extLst>
-  </p:cSld>
-  <p:clrMapOvr>
-    <a:masterClrMapping/>
-  </p:clrMapOvr>
-  <mc:AlternateContent xmlns:mc="http://schemas.openxmlformats.org/markup-compatibility/2006" xmlns:p14="http://schemas.microsoft.com/office/powerpoint/2010/main">
-    <mc:Choice Requires="p14">
-      <p:transition spd="med" p14:dur="700">
-        <p:fade/>
-      </p:transition>
-    </mc:Choice>
-    <mc:Fallback xmlns="">
-      <p:transition spd="med">
-        <p:fade/>
-      </p:transition>
-    </mc:Fallback>
-  </mc:AlternateContent>
-  <p:timing>
-    <p:tnLst>
-      <p:par>
-        <p:cTn id="1" dur="indefinite" restart="never" nodeType="tmRoot"/>
-      </p:par>
-    </p:tnLst>
-  </p:timing>
-</p:sld>
-</file>
-
-<file path=ppt/slides/slide4.xml><?xml version="1.0" encoding="utf-8"?>
-<p:sld xmlns:a="http://schemas.openxmlformats.org/drawingml/2006/main" xmlns:r="http://schemas.openxmlformats.org/officeDocument/2006/relationships" xmlns:p="http://schemas.openxmlformats.org/presentationml/2006/main">
-  <p:cSld>
-    <p:spTree>
-      <p:nvGrpSpPr>
-        <p:cNvPr id="1" name=""/>
-        <p:cNvGrpSpPr/>
-        <p:nvPr/>
-      </p:nvGrpSpPr>
-      <p:grpSpPr>
-        <a:xfrm>
-          <a:off x="0" y="0"/>
-          <a:ext cx="0" cy="0"/>
-          <a:chOff x="0" y="0"/>
-          <a:chExt cx="0" cy="0"/>
-        </a:xfrm>
-      </p:grpSpPr>
-      <p:sp>
-        <p:nvSpPr>
-          <p:cNvPr id="2" name="Заголовок 1"/>
-          <p:cNvSpPr>
-            <a:spLocks noGrp="1"/>
-          </p:cNvSpPr>
-          <p:nvPr>
-            <p:ph type="title"/>
-          </p:nvPr>
-        </p:nvSpPr>
-        <p:spPr>
-          <a:xfrm>
-            <a:off x="1141413" y="618518"/>
-            <a:ext cx="9905998" cy="857857"/>
-          </a:xfrm>
-        </p:spPr>
-        <p:txBody>
-          <a:bodyPr/>
-          <a:lstStyle/>
-          <a:p>
-            <a:pPr algn="ctr"/>
-            <a:r>
-              <a:rPr lang="uk-UA" dirty="0" smtClean="0"/>
-              <a:t>існуючі рішення</a:t>
-            </a:r>
-            <a:endParaRPr lang="uk-UA" dirty="0"/>
-          </a:p>
-        </p:txBody>
-      </p:sp>
-      <p:graphicFrame>
-        <p:nvGraphicFramePr>
-          <p:cNvPr id="4" name="Объект 3"/>
-          <p:cNvGraphicFramePr>
-            <a:graphicFrameLocks noGrp="1"/>
-          </p:cNvGraphicFramePr>
-          <p:nvPr>
-            <p:ph idx="1"/>
-            <p:extLst>
-              <p:ext uri="{D42A27DB-BD31-4B8C-83A1-F6EECF244321}">
-                <p14:modId xmlns:p14="http://schemas.microsoft.com/office/powerpoint/2010/main" val="1027932881"/>
+                <p14:modId xmlns:p14="http://schemas.microsoft.com/office/powerpoint/2010/main" val="3150995572"/>
               </p:ext>
             </p:extLst>
           </p:nvPr>
         </p:nvGraphicFramePr>
         <p:xfrm>
           <a:off x="1141414" y="1476374"/>
-          <a:ext cx="9905998" cy="3460315"/>
+          <a:ext cx="9905998" cy="3786504"/>
         </p:xfrm>
         <a:graphic>
           <a:graphicData uri="http://schemas.openxmlformats.org/drawingml/2006/table">
@@ -17677,7 +14568,7 @@
                 <a:gridCol w="2080735"/>
                 <a:gridCol w="1606855"/>
               </a:tblGrid>
-              <a:tr h="420186">
+              <a:tr h="459795">
                 <a:tc rowSpan="2">
                   <a:txBody>
                     <a:bodyPr/>
@@ -17841,7 +14732,7 @@
                   <a:tcPr/>
                 </a:tc>
               </a:tr>
-              <a:tr h="420186">
+              <a:tr h="459795">
                 <a:tc vMerge="1">
                   <a:txBody>
                     <a:bodyPr/>
@@ -18018,7 +14909,7 @@
                   </a:tcPr>
                 </a:tc>
               </a:tr>
-              <a:tr h="889600">
+              <a:tr h="973459">
                 <a:tc>
                   <a:txBody>
                     <a:bodyPr/>
@@ -18033,12 +14924,12 @@
                         </a:spcAft>
                       </a:pPr>
                       <a:r>
-                        <a:rPr lang="uk-UA" sz="1400">
+                        <a:rPr lang="uk-UA" sz="1400" dirty="0">
                           <a:effectLst/>
                         </a:rPr>
                         <a:t>Пошук інформації</a:t>
                       </a:r>
-                      <a:endParaRPr lang="ru-RU" sz="1100">
+                      <a:endParaRPr lang="ru-RU" sz="1100" dirty="0">
                         <a:effectLst/>
                         <a:latin typeface="Calibri" panose="020F0502020204030204" pitchFamily="34" charset="0"/>
                         <a:ea typeface="Calibri" panose="020F0502020204030204" pitchFamily="34" charset="0"/>
@@ -18175,7 +15066,7 @@
                   <a:tcPr marL="68580" marR="68580" marT="0" marB="0"/>
                 </a:tc>
               </a:tr>
-              <a:tr h="420557">
+              <a:tr h="460201">
                 <a:tc>
                   <a:txBody>
                     <a:bodyPr/>
@@ -18322,7 +15213,7 @@
                   <a:tcPr marL="68580" marR="68580" marT="0" marB="0"/>
                 </a:tc>
               </a:tr>
-              <a:tr h="889600">
+              <a:tr h="973459">
                 <a:tc>
                   <a:txBody>
                     <a:bodyPr/>
@@ -18469,7 +15360,7 @@
                   <a:tcPr marL="68580" marR="68580" marT="0" marB="0"/>
                 </a:tc>
               </a:tr>
-              <a:tr h="420186">
+              <a:tr h="459795">
                 <a:tc>
                   <a:txBody>
                     <a:bodyPr/>
@@ -18622,48 +15513,29 @@
       </p:graphicFrame>
       <p:sp>
         <p:nvSpPr>
-          <p:cNvPr id="5" name="Прямоугольник 4"/>
-          <p:cNvSpPr/>
-          <p:nvPr/>
+          <p:cNvPr id="5" name="Номер слайда 4"/>
+          <p:cNvSpPr>
+            <a:spLocks noGrp="1"/>
+          </p:cNvSpPr>
+          <p:nvPr>
+            <p:ph type="sldNum" sz="quarter" idx="12"/>
+          </p:nvPr>
         </p:nvSpPr>
         <p:spPr>
           <a:xfrm>
-            <a:off x="1141413" y="4936689"/>
-            <a:ext cx="9972676" cy="1338828"/>
+            <a:off x="10276322" y="435955"/>
+            <a:ext cx="771089" cy="365125"/>
           </a:xfrm>
-          <a:prstGeom prst="rect">
-            <a:avLst/>
-          </a:prstGeom>
         </p:spPr>
         <p:txBody>
-          <a:bodyPr wrap="square">
-            <a:spAutoFit/>
-          </a:bodyPr>
+          <a:bodyPr/>
           <a:lstStyle/>
           <a:p>
-            <a:pPr indent="449580" algn="just">
-              <a:lnSpc>
-                <a:spcPct val="150000"/>
-              </a:lnSpc>
-              <a:spcAft>
-                <a:spcPts val="0"/>
-              </a:spcAft>
-            </a:pPr>
-            <a:r>
-              <a:rPr lang="uk-UA" dirty="0" smtClean="0">
-                <a:effectLst/>
-                <a:latin typeface="Times New Roman" panose="02020603050405020304" pitchFamily="18" charset="0"/>
-                <a:ea typeface="Calibri" panose="020F0502020204030204" pitchFamily="34" charset="0"/>
-                <a:cs typeface="Times New Roman" panose="02020603050405020304" pitchFamily="18" charset="0"/>
-              </a:rPr>
-              <a:t>В процесі пошуку програмних продуктів було виявлено, що немає систем-аналогів які б повністю відтворювали функціонал розроблюваної системи. Та чи інша програма яка була знайдена  частково відтворює функціонал але не повністю, і це є великим плюсом розроблюваної системи.</a:t>
-            </a:r>
-            <a:endParaRPr lang="ru-RU" sz="1400" dirty="0">
-              <a:effectLst/>
-              <a:latin typeface="Calibri" panose="020F0502020204030204" pitchFamily="34" charset="0"/>
-              <a:ea typeface="Calibri" panose="020F0502020204030204" pitchFamily="34" charset="0"/>
-              <a:cs typeface="Times New Roman" panose="02020603050405020304" pitchFamily="18" charset="0"/>
-            </a:endParaRPr>
+            <a:fld id="{1C197F79-B892-4C65-AE2B-C69FA8B311C0}" type="slidenum">
+              <a:rPr lang="ru-RU" sz="1400" smtClean="0"/>
+              <a:t>3</a:t>
+            </a:fld>
+            <a:endParaRPr lang="ru-RU" sz="1400" dirty="0"/>
           </a:p>
         </p:txBody>
       </p:sp>
@@ -18699,7 +15571,7 @@
 </p:sld>
 </file>
 
-<file path=ppt/slides/slide5.xml><?xml version="1.0" encoding="utf-8"?>
+<file path=ppt/slides/slide4.xml><?xml version="1.0" encoding="utf-8"?>
 <p:sld xmlns:a="http://schemas.openxmlformats.org/drawingml/2006/main" xmlns:r="http://schemas.openxmlformats.org/officeDocument/2006/relationships" xmlns:p="http://schemas.openxmlformats.org/presentationml/2006/main">
   <p:cSld>
     <p:spTree>
@@ -18904,6 +15776,34 @@
           </a:p>
         </p:txBody>
       </p:sp>
+      <p:sp>
+        <p:nvSpPr>
+          <p:cNvPr id="5" name="Номер слайда 4"/>
+          <p:cNvSpPr>
+            <a:spLocks noGrp="1"/>
+          </p:cNvSpPr>
+          <p:nvPr>
+            <p:ph type="sldNum" sz="quarter" idx="12"/>
+          </p:nvPr>
+        </p:nvSpPr>
+        <p:spPr>
+          <a:xfrm>
+            <a:off x="10276322" y="435955"/>
+            <a:ext cx="771089" cy="365125"/>
+          </a:xfrm>
+        </p:spPr>
+        <p:txBody>
+          <a:bodyPr/>
+          <a:lstStyle/>
+          <a:p>
+            <a:fld id="{1C197F79-B892-4C65-AE2B-C69FA8B311C0}" type="slidenum">
+              <a:rPr lang="ru-RU" sz="1400" smtClean="0"/>
+              <a:t>4</a:t>
+            </a:fld>
+            <a:endParaRPr lang="ru-RU" sz="1400" dirty="0"/>
+          </a:p>
+        </p:txBody>
+      </p:sp>
     </p:spTree>
     <p:extLst>
       <p:ext uri="{BB962C8B-B14F-4D97-AF65-F5344CB8AC3E}">
@@ -18936,7 +15836,7 @@
 </p:sld>
 </file>
 
-<file path=ppt/slides/slide6.xml><?xml version="1.0" encoding="utf-8"?>
+<file path=ppt/slides/slide5.xml><?xml version="1.0" encoding="utf-8"?>
 <p:sld xmlns:a="http://schemas.openxmlformats.org/drawingml/2006/main" xmlns:r="http://schemas.openxmlformats.org/officeDocument/2006/relationships" xmlns:p="http://schemas.openxmlformats.org/presentationml/2006/main">
   <p:cSld>
     <p:spTree>
@@ -19044,10 +15944,197 @@
           <a:extLst/>
         </p:spPr>
       </p:pic>
+      <p:sp>
+        <p:nvSpPr>
+          <p:cNvPr id="4" name="Номер слайда 3"/>
+          <p:cNvSpPr>
+            <a:spLocks noGrp="1"/>
+          </p:cNvSpPr>
+          <p:nvPr>
+            <p:ph type="sldNum" sz="quarter" idx="12"/>
+          </p:nvPr>
+        </p:nvSpPr>
+        <p:spPr>
+          <a:xfrm>
+            <a:off x="10276320" y="366707"/>
+            <a:ext cx="771089" cy="365125"/>
+          </a:xfrm>
+        </p:spPr>
+        <p:txBody>
+          <a:bodyPr/>
+          <a:lstStyle/>
+          <a:p>
+            <a:fld id="{1C197F79-B892-4C65-AE2B-C69FA8B311C0}" type="slidenum">
+              <a:rPr lang="ru-RU" sz="1400" smtClean="0"/>
+              <a:t>5</a:t>
+            </a:fld>
+            <a:endParaRPr lang="ru-RU" sz="1400" dirty="0"/>
+          </a:p>
+        </p:txBody>
+      </p:sp>
     </p:spTree>
     <p:extLst>
       <p:ext uri="{BB962C8B-B14F-4D97-AF65-F5344CB8AC3E}">
         <p14:creationId xmlns:p14="http://schemas.microsoft.com/office/powerpoint/2010/main" val="1358404594"/>
+      </p:ext>
+    </p:extLst>
+  </p:cSld>
+  <p:clrMapOvr>
+    <a:masterClrMapping/>
+  </p:clrMapOvr>
+  <mc:AlternateContent xmlns:mc="http://schemas.openxmlformats.org/markup-compatibility/2006" xmlns:p14="http://schemas.microsoft.com/office/powerpoint/2010/main">
+    <mc:Choice Requires="p14">
+      <p:transition spd="med" p14:dur="700">
+        <p:fade/>
+      </p:transition>
+    </mc:Choice>
+    <mc:Fallback xmlns="">
+      <p:transition spd="med">
+        <p:fade/>
+      </p:transition>
+    </mc:Fallback>
+  </mc:AlternateContent>
+  <p:timing>
+    <p:tnLst>
+      <p:par>
+        <p:cTn id="1" dur="indefinite" restart="never" nodeType="tmRoot"/>
+      </p:par>
+    </p:tnLst>
+  </p:timing>
+</p:sld>
+</file>
+
+<file path=ppt/slides/slide6.xml><?xml version="1.0" encoding="utf-8"?>
+<p:sld xmlns:a="http://schemas.openxmlformats.org/drawingml/2006/main" xmlns:r="http://schemas.openxmlformats.org/officeDocument/2006/relationships" xmlns:p="http://schemas.openxmlformats.org/presentationml/2006/main">
+  <p:cSld>
+    <p:spTree>
+      <p:nvGrpSpPr>
+        <p:cNvPr id="1" name=""/>
+        <p:cNvGrpSpPr/>
+        <p:nvPr/>
+      </p:nvGrpSpPr>
+      <p:grpSpPr>
+        <a:xfrm>
+          <a:off x="0" y="0"/>
+          <a:ext cx="0" cy="0"/>
+          <a:chOff x="0" y="0"/>
+          <a:chExt cx="0" cy="0"/>
+        </a:xfrm>
+      </p:grpSpPr>
+      <p:sp>
+        <p:nvSpPr>
+          <p:cNvPr id="2" name="Заголовок 1"/>
+          <p:cNvSpPr>
+            <a:spLocks noGrp="1"/>
+          </p:cNvSpPr>
+          <p:nvPr>
+            <p:ph type="title"/>
+          </p:nvPr>
+        </p:nvSpPr>
+        <p:spPr>
+          <a:xfrm>
+            <a:off x="1141413" y="304193"/>
+            <a:ext cx="9905998" cy="676882"/>
+          </a:xfrm>
+        </p:spPr>
+        <p:txBody>
+          <a:bodyPr/>
+          <a:lstStyle/>
+          <a:p>
+            <a:pPr algn="ctr"/>
+            <a:r>
+              <a:rPr lang="uk-UA" dirty="0"/>
+              <a:t>Діаграма програмних класів</a:t>
+            </a:r>
+          </a:p>
+        </p:txBody>
+      </p:sp>
+      <p:pic>
+        <p:nvPicPr>
+          <p:cNvPr id="4099" name="Picture 3" descr="Тест"/>
+          <p:cNvPicPr>
+            <a:picLocks noChangeAspect="1" noChangeArrowheads="1"/>
+          </p:cNvPicPr>
+          <p:nvPr/>
+        </p:nvPicPr>
+        <p:blipFill>
+          <a:blip r:embed="rId2">
+            <a:extLst>
+              <a:ext uri="{28A0092B-C50C-407E-A947-70E740481C1C}">
+                <a14:useLocalDpi xmlns:a14="http://schemas.microsoft.com/office/drawing/2010/main" val="0"/>
+              </a:ext>
+            </a:extLst>
+          </a:blip>
+          <a:srcRect/>
+          <a:stretch>
+            <a:fillRect/>
+          </a:stretch>
+        </p:blipFill>
+        <p:spPr bwMode="auto">
+          <a:xfrm rot="16200000">
+            <a:off x="3212667" y="-540966"/>
+            <a:ext cx="5763489" cy="8807571"/>
+          </a:xfrm>
+          <a:prstGeom prst="rect">
+            <a:avLst/>
+          </a:prstGeom>
+          <a:noFill/>
+          <a:ln>
+            <a:noFill/>
+          </a:ln>
+          <a:extLst>
+            <a:ext uri="{909E8E84-426E-40DD-AFC4-6F175D3DCCD1}">
+              <a14:hiddenFill xmlns:a14="http://schemas.microsoft.com/office/drawing/2010/main">
+                <a:solidFill>
+                  <a:srgbClr val="FFFFFF"/>
+                </a:solidFill>
+              </a14:hiddenFill>
+            </a:ext>
+            <a:ext uri="{91240B29-F687-4F45-9708-019B960494DF}">
+              <a14:hiddenLine xmlns:a14="http://schemas.microsoft.com/office/drawing/2010/main" w="9525">
+                <a:solidFill>
+                  <a:srgbClr val="000000"/>
+                </a:solidFill>
+                <a:miter lim="800000"/>
+                <a:headEnd/>
+                <a:tailEnd/>
+              </a14:hiddenLine>
+            </a:ext>
+          </a:extLst>
+        </p:spPr>
+      </p:pic>
+      <p:sp>
+        <p:nvSpPr>
+          <p:cNvPr id="4" name="Номер слайда 3"/>
+          <p:cNvSpPr>
+            <a:spLocks noGrp="1"/>
+          </p:cNvSpPr>
+          <p:nvPr>
+            <p:ph type="sldNum" sz="quarter" idx="12"/>
+          </p:nvPr>
+        </p:nvSpPr>
+        <p:spPr>
+          <a:xfrm>
+            <a:off x="10276322" y="460071"/>
+            <a:ext cx="771089" cy="365125"/>
+          </a:xfrm>
+        </p:spPr>
+        <p:txBody>
+          <a:bodyPr/>
+          <a:lstStyle/>
+          <a:p>
+            <a:fld id="{1C197F79-B892-4C65-AE2B-C69FA8B311C0}" type="slidenum">
+              <a:rPr lang="ru-RU" sz="1400" smtClean="0"/>
+              <a:t>6</a:t>
+            </a:fld>
+            <a:endParaRPr lang="ru-RU" sz="1400" dirty="0"/>
+          </a:p>
+        </p:txBody>
+      </p:sp>
+    </p:spTree>
+    <p:extLst>
+      <p:ext uri="{BB962C8B-B14F-4D97-AF65-F5344CB8AC3E}">
+        <p14:creationId xmlns:p14="http://schemas.microsoft.com/office/powerpoint/2010/main" val="556553584"/>
       </p:ext>
     </p:extLst>
   </p:cSld>
@@ -19105,137 +16192,6 @@
         </p:nvSpPr>
         <p:spPr>
           <a:xfrm>
-            <a:off x="1141413" y="304193"/>
-            <a:ext cx="9905998" cy="676882"/>
-          </a:xfrm>
-        </p:spPr>
-        <p:txBody>
-          <a:bodyPr/>
-          <a:lstStyle/>
-          <a:p>
-            <a:pPr algn="ctr"/>
-            <a:r>
-              <a:rPr lang="uk-UA" dirty="0"/>
-              <a:t>Діаграма програмних класів</a:t>
-            </a:r>
-          </a:p>
-        </p:txBody>
-      </p:sp>
-      <p:pic>
-        <p:nvPicPr>
-          <p:cNvPr id="4099" name="Picture 3" descr="Тест"/>
-          <p:cNvPicPr>
-            <a:picLocks noChangeAspect="1" noChangeArrowheads="1"/>
-          </p:cNvPicPr>
-          <p:nvPr/>
-        </p:nvPicPr>
-        <p:blipFill>
-          <a:blip r:embed="rId2">
-            <a:extLst>
-              <a:ext uri="{28A0092B-C50C-407E-A947-70E740481C1C}">
-                <a14:useLocalDpi xmlns:a14="http://schemas.microsoft.com/office/drawing/2010/main" val="0"/>
-              </a:ext>
-            </a:extLst>
-          </a:blip>
-          <a:srcRect/>
-          <a:stretch>
-            <a:fillRect/>
-          </a:stretch>
-        </p:blipFill>
-        <p:spPr bwMode="auto">
-          <a:xfrm rot="16200000">
-            <a:off x="3212667" y="-540966"/>
-            <a:ext cx="5763489" cy="8807571"/>
-          </a:xfrm>
-          <a:prstGeom prst="rect">
-            <a:avLst/>
-          </a:prstGeom>
-          <a:noFill/>
-          <a:ln>
-            <a:noFill/>
-          </a:ln>
-          <a:extLst>
-            <a:ext uri="{909E8E84-426E-40DD-AFC4-6F175D3DCCD1}">
-              <a14:hiddenFill xmlns:a14="http://schemas.microsoft.com/office/drawing/2010/main">
-                <a:solidFill>
-                  <a:srgbClr val="FFFFFF"/>
-                </a:solidFill>
-              </a14:hiddenFill>
-            </a:ext>
-            <a:ext uri="{91240B29-F687-4F45-9708-019B960494DF}">
-              <a14:hiddenLine xmlns:a14="http://schemas.microsoft.com/office/drawing/2010/main" w="9525">
-                <a:solidFill>
-                  <a:srgbClr val="000000"/>
-                </a:solidFill>
-                <a:miter lim="800000"/>
-                <a:headEnd/>
-                <a:tailEnd/>
-              </a14:hiddenLine>
-            </a:ext>
-          </a:extLst>
-        </p:spPr>
-      </p:pic>
-    </p:spTree>
-    <p:extLst>
-      <p:ext uri="{BB962C8B-B14F-4D97-AF65-F5344CB8AC3E}">
-        <p14:creationId xmlns:p14="http://schemas.microsoft.com/office/powerpoint/2010/main" val="556553584"/>
-      </p:ext>
-    </p:extLst>
-  </p:cSld>
-  <p:clrMapOvr>
-    <a:masterClrMapping/>
-  </p:clrMapOvr>
-  <mc:AlternateContent xmlns:mc="http://schemas.openxmlformats.org/markup-compatibility/2006" xmlns:p14="http://schemas.microsoft.com/office/powerpoint/2010/main">
-    <mc:Choice Requires="p14">
-      <p:transition spd="med" p14:dur="700">
-        <p:fade/>
-      </p:transition>
-    </mc:Choice>
-    <mc:Fallback xmlns="">
-      <p:transition spd="med">
-        <p:fade/>
-      </p:transition>
-    </mc:Fallback>
-  </mc:AlternateContent>
-  <p:timing>
-    <p:tnLst>
-      <p:par>
-        <p:cTn id="1" dur="indefinite" restart="never" nodeType="tmRoot"/>
-      </p:par>
-    </p:tnLst>
-  </p:timing>
-</p:sld>
-</file>
-
-<file path=ppt/slides/slide8.xml><?xml version="1.0" encoding="utf-8"?>
-<p:sld xmlns:a="http://schemas.openxmlformats.org/drawingml/2006/main" xmlns:r="http://schemas.openxmlformats.org/officeDocument/2006/relationships" xmlns:p="http://schemas.openxmlformats.org/presentationml/2006/main">
-  <p:cSld>
-    <p:spTree>
-      <p:nvGrpSpPr>
-        <p:cNvPr id="1" name=""/>
-        <p:cNvGrpSpPr/>
-        <p:nvPr/>
-      </p:nvGrpSpPr>
-      <p:grpSpPr>
-        <a:xfrm>
-          <a:off x="0" y="0"/>
-          <a:ext cx="0" cy="0"/>
-          <a:chOff x="0" y="0"/>
-          <a:chExt cx="0" cy="0"/>
-        </a:xfrm>
-      </p:grpSpPr>
-      <p:sp>
-        <p:nvSpPr>
-          <p:cNvPr id="2" name="Заголовок 1"/>
-          <p:cNvSpPr>
-            <a:spLocks noGrp="1"/>
-          </p:cNvSpPr>
-          <p:nvPr>
-            <p:ph type="title"/>
-          </p:nvPr>
-        </p:nvSpPr>
-        <p:spPr>
-          <a:xfrm>
             <a:off x="1141413" y="618518"/>
             <a:ext cx="9905998" cy="534007"/>
           </a:xfrm>
@@ -19277,7 +16233,7 @@
         </p:blipFill>
         <p:spPr>
           <a:xfrm>
-            <a:off x="1705222" y="1273458"/>
+            <a:off x="1705222" y="1514998"/>
             <a:ext cx="8778379" cy="4066455"/>
           </a:xfrm>
           <a:prstGeom prst="rect">
@@ -19293,35 +16249,29 @@
       </p:pic>
       <p:sp>
         <p:nvSpPr>
-          <p:cNvPr id="6" name="Прямоугольник 5"/>
-          <p:cNvSpPr/>
-          <p:nvPr/>
+          <p:cNvPr id="5" name="Номер слайда 4"/>
+          <p:cNvSpPr>
+            <a:spLocks noGrp="1"/>
+          </p:cNvSpPr>
+          <p:nvPr>
+            <p:ph type="sldNum" sz="quarter" idx="12"/>
+          </p:nvPr>
         </p:nvSpPr>
         <p:spPr>
           <a:xfrm>
-            <a:off x="1426234" y="5460847"/>
-            <a:ext cx="10046898" cy="646331"/>
+            <a:off x="10276322" y="435955"/>
+            <a:ext cx="771089" cy="365125"/>
           </a:xfrm>
-          <a:prstGeom prst="rect">
-            <a:avLst/>
-          </a:prstGeom>
         </p:spPr>
         <p:txBody>
-          <a:bodyPr wrap="square">
-            <a:spAutoFit/>
-          </a:bodyPr>
+          <a:bodyPr/>
           <a:lstStyle/>
           <a:p>
-            <a:r>
-              <a:rPr lang="uk-UA" dirty="0">
-                <a:latin typeface="+mj-lt"/>
-                <a:ea typeface="Calibri" panose="020F0502020204030204" pitchFamily="34" charset="0"/>
-              </a:rPr>
-              <a:t>Як видно на рисунку, між таблицями відсутній будь який зв'язок, вони повністю незалежні один від одного. </a:t>
-            </a:r>
-            <a:endParaRPr lang="ru-RU" dirty="0">
-              <a:latin typeface="+mj-lt"/>
-            </a:endParaRPr>
+            <a:fld id="{1C197F79-B892-4C65-AE2B-C69FA8B311C0}" type="slidenum">
+              <a:rPr lang="ru-RU" sz="1400" smtClean="0"/>
+              <a:t>7</a:t>
+            </a:fld>
+            <a:endParaRPr lang="ru-RU" sz="1400" dirty="0"/>
           </a:p>
         </p:txBody>
       </p:sp>
@@ -19357,7 +16307,7 @@
 </p:sld>
 </file>
 
-<file path=ppt/slides/slide9.xml><?xml version="1.0" encoding="utf-8"?>
+<file path=ppt/slides/slide8.xml><?xml version="1.0" encoding="utf-8"?>
 <p:sld xmlns:a="http://schemas.openxmlformats.org/drawingml/2006/main" xmlns:r="http://schemas.openxmlformats.org/officeDocument/2006/relationships" xmlns:p="http://schemas.openxmlformats.org/presentationml/2006/main">
   <p:cSld>
     <p:spTree>
@@ -19575,10 +16525,338 @@
           </a:p>
         </p:txBody>
       </p:sp>
+      <p:sp>
+        <p:nvSpPr>
+          <p:cNvPr id="4" name="Номер слайда 3"/>
+          <p:cNvSpPr>
+            <a:spLocks noGrp="1"/>
+          </p:cNvSpPr>
+          <p:nvPr>
+            <p:ph type="sldNum" sz="quarter" idx="12"/>
+          </p:nvPr>
+        </p:nvSpPr>
+        <p:spPr>
+          <a:xfrm>
+            <a:off x="10342533" y="435955"/>
+            <a:ext cx="771089" cy="365125"/>
+          </a:xfrm>
+        </p:spPr>
+        <p:txBody>
+          <a:bodyPr/>
+          <a:lstStyle/>
+          <a:p>
+            <a:fld id="{1C197F79-B892-4C65-AE2B-C69FA8B311C0}" type="slidenum">
+              <a:rPr lang="ru-RU" sz="1400" smtClean="0"/>
+              <a:t>8</a:t>
+            </a:fld>
+            <a:endParaRPr lang="ru-RU" sz="1400"/>
+          </a:p>
+        </p:txBody>
+      </p:sp>
     </p:spTree>
     <p:extLst>
       <p:ext uri="{BB962C8B-B14F-4D97-AF65-F5344CB8AC3E}">
         <p14:creationId xmlns:p14="http://schemas.microsoft.com/office/powerpoint/2010/main" val="3825696496"/>
+      </p:ext>
+    </p:extLst>
+  </p:cSld>
+  <p:clrMapOvr>
+    <a:masterClrMapping/>
+  </p:clrMapOvr>
+  <mc:AlternateContent xmlns:mc="http://schemas.openxmlformats.org/markup-compatibility/2006" xmlns:p14="http://schemas.microsoft.com/office/powerpoint/2010/main">
+    <mc:Choice Requires="p14">
+      <p:transition spd="med" p14:dur="700">
+        <p:fade/>
+      </p:transition>
+    </mc:Choice>
+    <mc:Fallback xmlns="">
+      <p:transition spd="med">
+        <p:fade/>
+      </p:transition>
+    </mc:Fallback>
+  </mc:AlternateContent>
+  <p:timing>
+    <p:tnLst>
+      <p:par>
+        <p:cTn id="1" dur="indefinite" restart="never" nodeType="tmRoot"/>
+      </p:par>
+    </p:tnLst>
+  </p:timing>
+</p:sld>
+</file>
+
+<file path=ppt/slides/slide9.xml><?xml version="1.0" encoding="utf-8"?>
+<p:sld xmlns:a="http://schemas.openxmlformats.org/drawingml/2006/main" xmlns:r="http://schemas.openxmlformats.org/officeDocument/2006/relationships" xmlns:p="http://schemas.openxmlformats.org/presentationml/2006/main">
+  <p:cSld>
+    <p:spTree>
+      <p:nvGrpSpPr>
+        <p:cNvPr id="1" name=""/>
+        <p:cNvGrpSpPr/>
+        <p:nvPr/>
+      </p:nvGrpSpPr>
+      <p:grpSpPr>
+        <a:xfrm>
+          <a:off x="0" y="0"/>
+          <a:ext cx="0" cy="0"/>
+          <a:chOff x="0" y="0"/>
+          <a:chExt cx="0" cy="0"/>
+        </a:xfrm>
+      </p:grpSpPr>
+      <p:sp>
+        <p:nvSpPr>
+          <p:cNvPr id="2" name="Заголовок 1"/>
+          <p:cNvSpPr>
+            <a:spLocks noGrp="1"/>
+          </p:cNvSpPr>
+          <p:nvPr>
+            <p:ph type="title"/>
+          </p:nvPr>
+        </p:nvSpPr>
+        <p:spPr>
+          <a:xfrm>
+            <a:off x="1141413" y="618518"/>
+            <a:ext cx="9905998" cy="610207"/>
+          </a:xfrm>
+        </p:spPr>
+        <p:txBody>
+          <a:bodyPr/>
+          <a:lstStyle/>
+          <a:p>
+            <a:pPr algn="ctr"/>
+            <a:r>
+              <a:rPr lang="uk-UA" dirty="0"/>
+              <a:t>Опис мови </a:t>
+            </a:r>
+            <a:r>
+              <a:rPr lang="en-US" dirty="0"/>
+              <a:t>Jess</a:t>
+            </a:r>
+            <a:endParaRPr lang="ru-RU" dirty="0"/>
+          </a:p>
+        </p:txBody>
+      </p:sp>
+      <p:pic>
+        <p:nvPicPr>
+          <p:cNvPr id="6146" name="Рисунок 1"/>
+          <p:cNvPicPr>
+            <a:picLocks noChangeAspect="1" noChangeArrowheads="1"/>
+          </p:cNvPicPr>
+          <p:nvPr/>
+        </p:nvPicPr>
+        <p:blipFill>
+          <a:blip r:embed="rId2">
+            <a:extLst>
+              <a:ext uri="{28A0092B-C50C-407E-A947-70E740481C1C}">
+                <a14:useLocalDpi xmlns:a14="http://schemas.microsoft.com/office/drawing/2010/main" val="0"/>
+              </a:ext>
+            </a:extLst>
+          </a:blip>
+          <a:srcRect/>
+          <a:stretch>
+            <a:fillRect/>
+          </a:stretch>
+        </p:blipFill>
+        <p:spPr bwMode="auto">
+          <a:xfrm>
+            <a:off x="1649250" y="1616213"/>
+            <a:ext cx="8988832" cy="901840"/>
+          </a:xfrm>
+          <a:prstGeom prst="rect">
+            <a:avLst/>
+          </a:prstGeom>
+          <a:noFill/>
+          <a:ln>
+            <a:noFill/>
+          </a:ln>
+          <a:extLst>
+            <a:ext uri="{909E8E84-426E-40DD-AFC4-6F175D3DCCD1}">
+              <a14:hiddenFill xmlns:a14="http://schemas.microsoft.com/office/drawing/2010/main">
+                <a:solidFill>
+                  <a:srgbClr val="FFFFFF"/>
+                </a:solidFill>
+              </a14:hiddenFill>
+            </a:ext>
+            <a:ext uri="{91240B29-F687-4F45-9708-019B960494DF}">
+              <a14:hiddenLine xmlns:a14="http://schemas.microsoft.com/office/drawing/2010/main" w="9525">
+                <a:solidFill>
+                  <a:srgbClr val="000000"/>
+                </a:solidFill>
+                <a:miter lim="800000"/>
+                <a:headEnd/>
+                <a:tailEnd/>
+              </a14:hiddenLine>
+            </a:ext>
+          </a:extLst>
+        </p:spPr>
+      </p:pic>
+      <p:pic>
+        <p:nvPicPr>
+          <p:cNvPr id="6147" name="Рисунок 1"/>
+          <p:cNvPicPr>
+            <a:picLocks noChangeAspect="1" noChangeArrowheads="1"/>
+          </p:cNvPicPr>
+          <p:nvPr/>
+        </p:nvPicPr>
+        <p:blipFill>
+          <a:blip r:embed="rId3">
+            <a:extLst>
+              <a:ext uri="{28A0092B-C50C-407E-A947-70E740481C1C}">
+                <a14:useLocalDpi xmlns:a14="http://schemas.microsoft.com/office/drawing/2010/main" val="0"/>
+              </a:ext>
+            </a:extLst>
+          </a:blip>
+          <a:srcRect/>
+          <a:stretch>
+            <a:fillRect/>
+          </a:stretch>
+        </p:blipFill>
+        <p:spPr bwMode="auto">
+          <a:xfrm>
+            <a:off x="1649250" y="3409464"/>
+            <a:ext cx="8988832" cy="832146"/>
+          </a:xfrm>
+          <a:prstGeom prst="rect">
+            <a:avLst/>
+          </a:prstGeom>
+          <a:noFill/>
+          <a:ln>
+            <a:noFill/>
+          </a:ln>
+          <a:extLst>
+            <a:ext uri="{909E8E84-426E-40DD-AFC4-6F175D3DCCD1}">
+              <a14:hiddenFill xmlns:a14="http://schemas.microsoft.com/office/drawing/2010/main">
+                <a:solidFill>
+                  <a:srgbClr val="FFFFFF"/>
+                </a:solidFill>
+              </a14:hiddenFill>
+            </a:ext>
+            <a:ext uri="{91240B29-F687-4F45-9708-019B960494DF}">
+              <a14:hiddenLine xmlns:a14="http://schemas.microsoft.com/office/drawing/2010/main" w="9525">
+                <a:solidFill>
+                  <a:srgbClr val="000000"/>
+                </a:solidFill>
+                <a:miter lim="800000"/>
+                <a:headEnd/>
+                <a:tailEnd/>
+              </a14:hiddenLine>
+            </a:ext>
+          </a:extLst>
+        </p:spPr>
+      </p:pic>
+      <p:sp>
+        <p:nvSpPr>
+          <p:cNvPr id="4" name="Прямоугольник 3"/>
+          <p:cNvSpPr/>
+          <p:nvPr/>
+        </p:nvSpPr>
+        <p:spPr>
+          <a:xfrm>
+            <a:off x="4839240" y="2677358"/>
+            <a:ext cx="2586542" cy="369332"/>
+          </a:xfrm>
+          <a:prstGeom prst="rect">
+            <a:avLst/>
+          </a:prstGeom>
+        </p:spPr>
+        <p:txBody>
+          <a:bodyPr wrap="none">
+            <a:spAutoFit/>
+          </a:bodyPr>
+          <a:lstStyle/>
+          <a:p>
+            <a:r>
+              <a:rPr lang="uk-UA" dirty="0" smtClean="0">
+                <a:effectLst/>
+                <a:latin typeface="Times New Roman" panose="02020603050405020304" pitchFamily="18" charset="0"/>
+                <a:ea typeface="Calibri" panose="020F0502020204030204" pitchFamily="34" charset="0"/>
+              </a:rPr>
+              <a:t>Запис факту на мові </a:t>
+            </a:r>
+            <a:r>
+              <a:rPr lang="uk-UA" dirty="0" err="1" smtClean="0">
+                <a:effectLst/>
+                <a:latin typeface="Times New Roman" panose="02020603050405020304" pitchFamily="18" charset="0"/>
+                <a:ea typeface="Calibri" panose="020F0502020204030204" pitchFamily="34" charset="0"/>
+              </a:rPr>
+              <a:t>Jess</a:t>
+            </a:r>
+            <a:endParaRPr lang="ru-RU" dirty="0"/>
+          </a:p>
+        </p:txBody>
+      </p:sp>
+      <p:sp>
+        <p:nvSpPr>
+          <p:cNvPr id="5" name="Прямоугольник 4"/>
+          <p:cNvSpPr/>
+          <p:nvPr/>
+        </p:nvSpPr>
+        <p:spPr>
+          <a:xfrm>
+            <a:off x="4730427" y="4354174"/>
+            <a:ext cx="2804166" cy="369332"/>
+          </a:xfrm>
+          <a:prstGeom prst="rect">
+            <a:avLst/>
+          </a:prstGeom>
+        </p:spPr>
+        <p:txBody>
+          <a:bodyPr wrap="none">
+            <a:spAutoFit/>
+          </a:bodyPr>
+          <a:lstStyle/>
+          <a:p>
+            <a:r>
+              <a:rPr lang="uk-UA" dirty="0" smtClean="0">
+                <a:effectLst/>
+                <a:latin typeface="Times New Roman" panose="02020603050405020304" pitchFamily="18" charset="0"/>
+                <a:ea typeface="Calibri" panose="020F0502020204030204" pitchFamily="34" charset="0"/>
+              </a:rPr>
+              <a:t>Запис правила на мові </a:t>
+            </a:r>
+            <a:r>
+              <a:rPr lang="uk-UA" dirty="0" err="1" smtClean="0">
+                <a:effectLst/>
+                <a:latin typeface="Times New Roman" panose="02020603050405020304" pitchFamily="18" charset="0"/>
+                <a:ea typeface="Calibri" panose="020F0502020204030204" pitchFamily="34" charset="0"/>
+              </a:rPr>
+              <a:t>Jess</a:t>
+            </a:r>
+            <a:endParaRPr lang="ru-RU" dirty="0"/>
+          </a:p>
+        </p:txBody>
+      </p:sp>
+      <p:sp>
+        <p:nvSpPr>
+          <p:cNvPr id="6" name="Номер слайда 5"/>
+          <p:cNvSpPr>
+            <a:spLocks noGrp="1"/>
+          </p:cNvSpPr>
+          <p:nvPr>
+            <p:ph type="sldNum" sz="quarter" idx="12"/>
+          </p:nvPr>
+        </p:nvSpPr>
+        <p:spPr>
+          <a:xfrm>
+            <a:off x="10276322" y="359677"/>
+            <a:ext cx="771089" cy="365125"/>
+          </a:xfrm>
+        </p:spPr>
+        <p:txBody>
+          <a:bodyPr/>
+          <a:lstStyle/>
+          <a:p>
+            <a:fld id="{1C197F79-B892-4C65-AE2B-C69FA8B311C0}" type="slidenum">
+              <a:rPr lang="ru-RU" sz="1400" smtClean="0"/>
+              <a:t>9</a:t>
+            </a:fld>
+            <a:endParaRPr lang="ru-RU" sz="1400"/>
+          </a:p>
+        </p:txBody>
+      </p:sp>
+    </p:spTree>
+    <p:extLst>
+      <p:ext uri="{BB962C8B-B14F-4D97-AF65-F5344CB8AC3E}">
+        <p14:creationId xmlns:p14="http://schemas.microsoft.com/office/powerpoint/2010/main" val="4072123172"/>
       </p:ext>
     </p:extLst>
   </p:cSld>
@@ -20117,4 +17395,265 @@
     </a:ext>
   </a:extLst>
 </a:theme>
+</file>
+
+<file path=ppt/theme/theme3.xml><?xml version="1.0" encoding="utf-8"?>
+<a:theme xmlns:a="http://schemas.openxmlformats.org/drawingml/2006/main" name="Тема Office">
+  <a:themeElements>
+    <a:clrScheme name="Стандартная">
+      <a:dk1>
+        <a:sysClr val="windowText" lastClr="000000"/>
+      </a:dk1>
+      <a:lt1>
+        <a:sysClr val="window" lastClr="FFFFFF"/>
+      </a:lt1>
+      <a:dk2>
+        <a:srgbClr val="44546A"/>
+      </a:dk2>
+      <a:lt2>
+        <a:srgbClr val="E7E6E6"/>
+      </a:lt2>
+      <a:accent1>
+        <a:srgbClr val="5B9BD5"/>
+      </a:accent1>
+      <a:accent2>
+        <a:srgbClr val="ED7D31"/>
+      </a:accent2>
+      <a:accent3>
+        <a:srgbClr val="A5A5A5"/>
+      </a:accent3>
+      <a:accent4>
+        <a:srgbClr val="FFC000"/>
+      </a:accent4>
+      <a:accent5>
+        <a:srgbClr val="4472C4"/>
+      </a:accent5>
+      <a:accent6>
+        <a:srgbClr val="70AD47"/>
+      </a:accent6>
+      <a:hlink>
+        <a:srgbClr val="0563C1"/>
+      </a:hlink>
+      <a:folHlink>
+        <a:srgbClr val="954F72"/>
+      </a:folHlink>
+    </a:clrScheme>
+    <a:fontScheme name="Стандартная">
+      <a:majorFont>
+        <a:latin typeface="Calibri Light" panose="020F0302020204030204"/>
+        <a:ea typeface=""/>
+        <a:cs typeface=""/>
+        <a:font script="Jpan" typeface="ＭＳ Ｐゴシック"/>
+        <a:font script="Hang" typeface="맑은 고딕"/>
+        <a:font script="Hans" typeface="宋体"/>
+        <a:font script="Hant" typeface="新細明體"/>
+        <a:font script="Arab" typeface="Times New Roman"/>
+        <a:font script="Hebr" typeface="Times New Roman"/>
+        <a:font script="Thai" typeface="Angsana New"/>
+        <a:font script="Ethi" typeface="Nyala"/>
+        <a:font script="Beng" typeface="Vrinda"/>
+        <a:font script="Gujr" typeface="Shruti"/>
+        <a:font script="Khmr" typeface="MoolBoran"/>
+        <a:font script="Knda" typeface="Tunga"/>
+        <a:font script="Guru" typeface="Raavi"/>
+        <a:font script="Cans" typeface="Euphemia"/>
+        <a:font script="Cher" typeface="Plantagenet Cherokee"/>
+        <a:font script="Yiii" typeface="Microsoft Yi Baiti"/>
+        <a:font script="Tibt" typeface="Microsoft Himalaya"/>
+        <a:font script="Thaa" typeface="MV Boli"/>
+        <a:font script="Deva" typeface="Mangal"/>
+        <a:font script="Telu" typeface="Gautami"/>
+        <a:font script="Taml" typeface="Latha"/>
+        <a:font script="Syrc" typeface="Estrangelo Edessa"/>
+        <a:font script="Orya" typeface="Kalinga"/>
+        <a:font script="Mlym" typeface="Kartika"/>
+        <a:font script="Laoo" typeface="DokChampa"/>
+        <a:font script="Sinh" typeface="Iskoola Pota"/>
+        <a:font script="Mong" typeface="Mongolian Baiti"/>
+        <a:font script="Viet" typeface="Times New Roman"/>
+        <a:font script="Uigh" typeface="Microsoft Uighur"/>
+        <a:font script="Geor" typeface="Sylfaen"/>
+      </a:majorFont>
+      <a:minorFont>
+        <a:latin typeface="Calibri" panose="020F0502020204030204"/>
+        <a:ea typeface=""/>
+        <a:cs typeface=""/>
+        <a:font script="Jpan" typeface="ＭＳ Ｐゴシック"/>
+        <a:font script="Hang" typeface="맑은 고딕"/>
+        <a:font script="Hans" typeface="宋体"/>
+        <a:font script="Hant" typeface="新細明體"/>
+        <a:font script="Arab" typeface="Arial"/>
+        <a:font script="Hebr" typeface="Arial"/>
+        <a:font script="Thai" typeface="Cordia New"/>
+        <a:font script="Ethi" typeface="Nyala"/>
+        <a:font script="Beng" typeface="Vrinda"/>
+        <a:font script="Gujr" typeface="Shruti"/>
+        <a:font script="Khmr" typeface="DaunPenh"/>
+        <a:font script="Knda" typeface="Tunga"/>
+        <a:font script="Guru" typeface="Raavi"/>
+        <a:font script="Cans" typeface="Euphemia"/>
+        <a:font script="Cher" typeface="Plantagenet Cherokee"/>
+        <a:font script="Yiii" typeface="Microsoft Yi Baiti"/>
+        <a:font script="Tibt" typeface="Microsoft Himalaya"/>
+        <a:font script="Thaa" typeface="MV Boli"/>
+        <a:font script="Deva" typeface="Mangal"/>
+        <a:font script="Telu" typeface="Gautami"/>
+        <a:font script="Taml" typeface="Latha"/>
+        <a:font script="Syrc" typeface="Estrangelo Edessa"/>
+        <a:font script="Orya" typeface="Kalinga"/>
+        <a:font script="Mlym" typeface="Kartika"/>
+        <a:font script="Laoo" typeface="DokChampa"/>
+        <a:font script="Sinh" typeface="Iskoola Pota"/>
+        <a:font script="Mong" typeface="Mongolian Baiti"/>
+        <a:font script="Viet" typeface="Arial"/>
+        <a:font script="Uigh" typeface="Microsoft Uighur"/>
+        <a:font script="Geor" typeface="Sylfaen"/>
+      </a:minorFont>
+    </a:fontScheme>
+    <a:fmtScheme name="Стандартная">
+      <a:fillStyleLst>
+        <a:solidFill>
+          <a:schemeClr val="phClr"/>
+        </a:solidFill>
+        <a:gradFill rotWithShape="1">
+          <a:gsLst>
+            <a:gs pos="0">
+              <a:schemeClr val="phClr">
+                <a:lumMod val="110000"/>
+                <a:satMod val="105000"/>
+                <a:tint val="67000"/>
+              </a:schemeClr>
+            </a:gs>
+            <a:gs pos="50000">
+              <a:schemeClr val="phClr">
+                <a:lumMod val="105000"/>
+                <a:satMod val="103000"/>
+                <a:tint val="73000"/>
+              </a:schemeClr>
+            </a:gs>
+            <a:gs pos="100000">
+              <a:schemeClr val="phClr">
+                <a:lumMod val="105000"/>
+                <a:satMod val="109000"/>
+                <a:tint val="81000"/>
+              </a:schemeClr>
+            </a:gs>
+          </a:gsLst>
+          <a:lin ang="5400000" scaled="0"/>
+        </a:gradFill>
+        <a:gradFill rotWithShape="1">
+          <a:gsLst>
+            <a:gs pos="0">
+              <a:schemeClr val="phClr">
+                <a:satMod val="103000"/>
+                <a:lumMod val="102000"/>
+                <a:tint val="94000"/>
+              </a:schemeClr>
+            </a:gs>
+            <a:gs pos="50000">
+              <a:schemeClr val="phClr">
+                <a:satMod val="110000"/>
+                <a:lumMod val="100000"/>
+                <a:shade val="100000"/>
+              </a:schemeClr>
+            </a:gs>
+            <a:gs pos="100000">
+              <a:schemeClr val="phClr">
+                <a:lumMod val="99000"/>
+                <a:satMod val="120000"/>
+                <a:shade val="78000"/>
+              </a:schemeClr>
+            </a:gs>
+          </a:gsLst>
+          <a:lin ang="5400000" scaled="0"/>
+        </a:gradFill>
+      </a:fillStyleLst>
+      <a:lnStyleLst>
+        <a:ln w="6350" cap="flat" cmpd="sng" algn="ctr">
+          <a:solidFill>
+            <a:schemeClr val="phClr"/>
+          </a:solidFill>
+          <a:prstDash val="solid"/>
+          <a:miter lim="800000"/>
+        </a:ln>
+        <a:ln w="12700" cap="flat" cmpd="sng" algn="ctr">
+          <a:solidFill>
+            <a:schemeClr val="phClr"/>
+          </a:solidFill>
+          <a:prstDash val="solid"/>
+          <a:miter lim="800000"/>
+        </a:ln>
+        <a:ln w="19050" cap="flat" cmpd="sng" algn="ctr">
+          <a:solidFill>
+            <a:schemeClr val="phClr"/>
+          </a:solidFill>
+          <a:prstDash val="solid"/>
+          <a:miter lim="800000"/>
+        </a:ln>
+      </a:lnStyleLst>
+      <a:effectStyleLst>
+        <a:effectStyle>
+          <a:effectLst/>
+        </a:effectStyle>
+        <a:effectStyle>
+          <a:effectLst/>
+        </a:effectStyle>
+        <a:effectStyle>
+          <a:effectLst>
+            <a:outerShdw blurRad="57150" dist="19050" dir="5400000" algn="ctr" rotWithShape="0">
+              <a:srgbClr val="000000">
+                <a:alpha val="63000"/>
+              </a:srgbClr>
+            </a:outerShdw>
+          </a:effectLst>
+        </a:effectStyle>
+      </a:effectStyleLst>
+      <a:bgFillStyleLst>
+        <a:solidFill>
+          <a:schemeClr val="phClr"/>
+        </a:solidFill>
+        <a:solidFill>
+          <a:schemeClr val="phClr">
+            <a:tint val="95000"/>
+            <a:satMod val="170000"/>
+          </a:schemeClr>
+        </a:solidFill>
+        <a:gradFill rotWithShape="1">
+          <a:gsLst>
+            <a:gs pos="0">
+              <a:schemeClr val="phClr">
+                <a:tint val="93000"/>
+                <a:satMod val="150000"/>
+                <a:shade val="98000"/>
+                <a:lumMod val="102000"/>
+              </a:schemeClr>
+            </a:gs>
+            <a:gs pos="50000">
+              <a:schemeClr val="phClr">
+                <a:tint val="98000"/>
+                <a:satMod val="130000"/>
+                <a:shade val="90000"/>
+                <a:lumMod val="103000"/>
+              </a:schemeClr>
+            </a:gs>
+            <a:gs pos="100000">
+              <a:schemeClr val="phClr">
+                <a:shade val="63000"/>
+                <a:satMod val="120000"/>
+              </a:schemeClr>
+            </a:gs>
+          </a:gsLst>
+          <a:lin ang="5400000" scaled="0"/>
+        </a:gradFill>
+      </a:bgFillStyleLst>
+    </a:fmtScheme>
+  </a:themeElements>
+  <a:objectDefaults/>
+  <a:extraClrSchemeLst/>
+  <a:extLst>
+    <a:ext uri="{05A4C25C-085E-4340-85A3-A5531E510DB2}">
+      <thm15:themeFamily xmlns:thm15="http://schemas.microsoft.com/office/thememl/2012/main" name="Office Theme" id="{62F939B6-93AF-4DB8-9C6B-D6C7DFDC589F}" vid="{4A3C46E8-61CC-4603-A589-7422A47A8E4A}"/>
+    </a:ext>
+  </a:extLst>
+</a:theme>
 </file>